--- a/Presentation.pptx
+++ b/Presentation.pptx
@@ -14,8 +14,10 @@
     <p:sldId id="260" r:id="rId8"/>
     <p:sldId id="261" r:id="rId9"/>
     <p:sldId id="262" r:id="rId10"/>
-    <p:sldId id="264" r:id="rId11"/>
-    <p:sldId id="265" r:id="rId12"/>
+    <p:sldId id="269" r:id="rId11"/>
+    <p:sldId id="270" r:id="rId12"/>
+    <p:sldId id="264" r:id="rId13"/>
+    <p:sldId id="265" r:id="rId14"/>
   </p:sldIdLst>
   <p:sldSz cx="12192000" cy="6858000"/>
   <p:notesSz cx="6858000" cy="9144000"/>
@@ -114,6 +116,11 @@
       </a:defRPr>
     </a:lvl9pPr>
   </p:defaultTextStyle>
+  <p:extLst>
+    <p:ext uri="{EFAFB233-063F-42B5-8137-9DF3F51BA10A}">
+      <p15:sldGuideLst xmlns:p15="http://schemas.microsoft.com/office/powerpoint/2012/main"/>
+    </p:ext>
+  </p:extLst>
 </p:presentation>
 </file>
 
@@ -3424,6 +3431,1110 @@
       </p:grpSpPr>
       <p:sp>
         <p:nvSpPr>
+          <p:cNvPr id="2" name="Title 1">
+            <a:extLst>
+              <a:ext uri="{FF2B5EF4-FFF2-40B4-BE49-F238E27FC236}">
+                <a16:creationId xmlns:a16="http://schemas.microsoft.com/office/drawing/2014/main" id="{1903578F-60F4-4A7B-9DE7-BAC224182231}"/>
+              </a:ext>
+            </a:extLst>
+          </p:cNvPr>
+          <p:cNvSpPr>
+            <a:spLocks noGrp="1"/>
+          </p:cNvSpPr>
+          <p:nvPr>
+            <p:ph type="title"/>
+          </p:nvPr>
+        </p:nvSpPr>
+        <p:spPr/>
+        <p:txBody>
+          <a:bodyPr/>
+          <a:lstStyle/>
+          <a:p>
+            <a:r>
+              <a:rPr lang="en-US" dirty="0" err="1">
+                <a:latin typeface="Abadi Extra Light" panose="020B0204020104020204" pitchFamily="34" charset="0"/>
+              </a:rPr>
+              <a:t>PgAdmin</a:t>
+            </a:r>
+            <a:endParaRPr lang="en-US" dirty="0">
+              <a:latin typeface="Abadi Extra Light" panose="020B0204020104020204" pitchFamily="34" charset="0"/>
+            </a:endParaRPr>
+          </a:p>
+        </p:txBody>
+      </p:sp>
+      <p:cxnSp>
+        <p:nvCxnSpPr>
+          <p:cNvPr id="15" name="Straight Connector 14">
+            <a:extLst>
+              <a:ext uri="{FF2B5EF4-FFF2-40B4-BE49-F238E27FC236}">
+                <a16:creationId xmlns:a16="http://schemas.microsoft.com/office/drawing/2014/main" id="{17593F09-B2DB-4D0B-B67A-FDBBA69A0934}"/>
+              </a:ext>
+            </a:extLst>
+          </p:cNvPr>
+          <p:cNvCxnSpPr>
+            <a:cxnSpLocks/>
+          </p:cNvCxnSpPr>
+          <p:nvPr/>
+        </p:nvCxnSpPr>
+        <p:spPr>
+          <a:xfrm>
+            <a:off x="761837" y="1396181"/>
+            <a:ext cx="10668327" cy="0"/>
+          </a:xfrm>
+          <a:prstGeom prst="line">
+            <a:avLst/>
+          </a:prstGeom>
+          <a:ln>
+            <a:solidFill>
+              <a:schemeClr val="bg1">
+                <a:lumMod val="85000"/>
+              </a:schemeClr>
+            </a:solidFill>
+          </a:ln>
+        </p:spPr>
+        <p:style>
+          <a:lnRef idx="1">
+            <a:schemeClr val="accent1"/>
+          </a:lnRef>
+          <a:fillRef idx="0">
+            <a:schemeClr val="accent1"/>
+          </a:fillRef>
+          <a:effectRef idx="0">
+            <a:schemeClr val="accent1"/>
+          </a:effectRef>
+          <a:fontRef idx="minor">
+            <a:schemeClr val="tx1"/>
+          </a:fontRef>
+        </p:style>
+      </p:cxnSp>
+      <p:cxnSp>
+        <p:nvCxnSpPr>
+          <p:cNvPr id="10" name="Straight Connector 9">
+            <a:extLst>
+              <a:ext uri="{FF2B5EF4-FFF2-40B4-BE49-F238E27FC236}">
+                <a16:creationId xmlns:a16="http://schemas.microsoft.com/office/drawing/2014/main" id="{8830F824-E101-496B-B421-67A36E4D8518}"/>
+              </a:ext>
+            </a:extLst>
+          </p:cNvPr>
+          <p:cNvCxnSpPr>
+            <a:cxnSpLocks/>
+          </p:cNvCxnSpPr>
+          <p:nvPr/>
+        </p:nvCxnSpPr>
+        <p:spPr>
+          <a:xfrm>
+            <a:off x="3783106" y="1396181"/>
+            <a:ext cx="0" cy="3776454"/>
+          </a:xfrm>
+          <a:prstGeom prst="line">
+            <a:avLst/>
+          </a:prstGeom>
+          <a:ln>
+            <a:solidFill>
+              <a:schemeClr val="bg1">
+                <a:lumMod val="85000"/>
+              </a:schemeClr>
+            </a:solidFill>
+          </a:ln>
+        </p:spPr>
+        <p:style>
+          <a:lnRef idx="1">
+            <a:schemeClr val="accent1"/>
+          </a:lnRef>
+          <a:fillRef idx="0">
+            <a:schemeClr val="accent1"/>
+          </a:fillRef>
+          <a:effectRef idx="0">
+            <a:schemeClr val="accent1"/>
+          </a:effectRef>
+          <a:fontRef idx="minor">
+            <a:schemeClr val="tx1"/>
+          </a:fontRef>
+        </p:style>
+      </p:cxnSp>
+      <p:pic>
+        <p:nvPicPr>
+          <p:cNvPr id="5" name="Picture 4">
+            <a:extLst>
+              <a:ext uri="{FF2B5EF4-FFF2-40B4-BE49-F238E27FC236}">
+                <a16:creationId xmlns:a16="http://schemas.microsoft.com/office/drawing/2014/main" id="{DEC27F1F-4711-4717-9202-C5D4B465F509}"/>
+              </a:ext>
+            </a:extLst>
+          </p:cNvPr>
+          <p:cNvPicPr>
+            <a:picLocks noChangeAspect="1"/>
+          </p:cNvPicPr>
+          <p:nvPr/>
+        </p:nvPicPr>
+        <p:blipFill rotWithShape="1">
+          <a:blip r:embed="rId2"/>
+          <a:srcRect t="227"/>
+          <a:stretch/>
+        </p:blipFill>
+        <p:spPr>
+          <a:xfrm>
+            <a:off x="761835" y="1537859"/>
+            <a:ext cx="2955395" cy="4728465"/>
+          </a:xfrm>
+          <a:prstGeom prst="rect">
+            <a:avLst/>
+          </a:prstGeom>
+        </p:spPr>
+      </p:pic>
+      <p:sp>
+        <p:nvSpPr>
+          <p:cNvPr id="14" name="Content Placeholder 2">
+            <a:extLst>
+              <a:ext uri="{FF2B5EF4-FFF2-40B4-BE49-F238E27FC236}">
+                <a16:creationId xmlns:a16="http://schemas.microsoft.com/office/drawing/2014/main" id="{A10533A2-523F-42F5-A4AF-3DA5416198F6}"/>
+              </a:ext>
+            </a:extLst>
+          </p:cNvPr>
+          <p:cNvSpPr txBox="1">
+            <a:spLocks/>
+          </p:cNvSpPr>
+          <p:nvPr/>
+        </p:nvSpPr>
+        <p:spPr>
+          <a:xfrm>
+            <a:off x="3971498" y="1825625"/>
+            <a:ext cx="7955031" cy="4351338"/>
+          </a:xfrm>
+          <a:prstGeom prst="rect">
+            <a:avLst/>
+          </a:prstGeom>
+        </p:spPr>
+        <p:txBody>
+          <a:bodyPr vert="horz" lIns="91440" tIns="45720" rIns="91440" bIns="45720" rtlCol="0">
+            <a:normAutofit/>
+          </a:bodyPr>
+          <a:lstStyle>
+            <a:lvl1pPr marL="228600" indent="-228600" algn="l" defTabSz="914400" rtl="0" eaLnBrk="1" latinLnBrk="0" hangingPunct="1">
+              <a:lnSpc>
+                <a:spcPct val="90000"/>
+              </a:lnSpc>
+              <a:spcBef>
+                <a:spcPts val="1000"/>
+              </a:spcBef>
+              <a:buFont typeface="Arial" panose="020B0604020202020204" pitchFamily="34" charset="0"/>
+              <a:buChar char="•"/>
+              <a:defRPr sz="2800" kern="1200">
+                <a:solidFill>
+                  <a:schemeClr val="tx1"/>
+                </a:solidFill>
+                <a:latin typeface="+mn-lt"/>
+                <a:ea typeface="+mn-ea"/>
+                <a:cs typeface="+mn-cs"/>
+              </a:defRPr>
+            </a:lvl1pPr>
+            <a:lvl2pPr marL="685800" indent="-228600" algn="l" defTabSz="914400" rtl="0" eaLnBrk="1" latinLnBrk="0" hangingPunct="1">
+              <a:lnSpc>
+                <a:spcPct val="90000"/>
+              </a:lnSpc>
+              <a:spcBef>
+                <a:spcPts val="500"/>
+              </a:spcBef>
+              <a:buFont typeface="Arial" panose="020B0604020202020204" pitchFamily="34" charset="0"/>
+              <a:buChar char="•"/>
+              <a:defRPr sz="2400" kern="1200">
+                <a:solidFill>
+                  <a:schemeClr val="tx1"/>
+                </a:solidFill>
+                <a:latin typeface="+mn-lt"/>
+                <a:ea typeface="+mn-ea"/>
+                <a:cs typeface="+mn-cs"/>
+              </a:defRPr>
+            </a:lvl2pPr>
+            <a:lvl3pPr marL="1143000" indent="-228600" algn="l" defTabSz="914400" rtl="0" eaLnBrk="1" latinLnBrk="0" hangingPunct="1">
+              <a:lnSpc>
+                <a:spcPct val="90000"/>
+              </a:lnSpc>
+              <a:spcBef>
+                <a:spcPts val="500"/>
+              </a:spcBef>
+              <a:buFont typeface="Arial" panose="020B0604020202020204" pitchFamily="34" charset="0"/>
+              <a:buChar char="•"/>
+              <a:defRPr sz="2000" kern="1200">
+                <a:solidFill>
+                  <a:schemeClr val="tx1"/>
+                </a:solidFill>
+                <a:latin typeface="+mn-lt"/>
+                <a:ea typeface="+mn-ea"/>
+                <a:cs typeface="+mn-cs"/>
+              </a:defRPr>
+            </a:lvl3pPr>
+            <a:lvl4pPr marL="1600200" indent="-228600" algn="l" defTabSz="914400" rtl="0" eaLnBrk="1" latinLnBrk="0" hangingPunct="1">
+              <a:lnSpc>
+                <a:spcPct val="90000"/>
+              </a:lnSpc>
+              <a:spcBef>
+                <a:spcPts val="500"/>
+              </a:spcBef>
+              <a:buFont typeface="Arial" panose="020B0604020202020204" pitchFamily="34" charset="0"/>
+              <a:buChar char="•"/>
+              <a:defRPr sz="1800" kern="1200">
+                <a:solidFill>
+                  <a:schemeClr val="tx1"/>
+                </a:solidFill>
+                <a:latin typeface="+mn-lt"/>
+                <a:ea typeface="+mn-ea"/>
+                <a:cs typeface="+mn-cs"/>
+              </a:defRPr>
+            </a:lvl4pPr>
+            <a:lvl5pPr marL="2057400" indent="-228600" algn="l" defTabSz="914400" rtl="0" eaLnBrk="1" latinLnBrk="0" hangingPunct="1">
+              <a:lnSpc>
+                <a:spcPct val="90000"/>
+              </a:lnSpc>
+              <a:spcBef>
+                <a:spcPts val="500"/>
+              </a:spcBef>
+              <a:buFont typeface="Arial" panose="020B0604020202020204" pitchFamily="34" charset="0"/>
+              <a:buChar char="•"/>
+              <a:defRPr sz="1800" kern="1200">
+                <a:solidFill>
+                  <a:schemeClr val="tx1"/>
+                </a:solidFill>
+                <a:latin typeface="+mn-lt"/>
+                <a:ea typeface="+mn-ea"/>
+                <a:cs typeface="+mn-cs"/>
+              </a:defRPr>
+            </a:lvl5pPr>
+            <a:lvl6pPr marL="2514600" indent="-228600" algn="l" defTabSz="914400" rtl="0" eaLnBrk="1" latinLnBrk="0" hangingPunct="1">
+              <a:lnSpc>
+                <a:spcPct val="90000"/>
+              </a:lnSpc>
+              <a:spcBef>
+                <a:spcPts val="500"/>
+              </a:spcBef>
+              <a:buFont typeface="Arial" panose="020B0604020202020204" pitchFamily="34" charset="0"/>
+              <a:buChar char="•"/>
+              <a:defRPr sz="1800" kern="1200">
+                <a:solidFill>
+                  <a:schemeClr val="tx1"/>
+                </a:solidFill>
+                <a:latin typeface="+mn-lt"/>
+                <a:ea typeface="+mn-ea"/>
+                <a:cs typeface="+mn-cs"/>
+              </a:defRPr>
+            </a:lvl6pPr>
+            <a:lvl7pPr marL="2971800" indent="-228600" algn="l" defTabSz="914400" rtl="0" eaLnBrk="1" latinLnBrk="0" hangingPunct="1">
+              <a:lnSpc>
+                <a:spcPct val="90000"/>
+              </a:lnSpc>
+              <a:spcBef>
+                <a:spcPts val="500"/>
+              </a:spcBef>
+              <a:buFont typeface="Arial" panose="020B0604020202020204" pitchFamily="34" charset="0"/>
+              <a:buChar char="•"/>
+              <a:defRPr sz="1800" kern="1200">
+                <a:solidFill>
+                  <a:schemeClr val="tx1"/>
+                </a:solidFill>
+                <a:latin typeface="+mn-lt"/>
+                <a:ea typeface="+mn-ea"/>
+                <a:cs typeface="+mn-cs"/>
+              </a:defRPr>
+            </a:lvl7pPr>
+            <a:lvl8pPr marL="3429000" indent="-228600" algn="l" defTabSz="914400" rtl="0" eaLnBrk="1" latinLnBrk="0" hangingPunct="1">
+              <a:lnSpc>
+                <a:spcPct val="90000"/>
+              </a:lnSpc>
+              <a:spcBef>
+                <a:spcPts val="500"/>
+              </a:spcBef>
+              <a:buFont typeface="Arial" panose="020B0604020202020204" pitchFamily="34" charset="0"/>
+              <a:buChar char="•"/>
+              <a:defRPr sz="1800" kern="1200">
+                <a:solidFill>
+                  <a:schemeClr val="tx1"/>
+                </a:solidFill>
+                <a:latin typeface="+mn-lt"/>
+                <a:ea typeface="+mn-ea"/>
+                <a:cs typeface="+mn-cs"/>
+              </a:defRPr>
+            </a:lvl8pPr>
+            <a:lvl9pPr marL="3886200" indent="-228600" algn="l" defTabSz="914400" rtl="0" eaLnBrk="1" latinLnBrk="0" hangingPunct="1">
+              <a:lnSpc>
+                <a:spcPct val="90000"/>
+              </a:lnSpc>
+              <a:spcBef>
+                <a:spcPts val="500"/>
+              </a:spcBef>
+              <a:buFont typeface="Arial" panose="020B0604020202020204" pitchFamily="34" charset="0"/>
+              <a:buChar char="•"/>
+              <a:defRPr sz="1800" kern="1200">
+                <a:solidFill>
+                  <a:schemeClr val="tx1"/>
+                </a:solidFill>
+                <a:latin typeface="+mn-lt"/>
+                <a:ea typeface="+mn-ea"/>
+                <a:cs typeface="+mn-cs"/>
+              </a:defRPr>
+            </a:lvl9pPr>
+          </a:lstStyle>
+          <a:p>
+            <a:pPr marL="514350" indent="-514350">
+              <a:spcAft>
+                <a:spcPts val="600"/>
+              </a:spcAft>
+              <a:buFont typeface="Arial" panose="020B0604020202020204" pitchFamily="34" charset="0"/>
+              <a:buAutoNum type="arabicParenR"/>
+            </a:pPr>
+            <a:r>
+              <a:rPr lang="en-US" dirty="0">
+                <a:latin typeface="Book Antiqua" panose="02040602050305030304" pitchFamily="18" charset="0"/>
+              </a:rPr>
+              <a:t>download from </a:t>
+            </a:r>
+            <a:r>
+              <a:rPr lang="en-US" b="1" dirty="0">
+                <a:latin typeface="Book Antiqua" panose="02040602050305030304" pitchFamily="18" charset="0"/>
+              </a:rPr>
+              <a:t>pgadmin.org</a:t>
+            </a:r>
+          </a:p>
+          <a:p>
+            <a:pPr marL="514350" indent="-514350">
+              <a:spcAft>
+                <a:spcPts val="600"/>
+              </a:spcAft>
+              <a:buFont typeface="Arial" panose="020B0604020202020204" pitchFamily="34" charset="0"/>
+              <a:buAutoNum type="arabicParenR"/>
+            </a:pPr>
+            <a:r>
+              <a:rPr lang="en-US" dirty="0">
+                <a:latin typeface="Book Antiqua" panose="02040602050305030304" pitchFamily="18" charset="0"/>
+              </a:rPr>
+              <a:t>connect to server</a:t>
+            </a:r>
+          </a:p>
+          <a:p>
+            <a:pPr lvl="1">
+              <a:spcAft>
+                <a:spcPts val="600"/>
+              </a:spcAft>
+            </a:pPr>
+            <a:r>
+              <a:rPr lang="en-US" dirty="0">
+                <a:latin typeface="Book Antiqua" panose="02040602050305030304" pitchFamily="18" charset="0"/>
+              </a:rPr>
+              <a:t>port: 5432</a:t>
+            </a:r>
+          </a:p>
+          <a:p>
+            <a:pPr lvl="1">
+              <a:spcAft>
+                <a:spcPts val="600"/>
+              </a:spcAft>
+            </a:pPr>
+            <a:r>
+              <a:rPr lang="en-US" dirty="0">
+                <a:latin typeface="Book Antiqua" panose="02040602050305030304" pitchFamily="18" charset="0"/>
+              </a:rPr>
+              <a:t>username: </a:t>
+            </a:r>
+            <a:r>
+              <a:rPr lang="en-US" dirty="0" err="1">
+                <a:latin typeface="Book Antiqua" panose="02040602050305030304" pitchFamily="18" charset="0"/>
+              </a:rPr>
+              <a:t>postgres</a:t>
+            </a:r>
+            <a:endParaRPr lang="en-US" dirty="0">
+              <a:latin typeface="Book Antiqua" panose="02040602050305030304" pitchFamily="18" charset="0"/>
+            </a:endParaRPr>
+          </a:p>
+          <a:p>
+            <a:pPr lvl="1">
+              <a:spcAft>
+                <a:spcPts val="600"/>
+              </a:spcAft>
+            </a:pPr>
+            <a:r>
+              <a:rPr lang="en-US" dirty="0">
+                <a:latin typeface="Book Antiqua" panose="02040602050305030304" pitchFamily="18" charset="0"/>
+              </a:rPr>
+              <a:t>password: </a:t>
+            </a:r>
+            <a:r>
+              <a:rPr lang="en-US" dirty="0" err="1">
+                <a:latin typeface="Book Antiqua" panose="02040602050305030304" pitchFamily="18" charset="0"/>
+              </a:rPr>
+              <a:t>postgres</a:t>
+            </a:r>
+            <a:endParaRPr lang="en-US" dirty="0">
+              <a:latin typeface="Book Antiqua" panose="02040602050305030304" pitchFamily="18" charset="0"/>
+            </a:endParaRPr>
+          </a:p>
+          <a:p>
+            <a:pPr marL="514350" indent="-514350">
+              <a:spcAft>
+                <a:spcPts val="600"/>
+              </a:spcAft>
+              <a:buFont typeface="Arial" panose="020B0604020202020204" pitchFamily="34" charset="0"/>
+              <a:buAutoNum type="arabicParenR"/>
+            </a:pPr>
+            <a:r>
+              <a:rPr lang="en-US" dirty="0">
+                <a:latin typeface="Book Antiqua" panose="02040602050305030304" pitchFamily="18" charset="0"/>
+              </a:rPr>
+              <a:t>modify tables/columns</a:t>
+            </a:r>
+          </a:p>
+          <a:p>
+            <a:pPr marL="0" indent="0">
+              <a:buFont typeface="Arial" panose="020B0604020202020204" pitchFamily="34" charset="0"/>
+              <a:buNone/>
+            </a:pPr>
+            <a:endParaRPr lang="en-US" dirty="0">
+              <a:latin typeface="Book Antiqua" panose="02040602050305030304" pitchFamily="18" charset="0"/>
+            </a:endParaRPr>
+          </a:p>
+        </p:txBody>
+      </p:sp>
+    </p:spTree>
+    <p:extLst>
+      <p:ext uri="{BB962C8B-B14F-4D97-AF65-F5344CB8AC3E}">
+        <p14:creationId xmlns:p14="http://schemas.microsoft.com/office/powerpoint/2010/main" val="551575577"/>
+      </p:ext>
+    </p:extLst>
+  </p:cSld>
+  <p:clrMapOvr>
+    <a:masterClrMapping/>
+  </p:clrMapOvr>
+</p:sld>
+</file>
+
+<file path=ppt/slides/slide11.xml><?xml version="1.0" encoding="utf-8"?>
+<p:sld xmlns:a="http://schemas.openxmlformats.org/drawingml/2006/main" xmlns:r="http://schemas.openxmlformats.org/officeDocument/2006/relationships" xmlns:p="http://schemas.openxmlformats.org/presentationml/2006/main">
+  <p:cSld>
+    <p:spTree>
+      <p:nvGrpSpPr>
+        <p:cNvPr id="1" name=""/>
+        <p:cNvGrpSpPr/>
+        <p:nvPr/>
+      </p:nvGrpSpPr>
+      <p:grpSpPr>
+        <a:xfrm>
+          <a:off x="0" y="0"/>
+          <a:ext cx="0" cy="0"/>
+          <a:chOff x="0" y="0"/>
+          <a:chExt cx="0" cy="0"/>
+        </a:xfrm>
+      </p:grpSpPr>
+      <p:sp>
+        <p:nvSpPr>
+          <p:cNvPr id="2" name="Title 1">
+            <a:extLst>
+              <a:ext uri="{FF2B5EF4-FFF2-40B4-BE49-F238E27FC236}">
+                <a16:creationId xmlns:a16="http://schemas.microsoft.com/office/drawing/2014/main" id="{1903578F-60F4-4A7B-9DE7-BAC224182231}"/>
+              </a:ext>
+            </a:extLst>
+          </p:cNvPr>
+          <p:cNvSpPr>
+            <a:spLocks noGrp="1"/>
+          </p:cNvSpPr>
+          <p:nvPr>
+            <p:ph type="title"/>
+          </p:nvPr>
+        </p:nvSpPr>
+        <p:spPr/>
+        <p:txBody>
+          <a:bodyPr/>
+          <a:lstStyle/>
+          <a:p>
+            <a:r>
+              <a:rPr lang="en-US" dirty="0">
+                <a:latin typeface="Abadi Extra Light" panose="020B0204020104020204" pitchFamily="34" charset="0"/>
+              </a:rPr>
+              <a:t>Grafana</a:t>
+            </a:r>
+          </a:p>
+        </p:txBody>
+      </p:sp>
+      <p:cxnSp>
+        <p:nvCxnSpPr>
+          <p:cNvPr id="15" name="Straight Connector 14">
+            <a:extLst>
+              <a:ext uri="{FF2B5EF4-FFF2-40B4-BE49-F238E27FC236}">
+                <a16:creationId xmlns:a16="http://schemas.microsoft.com/office/drawing/2014/main" id="{17593F09-B2DB-4D0B-B67A-FDBBA69A0934}"/>
+              </a:ext>
+            </a:extLst>
+          </p:cNvPr>
+          <p:cNvCxnSpPr>
+            <a:cxnSpLocks/>
+          </p:cNvCxnSpPr>
+          <p:nvPr/>
+        </p:nvCxnSpPr>
+        <p:spPr>
+          <a:xfrm>
+            <a:off x="761837" y="1396181"/>
+            <a:ext cx="10668327" cy="0"/>
+          </a:xfrm>
+          <a:prstGeom prst="line">
+            <a:avLst/>
+          </a:prstGeom>
+          <a:ln>
+            <a:solidFill>
+              <a:schemeClr val="bg1">
+                <a:lumMod val="85000"/>
+              </a:schemeClr>
+            </a:solidFill>
+          </a:ln>
+        </p:spPr>
+        <p:style>
+          <a:lnRef idx="1">
+            <a:schemeClr val="accent1"/>
+          </a:lnRef>
+          <a:fillRef idx="0">
+            <a:schemeClr val="accent1"/>
+          </a:fillRef>
+          <a:effectRef idx="0">
+            <a:schemeClr val="accent1"/>
+          </a:effectRef>
+          <a:fontRef idx="minor">
+            <a:schemeClr val="tx1"/>
+          </a:fontRef>
+        </p:style>
+      </p:cxnSp>
+      <p:cxnSp>
+        <p:nvCxnSpPr>
+          <p:cNvPr id="10" name="Straight Connector 9">
+            <a:extLst>
+              <a:ext uri="{FF2B5EF4-FFF2-40B4-BE49-F238E27FC236}">
+                <a16:creationId xmlns:a16="http://schemas.microsoft.com/office/drawing/2014/main" id="{8830F824-E101-496B-B421-67A36E4D8518}"/>
+              </a:ext>
+            </a:extLst>
+          </p:cNvPr>
+          <p:cNvCxnSpPr>
+            <a:cxnSpLocks/>
+          </p:cNvCxnSpPr>
+          <p:nvPr/>
+        </p:nvCxnSpPr>
+        <p:spPr>
+          <a:xfrm>
+            <a:off x="3783106" y="1396181"/>
+            <a:ext cx="0" cy="3776454"/>
+          </a:xfrm>
+          <a:prstGeom prst="line">
+            <a:avLst/>
+          </a:prstGeom>
+          <a:ln>
+            <a:solidFill>
+              <a:schemeClr val="bg1">
+                <a:lumMod val="85000"/>
+              </a:schemeClr>
+            </a:solidFill>
+          </a:ln>
+        </p:spPr>
+        <p:style>
+          <a:lnRef idx="1">
+            <a:schemeClr val="accent1"/>
+          </a:lnRef>
+          <a:fillRef idx="0">
+            <a:schemeClr val="accent1"/>
+          </a:fillRef>
+          <a:effectRef idx="0">
+            <a:schemeClr val="accent1"/>
+          </a:effectRef>
+          <a:fontRef idx="minor">
+            <a:schemeClr val="tx1"/>
+          </a:fontRef>
+        </p:style>
+      </p:cxnSp>
+      <p:sp>
+        <p:nvSpPr>
+          <p:cNvPr id="14" name="Content Placeholder 2">
+            <a:extLst>
+              <a:ext uri="{FF2B5EF4-FFF2-40B4-BE49-F238E27FC236}">
+                <a16:creationId xmlns:a16="http://schemas.microsoft.com/office/drawing/2014/main" id="{A10533A2-523F-42F5-A4AF-3DA5416198F6}"/>
+              </a:ext>
+            </a:extLst>
+          </p:cNvPr>
+          <p:cNvSpPr txBox="1">
+            <a:spLocks/>
+          </p:cNvSpPr>
+          <p:nvPr/>
+        </p:nvSpPr>
+        <p:spPr>
+          <a:xfrm>
+            <a:off x="3971498" y="1825625"/>
+            <a:ext cx="7955031" cy="4351338"/>
+          </a:xfrm>
+          <a:prstGeom prst="rect">
+            <a:avLst/>
+          </a:prstGeom>
+        </p:spPr>
+        <p:txBody>
+          <a:bodyPr vert="horz" lIns="91440" tIns="45720" rIns="91440" bIns="45720" rtlCol="0">
+            <a:normAutofit/>
+          </a:bodyPr>
+          <a:lstStyle>
+            <a:lvl1pPr marL="228600" indent="-228600" algn="l" defTabSz="914400" rtl="0" eaLnBrk="1" latinLnBrk="0" hangingPunct="1">
+              <a:lnSpc>
+                <a:spcPct val="90000"/>
+              </a:lnSpc>
+              <a:spcBef>
+                <a:spcPts val="1000"/>
+              </a:spcBef>
+              <a:buFont typeface="Arial" panose="020B0604020202020204" pitchFamily="34" charset="0"/>
+              <a:buChar char="•"/>
+              <a:defRPr sz="2800" kern="1200">
+                <a:solidFill>
+                  <a:schemeClr val="tx1"/>
+                </a:solidFill>
+                <a:latin typeface="+mn-lt"/>
+                <a:ea typeface="+mn-ea"/>
+                <a:cs typeface="+mn-cs"/>
+              </a:defRPr>
+            </a:lvl1pPr>
+            <a:lvl2pPr marL="685800" indent="-228600" algn="l" defTabSz="914400" rtl="0" eaLnBrk="1" latinLnBrk="0" hangingPunct="1">
+              <a:lnSpc>
+                <a:spcPct val="90000"/>
+              </a:lnSpc>
+              <a:spcBef>
+                <a:spcPts val="500"/>
+              </a:spcBef>
+              <a:buFont typeface="Arial" panose="020B0604020202020204" pitchFamily="34" charset="0"/>
+              <a:buChar char="•"/>
+              <a:defRPr sz="2400" kern="1200">
+                <a:solidFill>
+                  <a:schemeClr val="tx1"/>
+                </a:solidFill>
+                <a:latin typeface="+mn-lt"/>
+                <a:ea typeface="+mn-ea"/>
+                <a:cs typeface="+mn-cs"/>
+              </a:defRPr>
+            </a:lvl2pPr>
+            <a:lvl3pPr marL="1143000" indent="-228600" algn="l" defTabSz="914400" rtl="0" eaLnBrk="1" latinLnBrk="0" hangingPunct="1">
+              <a:lnSpc>
+                <a:spcPct val="90000"/>
+              </a:lnSpc>
+              <a:spcBef>
+                <a:spcPts val="500"/>
+              </a:spcBef>
+              <a:buFont typeface="Arial" panose="020B0604020202020204" pitchFamily="34" charset="0"/>
+              <a:buChar char="•"/>
+              <a:defRPr sz="2000" kern="1200">
+                <a:solidFill>
+                  <a:schemeClr val="tx1"/>
+                </a:solidFill>
+                <a:latin typeface="+mn-lt"/>
+                <a:ea typeface="+mn-ea"/>
+                <a:cs typeface="+mn-cs"/>
+              </a:defRPr>
+            </a:lvl3pPr>
+            <a:lvl4pPr marL="1600200" indent="-228600" algn="l" defTabSz="914400" rtl="0" eaLnBrk="1" latinLnBrk="0" hangingPunct="1">
+              <a:lnSpc>
+                <a:spcPct val="90000"/>
+              </a:lnSpc>
+              <a:spcBef>
+                <a:spcPts val="500"/>
+              </a:spcBef>
+              <a:buFont typeface="Arial" panose="020B0604020202020204" pitchFamily="34" charset="0"/>
+              <a:buChar char="•"/>
+              <a:defRPr sz="1800" kern="1200">
+                <a:solidFill>
+                  <a:schemeClr val="tx1"/>
+                </a:solidFill>
+                <a:latin typeface="+mn-lt"/>
+                <a:ea typeface="+mn-ea"/>
+                <a:cs typeface="+mn-cs"/>
+              </a:defRPr>
+            </a:lvl4pPr>
+            <a:lvl5pPr marL="2057400" indent="-228600" algn="l" defTabSz="914400" rtl="0" eaLnBrk="1" latinLnBrk="0" hangingPunct="1">
+              <a:lnSpc>
+                <a:spcPct val="90000"/>
+              </a:lnSpc>
+              <a:spcBef>
+                <a:spcPts val="500"/>
+              </a:spcBef>
+              <a:buFont typeface="Arial" panose="020B0604020202020204" pitchFamily="34" charset="0"/>
+              <a:buChar char="•"/>
+              <a:defRPr sz="1800" kern="1200">
+                <a:solidFill>
+                  <a:schemeClr val="tx1"/>
+                </a:solidFill>
+                <a:latin typeface="+mn-lt"/>
+                <a:ea typeface="+mn-ea"/>
+                <a:cs typeface="+mn-cs"/>
+              </a:defRPr>
+            </a:lvl5pPr>
+            <a:lvl6pPr marL="2514600" indent="-228600" algn="l" defTabSz="914400" rtl="0" eaLnBrk="1" latinLnBrk="0" hangingPunct="1">
+              <a:lnSpc>
+                <a:spcPct val="90000"/>
+              </a:lnSpc>
+              <a:spcBef>
+                <a:spcPts val="500"/>
+              </a:spcBef>
+              <a:buFont typeface="Arial" panose="020B0604020202020204" pitchFamily="34" charset="0"/>
+              <a:buChar char="•"/>
+              <a:defRPr sz="1800" kern="1200">
+                <a:solidFill>
+                  <a:schemeClr val="tx1"/>
+                </a:solidFill>
+                <a:latin typeface="+mn-lt"/>
+                <a:ea typeface="+mn-ea"/>
+                <a:cs typeface="+mn-cs"/>
+              </a:defRPr>
+            </a:lvl6pPr>
+            <a:lvl7pPr marL="2971800" indent="-228600" algn="l" defTabSz="914400" rtl="0" eaLnBrk="1" latinLnBrk="0" hangingPunct="1">
+              <a:lnSpc>
+                <a:spcPct val="90000"/>
+              </a:lnSpc>
+              <a:spcBef>
+                <a:spcPts val="500"/>
+              </a:spcBef>
+              <a:buFont typeface="Arial" panose="020B0604020202020204" pitchFamily="34" charset="0"/>
+              <a:buChar char="•"/>
+              <a:defRPr sz="1800" kern="1200">
+                <a:solidFill>
+                  <a:schemeClr val="tx1"/>
+                </a:solidFill>
+                <a:latin typeface="+mn-lt"/>
+                <a:ea typeface="+mn-ea"/>
+                <a:cs typeface="+mn-cs"/>
+              </a:defRPr>
+            </a:lvl7pPr>
+            <a:lvl8pPr marL="3429000" indent="-228600" algn="l" defTabSz="914400" rtl="0" eaLnBrk="1" latinLnBrk="0" hangingPunct="1">
+              <a:lnSpc>
+                <a:spcPct val="90000"/>
+              </a:lnSpc>
+              <a:spcBef>
+                <a:spcPts val="500"/>
+              </a:spcBef>
+              <a:buFont typeface="Arial" panose="020B0604020202020204" pitchFamily="34" charset="0"/>
+              <a:buChar char="•"/>
+              <a:defRPr sz="1800" kern="1200">
+                <a:solidFill>
+                  <a:schemeClr val="tx1"/>
+                </a:solidFill>
+                <a:latin typeface="+mn-lt"/>
+                <a:ea typeface="+mn-ea"/>
+                <a:cs typeface="+mn-cs"/>
+              </a:defRPr>
+            </a:lvl8pPr>
+            <a:lvl9pPr marL="3886200" indent="-228600" algn="l" defTabSz="914400" rtl="0" eaLnBrk="1" latinLnBrk="0" hangingPunct="1">
+              <a:lnSpc>
+                <a:spcPct val="90000"/>
+              </a:lnSpc>
+              <a:spcBef>
+                <a:spcPts val="500"/>
+              </a:spcBef>
+              <a:buFont typeface="Arial" panose="020B0604020202020204" pitchFamily="34" charset="0"/>
+              <a:buChar char="•"/>
+              <a:defRPr sz="1800" kern="1200">
+                <a:solidFill>
+                  <a:schemeClr val="tx1"/>
+                </a:solidFill>
+                <a:latin typeface="+mn-lt"/>
+                <a:ea typeface="+mn-ea"/>
+                <a:cs typeface="+mn-cs"/>
+              </a:defRPr>
+            </a:lvl9pPr>
+          </a:lstStyle>
+          <a:p>
+            <a:pPr marL="514350" indent="-514350">
+              <a:spcAft>
+                <a:spcPts val="600"/>
+              </a:spcAft>
+              <a:buAutoNum type="arabicParenR"/>
+            </a:pPr>
+            <a:r>
+              <a:rPr lang="en-US" dirty="0">
+                <a:latin typeface="Book Antiqua" panose="02040602050305030304" pitchFamily="18" charset="0"/>
+              </a:rPr>
+              <a:t>go to 192.168.4.10:3000</a:t>
+            </a:r>
+          </a:p>
+          <a:p>
+            <a:pPr marL="0" indent="0">
+              <a:spcAft>
+                <a:spcPts val="600"/>
+              </a:spcAft>
+              <a:buNone/>
+            </a:pPr>
+            <a:endParaRPr lang="en-US" dirty="0">
+              <a:latin typeface="Book Antiqua" panose="02040602050305030304" pitchFamily="18" charset="0"/>
+            </a:endParaRPr>
+          </a:p>
+          <a:p>
+            <a:pPr lvl="1">
+              <a:spcAft>
+                <a:spcPts val="600"/>
+              </a:spcAft>
+            </a:pPr>
+            <a:r>
+              <a:rPr lang="en-US" dirty="0">
+                <a:latin typeface="Book Antiqua" panose="02040602050305030304" pitchFamily="18" charset="0"/>
+              </a:rPr>
+              <a:t>username: admin</a:t>
+            </a:r>
+          </a:p>
+          <a:p>
+            <a:pPr lvl="1">
+              <a:spcAft>
+                <a:spcPts val="600"/>
+              </a:spcAft>
+            </a:pPr>
+            <a:r>
+              <a:rPr lang="en-US" dirty="0">
+                <a:latin typeface="Book Antiqua" panose="02040602050305030304" pitchFamily="18" charset="0"/>
+              </a:rPr>
+              <a:t>password: admin</a:t>
+            </a:r>
+          </a:p>
+          <a:p>
+            <a:pPr marL="514350" indent="-514350">
+              <a:spcAft>
+                <a:spcPts val="600"/>
+              </a:spcAft>
+              <a:buAutoNum type="arabicParenR"/>
+            </a:pPr>
+            <a:r>
+              <a:rPr lang="en-US" dirty="0">
+                <a:latin typeface="Book Antiqua" panose="02040602050305030304" pitchFamily="18" charset="0"/>
+              </a:rPr>
+              <a:t>add </a:t>
+            </a:r>
+            <a:r>
+              <a:rPr lang="en-US" dirty="0" err="1">
+                <a:latin typeface="Book Antiqua" panose="02040602050305030304" pitchFamily="18" charset="0"/>
+              </a:rPr>
+              <a:t>postgresQL</a:t>
+            </a:r>
+            <a:r>
+              <a:rPr lang="en-US" dirty="0">
+                <a:latin typeface="Book Antiqua" panose="02040602050305030304" pitchFamily="18" charset="0"/>
+              </a:rPr>
+              <a:t> data source</a:t>
+            </a:r>
+          </a:p>
+          <a:p>
+            <a:pPr marL="514350" indent="-514350">
+              <a:spcAft>
+                <a:spcPts val="600"/>
+              </a:spcAft>
+              <a:buAutoNum type="arabicParenR"/>
+            </a:pPr>
+            <a:r>
+              <a:rPr lang="en-US" dirty="0">
+                <a:latin typeface="Book Antiqua" panose="02040602050305030304" pitchFamily="18" charset="0"/>
+              </a:rPr>
+              <a:t>create dashboard with views</a:t>
+            </a:r>
+          </a:p>
+          <a:p>
+            <a:pPr marL="514350" indent="-514350">
+              <a:spcAft>
+                <a:spcPts val="600"/>
+              </a:spcAft>
+              <a:buAutoNum type="arabicParenR"/>
+            </a:pPr>
+            <a:endParaRPr lang="en-US" dirty="0">
+              <a:latin typeface="Book Antiqua" panose="02040602050305030304" pitchFamily="18" charset="0"/>
+            </a:endParaRPr>
+          </a:p>
+          <a:p>
+            <a:pPr marL="0" indent="0">
+              <a:buFont typeface="Arial" panose="020B0604020202020204" pitchFamily="34" charset="0"/>
+              <a:buNone/>
+            </a:pPr>
+            <a:endParaRPr lang="en-US" dirty="0">
+              <a:latin typeface="Book Antiqua" panose="02040602050305030304" pitchFamily="18" charset="0"/>
+            </a:endParaRPr>
+          </a:p>
+          <a:p>
+            <a:pPr marL="0" indent="0">
+              <a:buFont typeface="Arial" panose="020B0604020202020204" pitchFamily="34" charset="0"/>
+              <a:buNone/>
+            </a:pPr>
+            <a:endParaRPr lang="en-US" dirty="0">
+              <a:latin typeface="Book Antiqua" panose="02040602050305030304" pitchFamily="18" charset="0"/>
+            </a:endParaRPr>
+          </a:p>
+        </p:txBody>
+      </p:sp>
+      <p:pic>
+        <p:nvPicPr>
+          <p:cNvPr id="3" name="Picture 2">
+            <a:extLst>
+              <a:ext uri="{FF2B5EF4-FFF2-40B4-BE49-F238E27FC236}">
+                <a16:creationId xmlns:a16="http://schemas.microsoft.com/office/drawing/2014/main" id="{BA4C8D56-3A81-4506-8310-C764141634DE}"/>
+              </a:ext>
+            </a:extLst>
+          </p:cNvPr>
+          <p:cNvPicPr>
+            <a:picLocks noChangeAspect="1"/>
+          </p:cNvPicPr>
+          <p:nvPr/>
+        </p:nvPicPr>
+        <p:blipFill>
+          <a:blip r:embed="rId2"/>
+          <a:stretch>
+            <a:fillRect/>
+          </a:stretch>
+        </p:blipFill>
+        <p:spPr>
+          <a:xfrm>
+            <a:off x="761836" y="1465506"/>
+            <a:ext cx="2946706" cy="3637804"/>
+          </a:xfrm>
+          <a:prstGeom prst="rect">
+            <a:avLst/>
+          </a:prstGeom>
+        </p:spPr>
+      </p:pic>
+      <p:sp>
+        <p:nvSpPr>
+          <p:cNvPr id="8" name="Left Brace 7">
+            <a:extLst>
+              <a:ext uri="{FF2B5EF4-FFF2-40B4-BE49-F238E27FC236}">
+                <a16:creationId xmlns:a16="http://schemas.microsoft.com/office/drawing/2014/main" id="{3A33B98C-3362-4916-88CD-E8BCF002A7D9}"/>
+              </a:ext>
+            </a:extLst>
+          </p:cNvPr>
+          <p:cNvSpPr/>
+          <p:nvPr/>
+        </p:nvSpPr>
+        <p:spPr>
+          <a:xfrm rot="16200000">
+            <a:off x="6240946" y="1430931"/>
+            <a:ext cx="277906" cy="1859684"/>
+          </a:xfrm>
+          <a:prstGeom prst="leftBrace">
+            <a:avLst/>
+          </a:prstGeom>
+          <a:ln>
+            <a:solidFill>
+              <a:schemeClr val="bg1">
+                <a:lumMod val="65000"/>
+              </a:schemeClr>
+            </a:solidFill>
+          </a:ln>
+        </p:spPr>
+        <p:style>
+          <a:lnRef idx="1">
+            <a:schemeClr val="accent1"/>
+          </a:lnRef>
+          <a:fillRef idx="0">
+            <a:schemeClr val="accent1"/>
+          </a:fillRef>
+          <a:effectRef idx="0">
+            <a:schemeClr val="accent1"/>
+          </a:effectRef>
+          <a:fontRef idx="minor">
+            <a:schemeClr val="tx1"/>
+          </a:fontRef>
+        </p:style>
+        <p:txBody>
+          <a:bodyPr rtlCol="0" anchor="ctr"/>
+          <a:lstStyle/>
+          <a:p>
+            <a:pPr algn="ctr"/>
+            <a:endParaRPr lang="en-US"/>
+          </a:p>
+        </p:txBody>
+      </p:sp>
+      <p:sp>
+        <p:nvSpPr>
+          <p:cNvPr id="9" name="TextBox 8">
+            <a:extLst>
+              <a:ext uri="{FF2B5EF4-FFF2-40B4-BE49-F238E27FC236}">
+                <a16:creationId xmlns:a16="http://schemas.microsoft.com/office/drawing/2014/main" id="{E611CF58-0F4D-4337-839A-894EE3DA75B9}"/>
+              </a:ext>
+            </a:extLst>
+          </p:cNvPr>
+          <p:cNvSpPr txBox="1"/>
+          <p:nvPr/>
+        </p:nvSpPr>
+        <p:spPr>
+          <a:xfrm>
+            <a:off x="5548381" y="2497921"/>
+            <a:ext cx="1663036" cy="307777"/>
+          </a:xfrm>
+          <a:prstGeom prst="rect">
+            <a:avLst/>
+          </a:prstGeom>
+          <a:noFill/>
+        </p:spPr>
+        <p:txBody>
+          <a:bodyPr wrap="square" rtlCol="0">
+            <a:spAutoFit/>
+          </a:bodyPr>
+          <a:lstStyle/>
+          <a:p>
+            <a:pPr algn="ctr"/>
+            <a:r>
+              <a:rPr lang="en-US" sz="1400" dirty="0">
+                <a:solidFill>
+                  <a:schemeClr val="bg1">
+                    <a:lumMod val="65000"/>
+                  </a:schemeClr>
+                </a:solidFill>
+                <a:latin typeface="Book Antiqua" panose="02040602050305030304" pitchFamily="18" charset="0"/>
+                <a:cs typeface="Aparajita" panose="02020603050405020304" pitchFamily="18" charset="0"/>
+              </a:rPr>
+              <a:t>server </a:t>
+            </a:r>
+            <a:r>
+              <a:rPr lang="en-US" sz="1400" dirty="0" err="1">
+                <a:solidFill>
+                  <a:schemeClr val="bg1">
+                    <a:lumMod val="65000"/>
+                  </a:schemeClr>
+                </a:solidFill>
+                <a:latin typeface="Book Antiqua" panose="02040602050305030304" pitchFamily="18" charset="0"/>
+                <a:cs typeface="Aparajita" panose="02020603050405020304" pitchFamily="18" charset="0"/>
+              </a:rPr>
+              <a:t>ip</a:t>
+            </a:r>
+            <a:r>
+              <a:rPr lang="en-US" sz="1400" dirty="0">
+                <a:solidFill>
+                  <a:schemeClr val="bg1">
+                    <a:lumMod val="65000"/>
+                  </a:schemeClr>
+                </a:solidFill>
+                <a:latin typeface="Book Antiqua" panose="02040602050305030304" pitchFamily="18" charset="0"/>
+                <a:cs typeface="Aparajita" panose="02020603050405020304" pitchFamily="18" charset="0"/>
+              </a:rPr>
+              <a:t> address</a:t>
+            </a:r>
+          </a:p>
+        </p:txBody>
+      </p:sp>
+    </p:spTree>
+    <p:extLst>
+      <p:ext uri="{BB962C8B-B14F-4D97-AF65-F5344CB8AC3E}">
+        <p14:creationId xmlns:p14="http://schemas.microsoft.com/office/powerpoint/2010/main" val="929509870"/>
+      </p:ext>
+    </p:extLst>
+  </p:cSld>
+  <p:clrMapOvr>
+    <a:masterClrMapping/>
+  </p:clrMapOvr>
+</p:sld>
+</file>
+
+<file path=ppt/slides/slide12.xml><?xml version="1.0" encoding="utf-8"?>
+<p:sld xmlns:a="http://schemas.openxmlformats.org/drawingml/2006/main" xmlns:r="http://schemas.openxmlformats.org/officeDocument/2006/relationships" xmlns:p="http://schemas.openxmlformats.org/presentationml/2006/main">
+  <p:cSld>
+    <p:spTree>
+      <p:nvGrpSpPr>
+        <p:cNvPr id="1" name=""/>
+        <p:cNvGrpSpPr/>
+        <p:nvPr/>
+      </p:nvGrpSpPr>
+      <p:grpSpPr>
+        <a:xfrm>
+          <a:off x="0" y="0"/>
+          <a:ext cx="0" cy="0"/>
+          <a:chOff x="0" y="0"/>
+          <a:chExt cx="0" cy="0"/>
+        </a:xfrm>
+      </p:grpSpPr>
+      <p:sp>
+        <p:nvSpPr>
           <p:cNvPr id="4" name="Title 3">
             <a:extLst>
               <a:ext uri="{FF2B5EF4-FFF2-40B4-BE49-F238E27FC236}">
@@ -3465,7 +4576,7 @@
 </p:sld>
 </file>
 
-<file path=ppt/slides/slide11.xml><?xml version="1.0" encoding="utf-8"?>
+<file path=ppt/slides/slide13.xml><?xml version="1.0" encoding="utf-8"?>
 <p:sld xmlns:a="http://schemas.openxmlformats.org/drawingml/2006/main" xmlns:r="http://schemas.openxmlformats.org/officeDocument/2006/relationships" xmlns:p="http://schemas.openxmlformats.org/presentationml/2006/main">
   <p:cSld>
     <p:spTree>
@@ -3828,9 +4939,8 @@
           </a:prstGeom>
           <a:ln w="76200">
             <a:solidFill>
-              <a:schemeClr val="accent5">
-                <a:lumMod val="60000"/>
-                <a:lumOff val="40000"/>
+              <a:schemeClr val="bg1">
+                <a:lumMod val="85000"/>
               </a:schemeClr>
             </a:solidFill>
             <a:tailEnd type="triangle"/>
@@ -3876,9 +4986,8 @@
           </a:prstGeom>
           <a:ln w="76200">
             <a:solidFill>
-              <a:schemeClr val="accent5">
-                <a:lumMod val="60000"/>
-                <a:lumOff val="40000"/>
+              <a:schemeClr val="bg1">
+                <a:lumMod val="85000"/>
               </a:schemeClr>
             </a:solidFill>
             <a:prstDash val="sysDash"/>
@@ -3971,9 +5080,8 @@
           </a:prstGeom>
           <a:ln w="76200">
             <a:solidFill>
-              <a:schemeClr val="accent5">
-                <a:lumMod val="60000"/>
-                <a:lumOff val="40000"/>
+              <a:schemeClr val="bg1">
+                <a:lumMod val="85000"/>
               </a:schemeClr>
             </a:solidFill>
             <a:prstDash val="sysDash"/>
@@ -4040,9 +5148,8 @@
             </a:prstGeom>
             <a:ln w="76200">
               <a:solidFill>
-                <a:schemeClr val="accent5">
-                  <a:lumMod val="60000"/>
-                  <a:lumOff val="40000"/>
+                <a:schemeClr val="bg1">
+                  <a:lumMod val="85000"/>
                 </a:schemeClr>
               </a:solidFill>
               <a:prstDash val="sysDash"/>
@@ -4087,9 +5194,8 @@
             </a:prstGeom>
             <a:ln w="76200">
               <a:solidFill>
-                <a:schemeClr val="accent5">
-                  <a:lumMod val="60000"/>
-                  <a:lumOff val="40000"/>
+                <a:schemeClr val="bg1">
+                  <a:lumMod val="85000"/>
                 </a:schemeClr>
               </a:solidFill>
               <a:prstDash val="solid"/>
@@ -4215,6 +5321,51 @@
           <a:chExt cx="0" cy="0"/>
         </a:xfrm>
       </p:grpSpPr>
+      <p:cxnSp>
+        <p:nvCxnSpPr>
+          <p:cNvPr id="9" name="Straight Connector 8">
+            <a:extLst>
+              <a:ext uri="{FF2B5EF4-FFF2-40B4-BE49-F238E27FC236}">
+                <a16:creationId xmlns:a16="http://schemas.microsoft.com/office/drawing/2014/main" id="{9E4C6C2A-EA81-417A-BEAC-1AC15AC33D4C}"/>
+              </a:ext>
+            </a:extLst>
+          </p:cNvPr>
+          <p:cNvCxnSpPr>
+            <a:cxnSpLocks/>
+          </p:cNvCxnSpPr>
+          <p:nvPr/>
+        </p:nvCxnSpPr>
+        <p:spPr>
+          <a:xfrm>
+            <a:off x="3783106" y="1396181"/>
+            <a:ext cx="0" cy="3776454"/>
+          </a:xfrm>
+          <a:prstGeom prst="line">
+            <a:avLst/>
+          </a:prstGeom>
+          <a:ln>
+            <a:solidFill>
+              <a:schemeClr val="bg1">
+                <a:lumMod val="85000"/>
+              </a:schemeClr>
+            </a:solidFill>
+          </a:ln>
+        </p:spPr>
+        <p:style>
+          <a:lnRef idx="1">
+            <a:schemeClr val="accent1"/>
+          </a:lnRef>
+          <a:fillRef idx="0">
+            <a:schemeClr val="accent1"/>
+          </a:fillRef>
+          <a:effectRef idx="0">
+            <a:schemeClr val="accent1"/>
+          </a:effectRef>
+          <a:fontRef idx="minor">
+            <a:schemeClr val="tx1"/>
+          </a:fontRef>
+        </p:style>
+      </p:cxnSp>
       <p:sp>
         <p:nvSpPr>
           <p:cNvPr id="2" name="Title 1">
@@ -4486,9 +5637,8 @@
             </a:prstGeom>
             <a:ln w="57150">
               <a:solidFill>
-                <a:schemeClr val="accent5">
-                  <a:lumMod val="60000"/>
-                  <a:lumOff val="40000"/>
+                <a:schemeClr val="bg1">
+                  <a:lumMod val="85000"/>
                 </a:schemeClr>
               </a:solidFill>
               <a:tailEnd type="triangle"/>
@@ -4831,6 +5981,51 @@
           </a:fontRef>
         </p:style>
       </p:cxnSp>
+      <p:cxnSp>
+        <p:nvCxnSpPr>
+          <p:cNvPr id="6" name="Straight Connector 5">
+            <a:extLst>
+              <a:ext uri="{FF2B5EF4-FFF2-40B4-BE49-F238E27FC236}">
+                <a16:creationId xmlns:a16="http://schemas.microsoft.com/office/drawing/2014/main" id="{3AC32BFE-DEBE-484D-95EC-762004D01AB1}"/>
+              </a:ext>
+            </a:extLst>
+          </p:cNvPr>
+          <p:cNvCxnSpPr>
+            <a:cxnSpLocks/>
+          </p:cNvCxnSpPr>
+          <p:nvPr/>
+        </p:nvCxnSpPr>
+        <p:spPr>
+          <a:xfrm>
+            <a:off x="3783106" y="1396181"/>
+            <a:ext cx="0" cy="3776454"/>
+          </a:xfrm>
+          <a:prstGeom prst="line">
+            <a:avLst/>
+          </a:prstGeom>
+          <a:ln>
+            <a:solidFill>
+              <a:schemeClr val="bg1">
+                <a:lumMod val="85000"/>
+              </a:schemeClr>
+            </a:solidFill>
+          </a:ln>
+        </p:spPr>
+        <p:style>
+          <a:lnRef idx="1">
+            <a:schemeClr val="accent1"/>
+          </a:lnRef>
+          <a:fillRef idx="0">
+            <a:schemeClr val="accent1"/>
+          </a:fillRef>
+          <a:effectRef idx="0">
+            <a:schemeClr val="accent1"/>
+          </a:effectRef>
+          <a:fontRef idx="minor">
+            <a:schemeClr val="tx1"/>
+          </a:fontRef>
+        </p:style>
+      </p:cxnSp>
     </p:spTree>
     <p:extLst>
       <p:ext uri="{BB962C8B-B14F-4D97-AF65-F5344CB8AC3E}">
@@ -5188,11 +6383,10 @@
           <a:prstGeom prst="straightConnector1">
             <a:avLst/>
           </a:prstGeom>
-          <a:ln w="76200">
+          <a:ln w="57150">
             <a:solidFill>
-              <a:schemeClr val="accent5">
-                <a:lumMod val="60000"/>
-                <a:lumOff val="40000"/>
+              <a:schemeClr val="bg1">
+                <a:lumMod val="85000"/>
               </a:schemeClr>
             </a:solidFill>
             <a:prstDash val="sysDash"/>
@@ -5594,8 +6788,8 @@
         </p:blipFill>
         <p:spPr bwMode="auto">
           <a:xfrm>
-            <a:off x="588490" y="1396181"/>
-            <a:ext cx="3209661" cy="3209661"/>
+            <a:off x="588491" y="1396182"/>
+            <a:ext cx="3050312" cy="3050312"/>
           </a:xfrm>
           <a:prstGeom prst="rect">
             <a:avLst/>
@@ -5797,6 +6991,51 @@
           <a:xfrm>
             <a:off x="761837" y="1396181"/>
             <a:ext cx="10668327" cy="0"/>
+          </a:xfrm>
+          <a:prstGeom prst="line">
+            <a:avLst/>
+          </a:prstGeom>
+          <a:ln>
+            <a:solidFill>
+              <a:schemeClr val="bg1">
+                <a:lumMod val="85000"/>
+              </a:schemeClr>
+            </a:solidFill>
+          </a:ln>
+        </p:spPr>
+        <p:style>
+          <a:lnRef idx="1">
+            <a:schemeClr val="accent1"/>
+          </a:lnRef>
+          <a:fillRef idx="0">
+            <a:schemeClr val="accent1"/>
+          </a:fillRef>
+          <a:effectRef idx="0">
+            <a:schemeClr val="accent1"/>
+          </a:effectRef>
+          <a:fontRef idx="minor">
+            <a:schemeClr val="tx1"/>
+          </a:fontRef>
+        </p:style>
+      </p:cxnSp>
+      <p:cxnSp>
+        <p:nvCxnSpPr>
+          <p:cNvPr id="7" name="Straight Connector 6">
+            <a:extLst>
+              <a:ext uri="{FF2B5EF4-FFF2-40B4-BE49-F238E27FC236}">
+                <a16:creationId xmlns:a16="http://schemas.microsoft.com/office/drawing/2014/main" id="{BFB8E1AD-C537-4D68-A64E-A2D523E8315F}"/>
+              </a:ext>
+            </a:extLst>
+          </p:cNvPr>
+          <p:cNvCxnSpPr>
+            <a:cxnSpLocks/>
+          </p:cNvCxnSpPr>
+          <p:nvPr/>
+        </p:nvCxnSpPr>
+        <p:spPr>
+          <a:xfrm>
+            <a:off x="3783106" y="1396181"/>
+            <a:ext cx="0" cy="3776454"/>
           </a:xfrm>
           <a:prstGeom prst="line">
             <a:avLst/>
@@ -5916,7 +7155,7 @@
               <a:buNone/>
             </a:pPr>
             <a:r>
-              <a:rPr lang="en-US" b="1" dirty="0">
+              <a:rPr lang="en-US" dirty="0">
                 <a:latin typeface="Book Antiqua" panose="02040602050305030304" pitchFamily="18" charset="0"/>
               </a:rPr>
               <a:t>visualize data through </a:t>
@@ -5927,69 +7166,16 @@
               </a:rPr>
               <a:t>grafana</a:t>
             </a:r>
-            <a:endParaRPr lang="en-US" dirty="0">
-              <a:latin typeface="Book Antiqua" panose="02040602050305030304" pitchFamily="18" charset="0"/>
-            </a:endParaRPr>
-          </a:p>
-          <a:p>
-            <a:pPr marL="457200" lvl="1" indent="0">
-              <a:buNone/>
-            </a:pPr>
-            <a:r>
-              <a:rPr lang="en-US" dirty="0">
-                <a:latin typeface="Book Antiqua" panose="02040602050305030304" pitchFamily="18" charset="0"/>
-              </a:rPr>
-              <a:t>port: 3000</a:t>
-            </a:r>
             <a:endParaRPr lang="en-US" b="1" dirty="0">
               <a:latin typeface="Book Antiqua" panose="02040602050305030304" pitchFamily="18" charset="0"/>
             </a:endParaRPr>
           </a:p>
           <a:p>
-            <a:pPr marL="457200" lvl="1" indent="0">
+            <a:pPr marL="0" indent="0">
               <a:buNone/>
             </a:pPr>
             <a:r>
               <a:rPr lang="en-US" dirty="0">
-                <a:latin typeface="Book Antiqua" panose="02040602050305030304" pitchFamily="18" charset="0"/>
-              </a:rPr>
-              <a:t>username: admin</a:t>
-            </a:r>
-          </a:p>
-          <a:p>
-            <a:pPr marL="457200" lvl="1" indent="0">
-              <a:buNone/>
-            </a:pPr>
-            <a:r>
-              <a:rPr lang="en-US" dirty="0">
-                <a:latin typeface="Book Antiqua" panose="02040602050305030304" pitchFamily="18" charset="0"/>
-              </a:rPr>
-              <a:t>password: </a:t>
-            </a:r>
-            <a:r>
-              <a:rPr lang="en-US" dirty="0" err="1">
-                <a:latin typeface="Book Antiqua" panose="02040602050305030304" pitchFamily="18" charset="0"/>
-              </a:rPr>
-              <a:t>grafana</a:t>
-            </a:r>
-            <a:endParaRPr lang="en-US" dirty="0">
-              <a:latin typeface="Book Antiqua" panose="02040602050305030304" pitchFamily="18" charset="0"/>
-            </a:endParaRPr>
-          </a:p>
-          <a:p>
-            <a:pPr marL="0" indent="0">
-              <a:buNone/>
-            </a:pPr>
-            <a:endParaRPr lang="en-US" b="1" dirty="0">
-              <a:latin typeface="Book Antiqua" panose="02040602050305030304" pitchFamily="18" charset="0"/>
-            </a:endParaRPr>
-          </a:p>
-          <a:p>
-            <a:pPr marL="0" indent="0">
-              <a:buNone/>
-            </a:pPr>
-            <a:r>
-              <a:rPr lang="en-US" b="1" dirty="0">
                 <a:latin typeface="Book Antiqua" panose="02040602050305030304" pitchFamily="18" charset="0"/>
               </a:rPr>
               <a:t>configure database through </a:t>
@@ -6000,65 +7186,6 @@
               </a:rPr>
               <a:t>pgAdmin</a:t>
             </a:r>
-            <a:endParaRPr lang="en-US" b="1" dirty="0">
-              <a:latin typeface="Book Antiqua" panose="02040602050305030304" pitchFamily="18" charset="0"/>
-            </a:endParaRPr>
-          </a:p>
-          <a:p>
-            <a:pPr marL="457200" lvl="1" indent="0">
-              <a:buNone/>
-            </a:pPr>
-            <a:r>
-              <a:rPr lang="en-US" dirty="0">
-                <a:latin typeface="Book Antiqua" panose="02040602050305030304" pitchFamily="18" charset="0"/>
-              </a:rPr>
-              <a:t>port: 5432</a:t>
-            </a:r>
-          </a:p>
-          <a:p>
-            <a:pPr marL="457200" lvl="1" indent="0">
-              <a:buNone/>
-            </a:pPr>
-            <a:r>
-              <a:rPr lang="en-US" dirty="0">
-                <a:latin typeface="Book Antiqua" panose="02040602050305030304" pitchFamily="18" charset="0"/>
-              </a:rPr>
-              <a:t>username: </a:t>
-            </a:r>
-            <a:r>
-              <a:rPr lang="en-US" dirty="0" err="1">
-                <a:latin typeface="Book Antiqua" panose="02040602050305030304" pitchFamily="18" charset="0"/>
-              </a:rPr>
-              <a:t>postgres</a:t>
-            </a:r>
-            <a:endParaRPr lang="en-US" dirty="0">
-              <a:latin typeface="Book Antiqua" panose="02040602050305030304" pitchFamily="18" charset="0"/>
-            </a:endParaRPr>
-          </a:p>
-          <a:p>
-            <a:pPr marL="457200" lvl="1" indent="0">
-              <a:buNone/>
-            </a:pPr>
-            <a:r>
-              <a:rPr lang="en-US" dirty="0">
-                <a:latin typeface="Book Antiqua" panose="02040602050305030304" pitchFamily="18" charset="0"/>
-              </a:rPr>
-              <a:t>password: </a:t>
-            </a:r>
-            <a:r>
-              <a:rPr lang="en-US" dirty="0" err="1">
-                <a:latin typeface="Book Antiqua" panose="02040602050305030304" pitchFamily="18" charset="0"/>
-              </a:rPr>
-              <a:t>postgres</a:t>
-            </a:r>
-            <a:endParaRPr lang="en-US" dirty="0">
-              <a:latin typeface="Book Antiqua" panose="02040602050305030304" pitchFamily="18" charset="0"/>
-            </a:endParaRPr>
-          </a:p>
-          <a:p>
-            <a:pPr marL="0" indent="0">
-              <a:buNone/>
-            </a:pPr>
             <a:endParaRPr lang="en-US" b="1" dirty="0">
               <a:latin typeface="Book Antiqua" panose="02040602050305030304" pitchFamily="18" charset="0"/>
             </a:endParaRPr>
@@ -6125,9 +7252,9 @@
         <p:grpSpPr>
           <a:xfrm>
             <a:off x="692561" y="1594381"/>
-            <a:ext cx="2857356" cy="5346749"/>
+            <a:ext cx="2857356" cy="4898470"/>
             <a:chOff x="761836" y="1511251"/>
-            <a:chExt cx="2857356" cy="5346749"/>
+            <a:chExt cx="2857356" cy="4898470"/>
           </a:xfrm>
         </p:grpSpPr>
         <p:pic>
@@ -6144,7 +7271,7 @@
             </p:cNvPicPr>
             <p:nvPr/>
           </p:nvPicPr>
-          <p:blipFill>
+          <p:blipFill rotWithShape="1">
             <a:blip r:embed="rId2">
               <a:extLst>
                 <a:ext uri="{28A0092B-C50C-407E-A947-70E740481C1C}">
@@ -6152,15 +7279,13 @@
                 </a:ext>
               </a:extLst>
             </a:blip>
-            <a:srcRect/>
-            <a:stretch>
-              <a:fillRect/>
-            </a:stretch>
+            <a:srcRect b="16017"/>
+            <a:stretch/>
           </p:blipFill>
           <p:spPr bwMode="auto">
             <a:xfrm>
               <a:off x="761836" y="4059324"/>
-              <a:ext cx="2798676" cy="2798676"/>
+              <a:ext cx="2798676" cy="2350397"/>
             </a:xfrm>
             <a:prstGeom prst="rect">
               <a:avLst/>
@@ -6246,11 +7371,10 @@
             <a:prstGeom prst="straightConnector1">
               <a:avLst/>
             </a:prstGeom>
-            <a:ln w="76200">
+            <a:ln w="57150">
               <a:solidFill>
-                <a:schemeClr val="accent5">
-                  <a:lumMod val="60000"/>
-                  <a:lumOff val="40000"/>
+                <a:schemeClr val="bg1">
+                  <a:lumMod val="85000"/>
                 </a:schemeClr>
               </a:solidFill>
               <a:prstDash val="sysDash"/>
@@ -6321,6 +7445,51 @@
           </a:extLst>
         </p:spPr>
       </p:pic>
+      <p:cxnSp>
+        <p:nvCxnSpPr>
+          <p:cNvPr id="10" name="Straight Connector 9">
+            <a:extLst>
+              <a:ext uri="{FF2B5EF4-FFF2-40B4-BE49-F238E27FC236}">
+                <a16:creationId xmlns:a16="http://schemas.microsoft.com/office/drawing/2014/main" id="{8830F824-E101-496B-B421-67A36E4D8518}"/>
+              </a:ext>
+            </a:extLst>
+          </p:cNvPr>
+          <p:cNvCxnSpPr>
+            <a:cxnSpLocks/>
+          </p:cNvCxnSpPr>
+          <p:nvPr/>
+        </p:nvCxnSpPr>
+        <p:spPr>
+          <a:xfrm>
+            <a:off x="3783106" y="1396181"/>
+            <a:ext cx="0" cy="3776454"/>
+          </a:xfrm>
+          <a:prstGeom prst="line">
+            <a:avLst/>
+          </a:prstGeom>
+          <a:ln>
+            <a:solidFill>
+              <a:schemeClr val="bg1">
+                <a:lumMod val="85000"/>
+              </a:schemeClr>
+            </a:solidFill>
+          </a:ln>
+        </p:spPr>
+        <p:style>
+          <a:lnRef idx="1">
+            <a:schemeClr val="accent1"/>
+          </a:lnRef>
+          <a:fillRef idx="0">
+            <a:schemeClr val="accent1"/>
+          </a:fillRef>
+          <a:effectRef idx="0">
+            <a:schemeClr val="accent1"/>
+          </a:effectRef>
+          <a:fontRef idx="minor">
+            <a:schemeClr val="tx1"/>
+          </a:fontRef>
+        </p:style>
+      </p:cxnSp>
     </p:spTree>
     <p:extLst>
       <p:ext uri="{BB962C8B-B14F-4D97-AF65-F5344CB8AC3E}">

--- a/Presentation.pptx
+++ b/Presentation.pptx
@@ -13,11 +13,18 @@
     <p:sldId id="259" r:id="rId7"/>
     <p:sldId id="260" r:id="rId8"/>
     <p:sldId id="261" r:id="rId9"/>
-    <p:sldId id="262" r:id="rId10"/>
-    <p:sldId id="269" r:id="rId11"/>
-    <p:sldId id="270" r:id="rId12"/>
-    <p:sldId id="264" r:id="rId13"/>
-    <p:sldId id="265" r:id="rId14"/>
+    <p:sldId id="264" r:id="rId10"/>
+    <p:sldId id="271" r:id="rId11"/>
+    <p:sldId id="265" r:id="rId12"/>
+    <p:sldId id="262" r:id="rId13"/>
+    <p:sldId id="269" r:id="rId14"/>
+    <p:sldId id="270" r:id="rId15"/>
+    <p:sldId id="273" r:id="rId16"/>
+    <p:sldId id="272" r:id="rId17"/>
+    <p:sldId id="275" r:id="rId18"/>
+    <p:sldId id="277" r:id="rId19"/>
+    <p:sldId id="276" r:id="rId20"/>
+    <p:sldId id="278" r:id="rId21"/>
   </p:sldIdLst>
   <p:sldSz cx="12192000" cy="6858000"/>
   <p:notesSz cx="6858000" cy="9144000"/>
@@ -3454,6 +3461,1277 @@
               <a:rPr lang="en-US" dirty="0" err="1">
                 <a:latin typeface="Abadi Extra Light" panose="020B0204020104020204" pitchFamily="34" charset="0"/>
               </a:rPr>
+              <a:t>Config.h</a:t>
+            </a:r>
+            <a:endParaRPr lang="en-US" dirty="0">
+              <a:latin typeface="Abadi Extra Light" panose="020B0204020104020204" pitchFamily="34" charset="0"/>
+            </a:endParaRPr>
+          </a:p>
+        </p:txBody>
+      </p:sp>
+      <p:cxnSp>
+        <p:nvCxnSpPr>
+          <p:cNvPr id="15" name="Straight Connector 14">
+            <a:extLst>
+              <a:ext uri="{FF2B5EF4-FFF2-40B4-BE49-F238E27FC236}">
+                <a16:creationId xmlns:a16="http://schemas.microsoft.com/office/drawing/2014/main" id="{17593F09-B2DB-4D0B-B67A-FDBBA69A0934}"/>
+              </a:ext>
+            </a:extLst>
+          </p:cNvPr>
+          <p:cNvCxnSpPr>
+            <a:cxnSpLocks/>
+          </p:cNvCxnSpPr>
+          <p:nvPr/>
+        </p:nvCxnSpPr>
+        <p:spPr>
+          <a:xfrm>
+            <a:off x="761837" y="1396181"/>
+            <a:ext cx="10668327" cy="0"/>
+          </a:xfrm>
+          <a:prstGeom prst="line">
+            <a:avLst/>
+          </a:prstGeom>
+          <a:ln>
+            <a:solidFill>
+              <a:schemeClr val="bg1">
+                <a:lumMod val="85000"/>
+              </a:schemeClr>
+            </a:solidFill>
+          </a:ln>
+        </p:spPr>
+        <p:style>
+          <a:lnRef idx="1">
+            <a:schemeClr val="accent1"/>
+          </a:lnRef>
+          <a:fillRef idx="0">
+            <a:schemeClr val="accent1"/>
+          </a:fillRef>
+          <a:effectRef idx="0">
+            <a:schemeClr val="accent1"/>
+          </a:effectRef>
+          <a:fontRef idx="minor">
+            <a:schemeClr val="tx1"/>
+          </a:fontRef>
+        </p:style>
+      </p:cxnSp>
+      <p:pic>
+        <p:nvPicPr>
+          <p:cNvPr id="4" name="Picture 3">
+            <a:extLst>
+              <a:ext uri="{FF2B5EF4-FFF2-40B4-BE49-F238E27FC236}">
+                <a16:creationId xmlns:a16="http://schemas.microsoft.com/office/drawing/2014/main" id="{0F83FD45-FD43-47C9-858F-FB2025CB571B}"/>
+              </a:ext>
+            </a:extLst>
+          </p:cNvPr>
+          <p:cNvPicPr>
+            <a:picLocks noChangeAspect="1"/>
+          </p:cNvPicPr>
+          <p:nvPr/>
+        </p:nvPicPr>
+        <p:blipFill>
+          <a:blip r:embed="rId2"/>
+          <a:stretch>
+            <a:fillRect/>
+          </a:stretch>
+        </p:blipFill>
+        <p:spPr>
+          <a:xfrm>
+            <a:off x="5581668" y="1550574"/>
+            <a:ext cx="5848495" cy="4795538"/>
+          </a:xfrm>
+          <a:prstGeom prst="rect">
+            <a:avLst/>
+          </a:prstGeom>
+        </p:spPr>
+      </p:pic>
+      <p:sp>
+        <p:nvSpPr>
+          <p:cNvPr id="11" name="TextBox 10">
+            <a:extLst>
+              <a:ext uri="{FF2B5EF4-FFF2-40B4-BE49-F238E27FC236}">
+                <a16:creationId xmlns:a16="http://schemas.microsoft.com/office/drawing/2014/main" id="{24C30FF4-874F-4CDA-A4DB-E5F3E29FC380}"/>
+              </a:ext>
+            </a:extLst>
+          </p:cNvPr>
+          <p:cNvSpPr txBox="1"/>
+          <p:nvPr/>
+        </p:nvSpPr>
+        <p:spPr>
+          <a:xfrm>
+            <a:off x="1281953" y="1802354"/>
+            <a:ext cx="1905166" cy="369332"/>
+          </a:xfrm>
+          <a:prstGeom prst="rect">
+            <a:avLst/>
+          </a:prstGeom>
+          <a:noFill/>
+        </p:spPr>
+        <p:txBody>
+          <a:bodyPr wrap="square" rtlCol="0">
+            <a:spAutoFit/>
+          </a:bodyPr>
+          <a:lstStyle/>
+          <a:p>
+            <a:pPr algn="ctr"/>
+            <a:r>
+              <a:rPr lang="en-US" dirty="0">
+                <a:solidFill>
+                  <a:schemeClr val="bg1">
+                    <a:lumMod val="65000"/>
+                  </a:schemeClr>
+                </a:solidFill>
+                <a:latin typeface="Book Antiqua" panose="02040602050305030304" pitchFamily="18" charset="0"/>
+              </a:rPr>
+              <a:t>network details</a:t>
+            </a:r>
+          </a:p>
+        </p:txBody>
+      </p:sp>
+      <p:cxnSp>
+        <p:nvCxnSpPr>
+          <p:cNvPr id="12" name="Straight Connector 11">
+            <a:extLst>
+              <a:ext uri="{FF2B5EF4-FFF2-40B4-BE49-F238E27FC236}">
+                <a16:creationId xmlns:a16="http://schemas.microsoft.com/office/drawing/2014/main" id="{6870B33C-5AD9-45B9-B804-0346B11C459E}"/>
+              </a:ext>
+            </a:extLst>
+          </p:cNvPr>
+          <p:cNvCxnSpPr>
+            <a:cxnSpLocks/>
+            <a:stCxn id="11" idx="3"/>
+          </p:cNvCxnSpPr>
+          <p:nvPr/>
+        </p:nvCxnSpPr>
+        <p:spPr>
+          <a:xfrm>
+            <a:off x="3187119" y="1987020"/>
+            <a:ext cx="2221460" cy="184666"/>
+          </a:xfrm>
+          <a:prstGeom prst="line">
+            <a:avLst/>
+          </a:prstGeom>
+          <a:ln>
+            <a:solidFill>
+              <a:schemeClr val="bg1">
+                <a:lumMod val="75000"/>
+              </a:schemeClr>
+            </a:solidFill>
+          </a:ln>
+        </p:spPr>
+        <p:style>
+          <a:lnRef idx="1">
+            <a:schemeClr val="accent1"/>
+          </a:lnRef>
+          <a:fillRef idx="0">
+            <a:schemeClr val="accent1"/>
+          </a:fillRef>
+          <a:effectRef idx="0">
+            <a:schemeClr val="accent1"/>
+          </a:effectRef>
+          <a:fontRef idx="minor">
+            <a:schemeClr val="tx1"/>
+          </a:fontRef>
+        </p:style>
+      </p:cxnSp>
+      <p:sp>
+        <p:nvSpPr>
+          <p:cNvPr id="13" name="TextBox 12">
+            <a:extLst>
+              <a:ext uri="{FF2B5EF4-FFF2-40B4-BE49-F238E27FC236}">
+                <a16:creationId xmlns:a16="http://schemas.microsoft.com/office/drawing/2014/main" id="{C7269B1A-97BA-4D47-9BEE-E7E12F8596A7}"/>
+              </a:ext>
+            </a:extLst>
+          </p:cNvPr>
+          <p:cNvSpPr txBox="1"/>
+          <p:nvPr/>
+        </p:nvSpPr>
+        <p:spPr>
+          <a:xfrm>
+            <a:off x="1281953" y="2635690"/>
+            <a:ext cx="1905166" cy="646331"/>
+          </a:xfrm>
+          <a:prstGeom prst="rect">
+            <a:avLst/>
+          </a:prstGeom>
+          <a:noFill/>
+        </p:spPr>
+        <p:txBody>
+          <a:bodyPr wrap="square" rtlCol="0">
+            <a:spAutoFit/>
+          </a:bodyPr>
+          <a:lstStyle/>
+          <a:p>
+            <a:pPr algn="ctr"/>
+            <a:r>
+              <a:rPr lang="en-US" dirty="0">
+                <a:solidFill>
+                  <a:schemeClr val="bg1">
+                    <a:lumMod val="65000"/>
+                  </a:schemeClr>
+                </a:solidFill>
+                <a:latin typeface="Book Antiqua" panose="02040602050305030304" pitchFamily="18" charset="0"/>
+              </a:rPr>
+              <a:t>calibrate wind direction</a:t>
+            </a:r>
+          </a:p>
+        </p:txBody>
+      </p:sp>
+      <p:cxnSp>
+        <p:nvCxnSpPr>
+          <p:cNvPr id="17" name="Straight Connector 16">
+            <a:extLst>
+              <a:ext uri="{FF2B5EF4-FFF2-40B4-BE49-F238E27FC236}">
+                <a16:creationId xmlns:a16="http://schemas.microsoft.com/office/drawing/2014/main" id="{06BC57E2-BB02-4C8A-887D-DABE8053FE42}"/>
+              </a:ext>
+            </a:extLst>
+          </p:cNvPr>
+          <p:cNvCxnSpPr>
+            <a:cxnSpLocks/>
+            <a:stCxn id="13" idx="3"/>
+          </p:cNvCxnSpPr>
+          <p:nvPr/>
+        </p:nvCxnSpPr>
+        <p:spPr>
+          <a:xfrm flipV="1">
+            <a:off x="3187119" y="2721744"/>
+            <a:ext cx="2221460" cy="237112"/>
+          </a:xfrm>
+          <a:prstGeom prst="line">
+            <a:avLst/>
+          </a:prstGeom>
+          <a:ln>
+            <a:solidFill>
+              <a:schemeClr val="bg1">
+                <a:lumMod val="75000"/>
+              </a:schemeClr>
+            </a:solidFill>
+          </a:ln>
+        </p:spPr>
+        <p:style>
+          <a:lnRef idx="1">
+            <a:schemeClr val="accent1"/>
+          </a:lnRef>
+          <a:fillRef idx="0">
+            <a:schemeClr val="accent1"/>
+          </a:fillRef>
+          <a:effectRef idx="0">
+            <a:schemeClr val="accent1"/>
+          </a:effectRef>
+          <a:fontRef idx="minor">
+            <a:schemeClr val="tx1"/>
+          </a:fontRef>
+        </p:style>
+      </p:cxnSp>
+      <p:sp>
+        <p:nvSpPr>
+          <p:cNvPr id="18" name="TextBox 17">
+            <a:extLst>
+              <a:ext uri="{FF2B5EF4-FFF2-40B4-BE49-F238E27FC236}">
+                <a16:creationId xmlns:a16="http://schemas.microsoft.com/office/drawing/2014/main" id="{C5F722F4-5269-4042-9F9E-9B45E04466C4}"/>
+              </a:ext>
+            </a:extLst>
+          </p:cNvPr>
+          <p:cNvSpPr txBox="1"/>
+          <p:nvPr/>
+        </p:nvSpPr>
+        <p:spPr>
+          <a:xfrm>
+            <a:off x="943583" y="4412609"/>
+            <a:ext cx="2243536" cy="646331"/>
+          </a:xfrm>
+          <a:prstGeom prst="rect">
+            <a:avLst/>
+          </a:prstGeom>
+          <a:noFill/>
+        </p:spPr>
+        <p:txBody>
+          <a:bodyPr wrap="square" rtlCol="0">
+            <a:spAutoFit/>
+          </a:bodyPr>
+          <a:lstStyle/>
+          <a:p>
+            <a:pPr algn="ctr"/>
+            <a:r>
+              <a:rPr lang="en-US" dirty="0">
+                <a:solidFill>
+                  <a:schemeClr val="bg1">
+                    <a:lumMod val="65000"/>
+                  </a:schemeClr>
+                </a:solidFill>
+                <a:latin typeface="Book Antiqua" panose="02040602050305030304" pitchFamily="18" charset="0"/>
+              </a:rPr>
+              <a:t>change data sending frequency</a:t>
+            </a:r>
+          </a:p>
+        </p:txBody>
+      </p:sp>
+      <p:cxnSp>
+        <p:nvCxnSpPr>
+          <p:cNvPr id="19" name="Straight Connector 18">
+            <a:extLst>
+              <a:ext uri="{FF2B5EF4-FFF2-40B4-BE49-F238E27FC236}">
+                <a16:creationId xmlns:a16="http://schemas.microsoft.com/office/drawing/2014/main" id="{19565519-CBDF-43A7-A709-25540D4C6643}"/>
+              </a:ext>
+            </a:extLst>
+          </p:cNvPr>
+          <p:cNvCxnSpPr>
+            <a:cxnSpLocks/>
+            <a:stCxn id="18" idx="3"/>
+          </p:cNvCxnSpPr>
+          <p:nvPr/>
+        </p:nvCxnSpPr>
+        <p:spPr>
+          <a:xfrm flipV="1">
+            <a:off x="3187119" y="4659553"/>
+            <a:ext cx="2221460" cy="76222"/>
+          </a:xfrm>
+          <a:prstGeom prst="line">
+            <a:avLst/>
+          </a:prstGeom>
+          <a:ln>
+            <a:solidFill>
+              <a:schemeClr val="bg1">
+                <a:lumMod val="75000"/>
+              </a:schemeClr>
+            </a:solidFill>
+          </a:ln>
+        </p:spPr>
+        <p:style>
+          <a:lnRef idx="1">
+            <a:schemeClr val="accent1"/>
+          </a:lnRef>
+          <a:fillRef idx="0">
+            <a:schemeClr val="accent1"/>
+          </a:fillRef>
+          <a:effectRef idx="0">
+            <a:schemeClr val="accent1"/>
+          </a:effectRef>
+          <a:fontRef idx="minor">
+            <a:schemeClr val="tx1"/>
+          </a:fontRef>
+        </p:style>
+      </p:cxnSp>
+    </p:spTree>
+    <p:extLst>
+      <p:ext uri="{BB962C8B-B14F-4D97-AF65-F5344CB8AC3E}">
+        <p14:creationId xmlns:p14="http://schemas.microsoft.com/office/powerpoint/2010/main" val="339722147"/>
+      </p:ext>
+    </p:extLst>
+  </p:cSld>
+  <p:clrMapOvr>
+    <a:masterClrMapping/>
+  </p:clrMapOvr>
+  <p:timing>
+    <p:tnLst>
+      <p:par>
+        <p:cTn id="1" dur="indefinite" restart="never" nodeType="tmRoot">
+          <p:childTnLst>
+            <p:seq concurrent="1" nextAc="seek">
+              <p:cTn id="2" dur="indefinite" nodeType="mainSeq">
+                <p:childTnLst>
+                  <p:par>
+                    <p:cTn id="3" fill="hold">
+                      <p:stCondLst>
+                        <p:cond delay="indefinite"/>
+                      </p:stCondLst>
+                      <p:childTnLst>
+                        <p:par>
+                          <p:cTn id="4" fill="hold">
+                            <p:stCondLst>
+                              <p:cond delay="0"/>
+                            </p:stCondLst>
+                            <p:childTnLst>
+                              <p:par>
+                                <p:cTn id="5" presetID="1" presetClass="entr" presetSubtype="0" fill="hold" nodeType="clickEffect">
+                                  <p:stCondLst>
+                                    <p:cond delay="0"/>
+                                  </p:stCondLst>
+                                  <p:childTnLst>
+                                    <p:set>
+                                      <p:cBhvr>
+                                        <p:cTn id="6" dur="1" fill="hold">
+                                          <p:stCondLst>
+                                            <p:cond delay="0"/>
+                                          </p:stCondLst>
+                                        </p:cTn>
+                                        <p:tgtEl>
+                                          <p:spTgt spid="12"/>
+                                        </p:tgtEl>
+                                        <p:attrNameLst>
+                                          <p:attrName>style.visibility</p:attrName>
+                                        </p:attrNameLst>
+                                      </p:cBhvr>
+                                      <p:to>
+                                        <p:strVal val="visible"/>
+                                      </p:to>
+                                    </p:set>
+                                  </p:childTnLst>
+                                </p:cTn>
+                              </p:par>
+                              <p:par>
+                                <p:cTn id="7" presetID="1" presetClass="entr" presetSubtype="0" fill="hold" grpId="0" nodeType="withEffect">
+                                  <p:stCondLst>
+                                    <p:cond delay="0"/>
+                                  </p:stCondLst>
+                                  <p:childTnLst>
+                                    <p:set>
+                                      <p:cBhvr>
+                                        <p:cTn id="8" dur="1" fill="hold">
+                                          <p:stCondLst>
+                                            <p:cond delay="0"/>
+                                          </p:stCondLst>
+                                        </p:cTn>
+                                        <p:tgtEl>
+                                          <p:spTgt spid="11"/>
+                                        </p:tgtEl>
+                                        <p:attrNameLst>
+                                          <p:attrName>style.visibility</p:attrName>
+                                        </p:attrNameLst>
+                                      </p:cBhvr>
+                                      <p:to>
+                                        <p:strVal val="visible"/>
+                                      </p:to>
+                                    </p:set>
+                                  </p:childTnLst>
+                                </p:cTn>
+                              </p:par>
+                            </p:childTnLst>
+                          </p:cTn>
+                        </p:par>
+                      </p:childTnLst>
+                    </p:cTn>
+                  </p:par>
+                  <p:par>
+                    <p:cTn id="9" fill="hold">
+                      <p:stCondLst>
+                        <p:cond delay="indefinite"/>
+                      </p:stCondLst>
+                      <p:childTnLst>
+                        <p:par>
+                          <p:cTn id="10" fill="hold">
+                            <p:stCondLst>
+                              <p:cond delay="0"/>
+                            </p:stCondLst>
+                            <p:childTnLst>
+                              <p:par>
+                                <p:cTn id="11" presetID="1" presetClass="entr" presetSubtype="0" fill="hold" grpId="0" nodeType="clickEffect">
+                                  <p:stCondLst>
+                                    <p:cond delay="0"/>
+                                  </p:stCondLst>
+                                  <p:childTnLst>
+                                    <p:set>
+                                      <p:cBhvr>
+                                        <p:cTn id="12" dur="1" fill="hold">
+                                          <p:stCondLst>
+                                            <p:cond delay="0"/>
+                                          </p:stCondLst>
+                                        </p:cTn>
+                                        <p:tgtEl>
+                                          <p:spTgt spid="13"/>
+                                        </p:tgtEl>
+                                        <p:attrNameLst>
+                                          <p:attrName>style.visibility</p:attrName>
+                                        </p:attrNameLst>
+                                      </p:cBhvr>
+                                      <p:to>
+                                        <p:strVal val="visible"/>
+                                      </p:to>
+                                    </p:set>
+                                  </p:childTnLst>
+                                </p:cTn>
+                              </p:par>
+                              <p:par>
+                                <p:cTn id="13" presetID="1" presetClass="entr" presetSubtype="0" fill="hold" nodeType="withEffect">
+                                  <p:stCondLst>
+                                    <p:cond delay="0"/>
+                                  </p:stCondLst>
+                                  <p:childTnLst>
+                                    <p:set>
+                                      <p:cBhvr>
+                                        <p:cTn id="14" dur="1" fill="hold">
+                                          <p:stCondLst>
+                                            <p:cond delay="0"/>
+                                          </p:stCondLst>
+                                        </p:cTn>
+                                        <p:tgtEl>
+                                          <p:spTgt spid="17"/>
+                                        </p:tgtEl>
+                                        <p:attrNameLst>
+                                          <p:attrName>style.visibility</p:attrName>
+                                        </p:attrNameLst>
+                                      </p:cBhvr>
+                                      <p:to>
+                                        <p:strVal val="visible"/>
+                                      </p:to>
+                                    </p:set>
+                                  </p:childTnLst>
+                                </p:cTn>
+                              </p:par>
+                            </p:childTnLst>
+                          </p:cTn>
+                        </p:par>
+                      </p:childTnLst>
+                    </p:cTn>
+                  </p:par>
+                  <p:par>
+                    <p:cTn id="15" fill="hold">
+                      <p:stCondLst>
+                        <p:cond delay="indefinite"/>
+                      </p:stCondLst>
+                      <p:childTnLst>
+                        <p:par>
+                          <p:cTn id="16" fill="hold">
+                            <p:stCondLst>
+                              <p:cond delay="0"/>
+                            </p:stCondLst>
+                            <p:childTnLst>
+                              <p:par>
+                                <p:cTn id="17" presetID="1" presetClass="entr" presetSubtype="0" fill="hold" grpId="0" nodeType="clickEffect">
+                                  <p:stCondLst>
+                                    <p:cond delay="0"/>
+                                  </p:stCondLst>
+                                  <p:childTnLst>
+                                    <p:set>
+                                      <p:cBhvr>
+                                        <p:cTn id="18" dur="1" fill="hold">
+                                          <p:stCondLst>
+                                            <p:cond delay="0"/>
+                                          </p:stCondLst>
+                                        </p:cTn>
+                                        <p:tgtEl>
+                                          <p:spTgt spid="18"/>
+                                        </p:tgtEl>
+                                        <p:attrNameLst>
+                                          <p:attrName>style.visibility</p:attrName>
+                                        </p:attrNameLst>
+                                      </p:cBhvr>
+                                      <p:to>
+                                        <p:strVal val="visible"/>
+                                      </p:to>
+                                    </p:set>
+                                  </p:childTnLst>
+                                </p:cTn>
+                              </p:par>
+                              <p:par>
+                                <p:cTn id="19" presetID="1" presetClass="entr" presetSubtype="0" fill="hold" nodeType="withEffect">
+                                  <p:stCondLst>
+                                    <p:cond delay="0"/>
+                                  </p:stCondLst>
+                                  <p:childTnLst>
+                                    <p:set>
+                                      <p:cBhvr>
+                                        <p:cTn id="20" dur="1" fill="hold">
+                                          <p:stCondLst>
+                                            <p:cond delay="0"/>
+                                          </p:stCondLst>
+                                        </p:cTn>
+                                        <p:tgtEl>
+                                          <p:spTgt spid="19"/>
+                                        </p:tgtEl>
+                                        <p:attrNameLst>
+                                          <p:attrName>style.visibility</p:attrName>
+                                        </p:attrNameLst>
+                                      </p:cBhvr>
+                                      <p:to>
+                                        <p:strVal val="visible"/>
+                                      </p:to>
+                                    </p:set>
+                                  </p:childTnLst>
+                                </p:cTn>
+                              </p:par>
+                            </p:childTnLst>
+                          </p:cTn>
+                        </p:par>
+                      </p:childTnLst>
+                    </p:cTn>
+                  </p:par>
+                </p:childTnLst>
+              </p:cTn>
+              <p:prevCondLst>
+                <p:cond evt="onPrev" delay="0">
+                  <p:tgtEl>
+                    <p:sldTgt/>
+                  </p:tgtEl>
+                </p:cond>
+              </p:prevCondLst>
+              <p:nextCondLst>
+                <p:cond evt="onNext" delay="0">
+                  <p:tgtEl>
+                    <p:sldTgt/>
+                  </p:tgtEl>
+                </p:cond>
+              </p:nextCondLst>
+            </p:seq>
+          </p:childTnLst>
+        </p:cTn>
+      </p:par>
+    </p:tnLst>
+    <p:bldLst>
+      <p:bldP spid="11" grpId="0"/>
+      <p:bldP spid="13" grpId="0"/>
+      <p:bldP spid="18" grpId="0"/>
+    </p:bldLst>
+  </p:timing>
+</p:sld>
+</file>
+
+<file path=ppt/slides/slide11.xml><?xml version="1.0" encoding="utf-8"?>
+<p:sld xmlns:a="http://schemas.openxmlformats.org/drawingml/2006/main" xmlns:r="http://schemas.openxmlformats.org/officeDocument/2006/relationships" xmlns:p="http://schemas.openxmlformats.org/presentationml/2006/main">
+  <p:cSld>
+    <p:spTree>
+      <p:nvGrpSpPr>
+        <p:cNvPr id="1" name=""/>
+        <p:cNvGrpSpPr/>
+        <p:nvPr/>
+      </p:nvGrpSpPr>
+      <p:grpSpPr>
+        <a:xfrm>
+          <a:off x="0" y="0"/>
+          <a:ext cx="0" cy="0"/>
+          <a:chOff x="0" y="0"/>
+          <a:chExt cx="0" cy="0"/>
+        </a:xfrm>
+      </p:grpSpPr>
+      <p:sp>
+        <p:nvSpPr>
+          <p:cNvPr id="4" name="Title 3">
+            <a:extLst>
+              <a:ext uri="{FF2B5EF4-FFF2-40B4-BE49-F238E27FC236}">
+                <a16:creationId xmlns:a16="http://schemas.microsoft.com/office/drawing/2014/main" id="{719D151C-7D67-4AAC-83EB-CF152EC39B13}"/>
+              </a:ext>
+            </a:extLst>
+          </p:cNvPr>
+          <p:cNvSpPr>
+            <a:spLocks noGrp="1"/>
+          </p:cNvSpPr>
+          <p:nvPr>
+            <p:ph type="title"/>
+          </p:nvPr>
+        </p:nvSpPr>
+        <p:spPr/>
+        <p:txBody>
+          <a:bodyPr/>
+          <a:lstStyle/>
+          <a:p>
+            <a:r>
+              <a:rPr lang="en-US" dirty="0">
+                <a:latin typeface="Abadi Extra Light" panose="020B0204020104020204" pitchFamily="34" charset="0"/>
+              </a:rPr>
+              <a:t>Server Configuration</a:t>
+            </a:r>
+          </a:p>
+        </p:txBody>
+      </p:sp>
+    </p:spTree>
+    <p:extLst>
+      <p:ext uri="{BB962C8B-B14F-4D97-AF65-F5344CB8AC3E}">
+        <p14:creationId xmlns:p14="http://schemas.microsoft.com/office/powerpoint/2010/main" val="201194591"/>
+      </p:ext>
+    </p:extLst>
+  </p:cSld>
+  <p:clrMapOvr>
+    <a:masterClrMapping/>
+  </p:clrMapOvr>
+</p:sld>
+</file>
+
+<file path=ppt/slides/slide12.xml><?xml version="1.0" encoding="utf-8"?>
+<p:sld xmlns:a="http://schemas.openxmlformats.org/drawingml/2006/main" xmlns:r="http://schemas.openxmlformats.org/officeDocument/2006/relationships" xmlns:p="http://schemas.openxmlformats.org/presentationml/2006/main">
+  <p:cSld>
+    <p:spTree>
+      <p:nvGrpSpPr>
+        <p:cNvPr id="1" name=""/>
+        <p:cNvGrpSpPr/>
+        <p:nvPr/>
+      </p:nvGrpSpPr>
+      <p:grpSpPr>
+        <a:xfrm>
+          <a:off x="0" y="0"/>
+          <a:ext cx="0" cy="0"/>
+          <a:chOff x="0" y="0"/>
+          <a:chExt cx="0" cy="0"/>
+        </a:xfrm>
+      </p:grpSpPr>
+      <p:sp>
+        <p:nvSpPr>
+          <p:cNvPr id="2" name="Title 1">
+            <a:extLst>
+              <a:ext uri="{FF2B5EF4-FFF2-40B4-BE49-F238E27FC236}">
+                <a16:creationId xmlns:a16="http://schemas.microsoft.com/office/drawing/2014/main" id="{1903578F-60F4-4A7B-9DE7-BAC224182231}"/>
+              </a:ext>
+            </a:extLst>
+          </p:cNvPr>
+          <p:cNvSpPr>
+            <a:spLocks noGrp="1"/>
+          </p:cNvSpPr>
+          <p:nvPr>
+            <p:ph type="title"/>
+          </p:nvPr>
+        </p:nvSpPr>
+        <p:spPr/>
+        <p:txBody>
+          <a:bodyPr/>
+          <a:lstStyle/>
+          <a:p>
+            <a:r>
+              <a:rPr lang="en-US" dirty="0">
+                <a:latin typeface="Abadi Extra Light" panose="020B0204020104020204" pitchFamily="34" charset="0"/>
+              </a:rPr>
+              <a:t>Usage</a:t>
+            </a:r>
+          </a:p>
+        </p:txBody>
+      </p:sp>
+      <p:sp>
+        <p:nvSpPr>
+          <p:cNvPr id="3" name="Content Placeholder 2">
+            <a:extLst>
+              <a:ext uri="{FF2B5EF4-FFF2-40B4-BE49-F238E27FC236}">
+                <a16:creationId xmlns:a16="http://schemas.microsoft.com/office/drawing/2014/main" id="{776D1D23-EAA9-4441-8FEF-C5BC8E362DB0}"/>
+              </a:ext>
+            </a:extLst>
+          </p:cNvPr>
+          <p:cNvSpPr>
+            <a:spLocks noGrp="1"/>
+          </p:cNvSpPr>
+          <p:nvPr>
+            <p:ph idx="1"/>
+          </p:nvPr>
+        </p:nvSpPr>
+        <p:spPr>
+          <a:xfrm>
+            <a:off x="3971498" y="1825624"/>
+            <a:ext cx="7955031" cy="4667233"/>
+          </a:xfrm>
+        </p:spPr>
+        <p:txBody>
+          <a:bodyPr>
+            <a:normAutofit/>
+          </a:bodyPr>
+          <a:lstStyle/>
+          <a:p>
+            <a:pPr marL="0" indent="0">
+              <a:buNone/>
+            </a:pPr>
+            <a:r>
+              <a:rPr lang="en-US" dirty="0">
+                <a:latin typeface="Book Antiqua" panose="02040602050305030304" pitchFamily="18" charset="0"/>
+              </a:rPr>
+              <a:t>visualize data through </a:t>
+            </a:r>
+            <a:r>
+              <a:rPr lang="en-US" b="1" dirty="0" err="1">
+                <a:latin typeface="Book Antiqua" panose="02040602050305030304" pitchFamily="18" charset="0"/>
+              </a:rPr>
+              <a:t>grafana</a:t>
+            </a:r>
+            <a:endParaRPr lang="en-US" b="1" dirty="0">
+              <a:latin typeface="Book Antiqua" panose="02040602050305030304" pitchFamily="18" charset="0"/>
+            </a:endParaRPr>
+          </a:p>
+          <a:p>
+            <a:pPr marL="0" indent="0">
+              <a:buNone/>
+            </a:pPr>
+            <a:r>
+              <a:rPr lang="en-US" dirty="0">
+                <a:latin typeface="Book Antiqua" panose="02040602050305030304" pitchFamily="18" charset="0"/>
+              </a:rPr>
+              <a:t>configure database through </a:t>
+            </a:r>
+            <a:r>
+              <a:rPr lang="en-US" b="1" dirty="0" err="1">
+                <a:latin typeface="Book Antiqua" panose="02040602050305030304" pitchFamily="18" charset="0"/>
+              </a:rPr>
+              <a:t>pgAdmin</a:t>
+            </a:r>
+            <a:endParaRPr lang="en-US" b="1" dirty="0">
+              <a:latin typeface="Book Antiqua" panose="02040602050305030304" pitchFamily="18" charset="0"/>
+            </a:endParaRPr>
+          </a:p>
+        </p:txBody>
+      </p:sp>
+      <p:cxnSp>
+        <p:nvCxnSpPr>
+          <p:cNvPr id="15" name="Straight Connector 14">
+            <a:extLst>
+              <a:ext uri="{FF2B5EF4-FFF2-40B4-BE49-F238E27FC236}">
+                <a16:creationId xmlns:a16="http://schemas.microsoft.com/office/drawing/2014/main" id="{17593F09-B2DB-4D0B-B67A-FDBBA69A0934}"/>
+              </a:ext>
+            </a:extLst>
+          </p:cNvPr>
+          <p:cNvCxnSpPr>
+            <a:cxnSpLocks/>
+          </p:cNvCxnSpPr>
+          <p:nvPr/>
+        </p:nvCxnSpPr>
+        <p:spPr>
+          <a:xfrm>
+            <a:off x="761837" y="1396181"/>
+            <a:ext cx="10668327" cy="0"/>
+          </a:xfrm>
+          <a:prstGeom prst="line">
+            <a:avLst/>
+          </a:prstGeom>
+          <a:ln>
+            <a:solidFill>
+              <a:schemeClr val="bg1">
+                <a:lumMod val="85000"/>
+              </a:schemeClr>
+            </a:solidFill>
+          </a:ln>
+        </p:spPr>
+        <p:style>
+          <a:lnRef idx="1">
+            <a:schemeClr val="accent1"/>
+          </a:lnRef>
+          <a:fillRef idx="0">
+            <a:schemeClr val="accent1"/>
+          </a:fillRef>
+          <a:effectRef idx="0">
+            <a:schemeClr val="accent1"/>
+          </a:effectRef>
+          <a:fontRef idx="minor">
+            <a:schemeClr val="tx1"/>
+          </a:fontRef>
+        </p:style>
+      </p:cxnSp>
+      <p:grpSp>
+        <p:nvGrpSpPr>
+          <p:cNvPr id="4" name="Group 3">
+            <a:extLst>
+              <a:ext uri="{FF2B5EF4-FFF2-40B4-BE49-F238E27FC236}">
+                <a16:creationId xmlns:a16="http://schemas.microsoft.com/office/drawing/2014/main" id="{E5588191-546B-4D39-BEA0-AD3F8173EFA3}"/>
+              </a:ext>
+            </a:extLst>
+          </p:cNvPr>
+          <p:cNvGrpSpPr/>
+          <p:nvPr/>
+        </p:nvGrpSpPr>
+        <p:grpSpPr>
+          <a:xfrm>
+            <a:off x="692561" y="1594381"/>
+            <a:ext cx="2857356" cy="4898470"/>
+            <a:chOff x="761836" y="1511251"/>
+            <a:chExt cx="2857356" cy="4898470"/>
+          </a:xfrm>
+        </p:grpSpPr>
+        <p:pic>
+          <p:nvPicPr>
+            <p:cNvPr id="7" name="Picture 4" descr="Image result for raspberry pi 4">
+              <a:extLst>
+                <a:ext uri="{FF2B5EF4-FFF2-40B4-BE49-F238E27FC236}">
+                  <a16:creationId xmlns:a16="http://schemas.microsoft.com/office/drawing/2014/main" id="{AB128086-6107-4454-B823-BC4B89B8D2C0}"/>
+                </a:ext>
+              </a:extLst>
+            </p:cNvPr>
+            <p:cNvPicPr>
+              <a:picLocks noChangeAspect="1" noChangeArrowheads="1"/>
+            </p:cNvPicPr>
+            <p:nvPr/>
+          </p:nvPicPr>
+          <p:blipFill rotWithShape="1">
+            <a:blip r:embed="rId2">
+              <a:extLst>
+                <a:ext uri="{28A0092B-C50C-407E-A947-70E740481C1C}">
+                  <a14:useLocalDpi xmlns:a14="http://schemas.microsoft.com/office/drawing/2010/main" val="0"/>
+                </a:ext>
+              </a:extLst>
+            </a:blip>
+            <a:srcRect b="16017"/>
+            <a:stretch/>
+          </p:blipFill>
+          <p:spPr bwMode="auto">
+            <a:xfrm>
+              <a:off x="761836" y="4059324"/>
+              <a:ext cx="2798676" cy="2350397"/>
+            </a:xfrm>
+            <a:prstGeom prst="rect">
+              <a:avLst/>
+            </a:prstGeom>
+            <a:noFill/>
+            <a:extLst>
+              <a:ext uri="{909E8E84-426E-40DD-AFC4-6F175D3DCCD1}">
+                <a14:hiddenFill xmlns:a14="http://schemas.microsoft.com/office/drawing/2010/main">
+                  <a:solidFill>
+                    <a:srgbClr val="FFFFFF"/>
+                  </a:solidFill>
+                </a14:hiddenFill>
+              </a:ext>
+            </a:extLst>
+          </p:spPr>
+        </p:pic>
+        <p:pic>
+          <p:nvPicPr>
+            <p:cNvPr id="8" name="Picture 6" descr="Image result for laptop">
+              <a:extLst>
+                <a:ext uri="{FF2B5EF4-FFF2-40B4-BE49-F238E27FC236}">
+                  <a16:creationId xmlns:a16="http://schemas.microsoft.com/office/drawing/2014/main" id="{B0D862ED-C8D4-47FC-BC68-01180D596483}"/>
+                </a:ext>
+              </a:extLst>
+            </p:cNvPr>
+            <p:cNvPicPr>
+              <a:picLocks noChangeAspect="1" noChangeArrowheads="1"/>
+            </p:cNvPicPr>
+            <p:nvPr/>
+          </p:nvPicPr>
+          <p:blipFill>
+            <a:blip r:embed="rId3">
+              <a:extLst>
+                <a:ext uri="{28A0092B-C50C-407E-A947-70E740481C1C}">
+                  <a14:useLocalDpi xmlns:a14="http://schemas.microsoft.com/office/drawing/2010/main" val="0"/>
+                </a:ext>
+              </a:extLst>
+            </a:blip>
+            <a:srcRect/>
+            <a:stretch>
+              <a:fillRect/>
+            </a:stretch>
+          </p:blipFill>
+          <p:spPr bwMode="auto">
+            <a:xfrm>
+              <a:off x="1714192" y="1511251"/>
+              <a:ext cx="1905000" cy="1905000"/>
+            </a:xfrm>
+            <a:prstGeom prst="rect">
+              <a:avLst/>
+            </a:prstGeom>
+            <a:noFill/>
+            <a:extLst>
+              <a:ext uri="{909E8E84-426E-40DD-AFC4-6F175D3DCCD1}">
+                <a14:hiddenFill xmlns:a14="http://schemas.microsoft.com/office/drawing/2010/main">
+                  <a:solidFill>
+                    <a:srgbClr val="FFFFFF"/>
+                  </a:solidFill>
+                </a14:hiddenFill>
+              </a:ext>
+            </a:extLst>
+          </p:spPr>
+        </p:pic>
+        <p:cxnSp>
+          <p:nvCxnSpPr>
+            <p:cNvPr id="9" name="Straight Arrow Connector 8">
+              <a:extLst>
+                <a:ext uri="{FF2B5EF4-FFF2-40B4-BE49-F238E27FC236}">
+                  <a16:creationId xmlns:a16="http://schemas.microsoft.com/office/drawing/2014/main" id="{B440352A-8F54-46D9-A785-B9986C39F111}"/>
+                </a:ext>
+              </a:extLst>
+            </p:cNvPr>
+            <p:cNvCxnSpPr>
+              <a:cxnSpLocks/>
+            </p:cNvCxnSpPr>
+            <p:nvPr/>
+          </p:nvCxnSpPr>
+          <p:spPr>
+            <a:xfrm>
+              <a:off x="2659838" y="3241727"/>
+              <a:ext cx="0" cy="1369065"/>
+            </a:xfrm>
+            <a:prstGeom prst="straightConnector1">
+              <a:avLst/>
+            </a:prstGeom>
+            <a:ln w="57150">
+              <a:solidFill>
+                <a:schemeClr val="bg1">
+                  <a:lumMod val="85000"/>
+                </a:schemeClr>
+              </a:solidFill>
+              <a:prstDash val="sysDash"/>
+              <a:headEnd type="triangle"/>
+              <a:tailEnd type="triangle"/>
+            </a:ln>
+          </p:spPr>
+          <p:style>
+            <a:lnRef idx="1">
+              <a:schemeClr val="accent1"/>
+            </a:lnRef>
+            <a:fillRef idx="0">
+              <a:schemeClr val="accent1"/>
+            </a:fillRef>
+            <a:effectRef idx="0">
+              <a:schemeClr val="accent1"/>
+            </a:effectRef>
+            <a:fontRef idx="minor">
+              <a:schemeClr val="tx1"/>
+            </a:fontRef>
+          </p:style>
+        </p:cxnSp>
+      </p:grpSp>
+      <p:pic>
+        <p:nvPicPr>
+          <p:cNvPr id="2050" name="Picture 2" descr="Image result for chrome">
+            <a:extLst>
+              <a:ext uri="{FF2B5EF4-FFF2-40B4-BE49-F238E27FC236}">
+                <a16:creationId xmlns:a16="http://schemas.microsoft.com/office/drawing/2014/main" id="{19409304-7490-4AD2-9EFE-4CE435C38B05}"/>
+              </a:ext>
+            </a:extLst>
+          </p:cNvPr>
+          <p:cNvPicPr>
+            <a:picLocks noChangeAspect="1" noChangeArrowheads="1"/>
+          </p:cNvPicPr>
+          <p:nvPr/>
+        </p:nvPicPr>
+        <p:blipFill>
+          <a:blip r:embed="rId4">
+            <a:extLst>
+              <a:ext uri="{28A0092B-C50C-407E-A947-70E740481C1C}">
+                <a14:useLocalDpi xmlns:a14="http://schemas.microsoft.com/office/drawing/2010/main" val="0"/>
+              </a:ext>
+            </a:extLst>
+          </a:blip>
+          <a:srcRect/>
+          <a:stretch>
+            <a:fillRect/>
+          </a:stretch>
+        </p:blipFill>
+        <p:spPr bwMode="auto">
+          <a:xfrm>
+            <a:off x="2299854" y="606737"/>
+            <a:ext cx="1066694" cy="711129"/>
+          </a:xfrm>
+          <a:prstGeom prst="rect">
+            <a:avLst/>
+          </a:prstGeom>
+          <a:noFill/>
+          <a:extLst>
+            <a:ext uri="{909E8E84-426E-40DD-AFC4-6F175D3DCCD1}">
+              <a14:hiddenFill xmlns:a14="http://schemas.microsoft.com/office/drawing/2010/main">
+                <a:solidFill>
+                  <a:srgbClr val="FFFFFF"/>
+                </a:solidFill>
+              </a14:hiddenFill>
+            </a:ext>
+          </a:extLst>
+        </p:spPr>
+      </p:pic>
+      <p:cxnSp>
+        <p:nvCxnSpPr>
+          <p:cNvPr id="10" name="Straight Connector 9">
+            <a:extLst>
+              <a:ext uri="{FF2B5EF4-FFF2-40B4-BE49-F238E27FC236}">
+                <a16:creationId xmlns:a16="http://schemas.microsoft.com/office/drawing/2014/main" id="{8830F824-E101-496B-B421-67A36E4D8518}"/>
+              </a:ext>
+            </a:extLst>
+          </p:cNvPr>
+          <p:cNvCxnSpPr>
+            <a:cxnSpLocks/>
+          </p:cNvCxnSpPr>
+          <p:nvPr/>
+        </p:nvCxnSpPr>
+        <p:spPr>
+          <a:xfrm>
+            <a:off x="3783106" y="1396181"/>
+            <a:ext cx="0" cy="3776454"/>
+          </a:xfrm>
+          <a:prstGeom prst="line">
+            <a:avLst/>
+          </a:prstGeom>
+          <a:ln>
+            <a:solidFill>
+              <a:schemeClr val="bg1">
+                <a:lumMod val="85000"/>
+              </a:schemeClr>
+            </a:solidFill>
+          </a:ln>
+        </p:spPr>
+        <p:style>
+          <a:lnRef idx="1">
+            <a:schemeClr val="accent1"/>
+          </a:lnRef>
+          <a:fillRef idx="0">
+            <a:schemeClr val="accent1"/>
+          </a:fillRef>
+          <a:effectRef idx="0">
+            <a:schemeClr val="accent1"/>
+          </a:effectRef>
+          <a:fontRef idx="minor">
+            <a:schemeClr val="tx1"/>
+          </a:fontRef>
+        </p:style>
+      </p:cxnSp>
+    </p:spTree>
+    <p:extLst>
+      <p:ext uri="{BB962C8B-B14F-4D97-AF65-F5344CB8AC3E}">
+        <p14:creationId xmlns:p14="http://schemas.microsoft.com/office/powerpoint/2010/main" val="1014902725"/>
+      </p:ext>
+    </p:extLst>
+  </p:cSld>
+  <p:clrMapOvr>
+    <a:masterClrMapping/>
+  </p:clrMapOvr>
+  <p:timing>
+    <p:tnLst>
+      <p:par>
+        <p:cTn id="1" dur="indefinite" restart="never" nodeType="tmRoot">
+          <p:childTnLst>
+            <p:seq concurrent="1" nextAc="seek">
+              <p:cTn id="2" dur="indefinite" nodeType="mainSeq">
+                <p:childTnLst>
+                  <p:par>
+                    <p:cTn id="3" fill="hold">
+                      <p:stCondLst>
+                        <p:cond delay="indefinite"/>
+                      </p:stCondLst>
+                      <p:childTnLst>
+                        <p:par>
+                          <p:cTn id="4" fill="hold">
+                            <p:stCondLst>
+                              <p:cond delay="0"/>
+                            </p:stCondLst>
+                            <p:childTnLst>
+                              <p:par>
+                                <p:cTn id="5" presetID="1" presetClass="entr" presetSubtype="0" fill="hold" nodeType="clickEffect">
+                                  <p:stCondLst>
+                                    <p:cond delay="0"/>
+                                  </p:stCondLst>
+                                  <p:childTnLst>
+                                    <p:set>
+                                      <p:cBhvr>
+                                        <p:cTn id="6" dur="1" fill="hold">
+                                          <p:stCondLst>
+                                            <p:cond delay="0"/>
+                                          </p:stCondLst>
+                                        </p:cTn>
+                                        <p:tgtEl>
+                                          <p:spTgt spid="3">
+                                            <p:txEl>
+                                              <p:pRg st="0" end="0"/>
+                                            </p:txEl>
+                                          </p:spTgt>
+                                        </p:tgtEl>
+                                        <p:attrNameLst>
+                                          <p:attrName>style.visibility</p:attrName>
+                                        </p:attrNameLst>
+                                      </p:cBhvr>
+                                      <p:to>
+                                        <p:strVal val="visible"/>
+                                      </p:to>
+                                    </p:set>
+                                  </p:childTnLst>
+                                </p:cTn>
+                              </p:par>
+                            </p:childTnLst>
+                          </p:cTn>
+                        </p:par>
+                      </p:childTnLst>
+                    </p:cTn>
+                  </p:par>
+                  <p:par>
+                    <p:cTn id="7" fill="hold">
+                      <p:stCondLst>
+                        <p:cond delay="indefinite"/>
+                      </p:stCondLst>
+                      <p:childTnLst>
+                        <p:par>
+                          <p:cTn id="8" fill="hold">
+                            <p:stCondLst>
+                              <p:cond delay="0"/>
+                            </p:stCondLst>
+                            <p:childTnLst>
+                              <p:par>
+                                <p:cTn id="9" presetID="1" presetClass="entr" presetSubtype="0" fill="hold" nodeType="clickEffect">
+                                  <p:stCondLst>
+                                    <p:cond delay="0"/>
+                                  </p:stCondLst>
+                                  <p:childTnLst>
+                                    <p:set>
+                                      <p:cBhvr>
+                                        <p:cTn id="10" dur="1" fill="hold">
+                                          <p:stCondLst>
+                                            <p:cond delay="0"/>
+                                          </p:stCondLst>
+                                        </p:cTn>
+                                        <p:tgtEl>
+                                          <p:spTgt spid="3">
+                                            <p:txEl>
+                                              <p:pRg st="1" end="1"/>
+                                            </p:txEl>
+                                          </p:spTgt>
+                                        </p:tgtEl>
+                                        <p:attrNameLst>
+                                          <p:attrName>style.visibility</p:attrName>
+                                        </p:attrNameLst>
+                                      </p:cBhvr>
+                                      <p:to>
+                                        <p:strVal val="visible"/>
+                                      </p:to>
+                                    </p:set>
+                                  </p:childTnLst>
+                                </p:cTn>
+                              </p:par>
+                            </p:childTnLst>
+                          </p:cTn>
+                        </p:par>
+                      </p:childTnLst>
+                    </p:cTn>
+                  </p:par>
+                </p:childTnLst>
+              </p:cTn>
+              <p:prevCondLst>
+                <p:cond evt="onPrev" delay="0">
+                  <p:tgtEl>
+                    <p:sldTgt/>
+                  </p:tgtEl>
+                </p:cond>
+              </p:prevCondLst>
+              <p:nextCondLst>
+                <p:cond evt="onNext" delay="0">
+                  <p:tgtEl>
+                    <p:sldTgt/>
+                  </p:tgtEl>
+                </p:cond>
+              </p:nextCondLst>
+            </p:seq>
+          </p:childTnLst>
+        </p:cTn>
+      </p:par>
+    </p:tnLst>
+  </p:timing>
+</p:sld>
+</file>
+
+<file path=ppt/slides/slide13.xml><?xml version="1.0" encoding="utf-8"?>
+<p:sld xmlns:a="http://schemas.openxmlformats.org/drawingml/2006/main" xmlns:r="http://schemas.openxmlformats.org/officeDocument/2006/relationships" xmlns:p="http://schemas.openxmlformats.org/presentationml/2006/main">
+  <p:cSld>
+    <p:spTree>
+      <p:nvGrpSpPr>
+        <p:cNvPr id="1" name=""/>
+        <p:cNvGrpSpPr/>
+        <p:nvPr/>
+      </p:nvGrpSpPr>
+      <p:grpSpPr>
+        <a:xfrm>
+          <a:off x="0" y="0"/>
+          <a:ext cx="0" cy="0"/>
+          <a:chOff x="0" y="0"/>
+          <a:chExt cx="0" cy="0"/>
+        </a:xfrm>
+      </p:grpSpPr>
+      <p:sp>
+        <p:nvSpPr>
+          <p:cNvPr id="2" name="Title 1">
+            <a:extLst>
+              <a:ext uri="{FF2B5EF4-FFF2-40B4-BE49-F238E27FC236}">
+                <a16:creationId xmlns:a16="http://schemas.microsoft.com/office/drawing/2014/main" id="{1903578F-60F4-4A7B-9DE7-BAC224182231}"/>
+              </a:ext>
+            </a:extLst>
+          </p:cNvPr>
+          <p:cNvSpPr>
+            <a:spLocks noGrp="1"/>
+          </p:cNvSpPr>
+          <p:nvPr>
+            <p:ph type="title"/>
+          </p:nvPr>
+        </p:nvSpPr>
+        <p:spPr/>
+        <p:txBody>
+          <a:bodyPr/>
+          <a:lstStyle/>
+          <a:p>
+            <a:r>
+              <a:rPr lang="en-US" dirty="0" err="1">
+                <a:latin typeface="Abadi Extra Light" panose="020B0204020104020204" pitchFamily="34" charset="0"/>
+              </a:rPr>
               <a:t>PgAdmin</a:t>
             </a:r>
             <a:endParaRPr lang="en-US" dirty="0">
@@ -3901,10 +5179,298 @@
   <p:clrMapOvr>
     <a:masterClrMapping/>
   </p:clrMapOvr>
+  <p:timing>
+    <p:tnLst>
+      <p:par>
+        <p:cTn id="1" dur="indefinite" restart="never" nodeType="tmRoot">
+          <p:childTnLst>
+            <p:seq concurrent="1" nextAc="seek">
+              <p:cTn id="2" dur="indefinite" nodeType="mainSeq">
+                <p:childTnLst>
+                  <p:par>
+                    <p:cTn id="3" fill="hold">
+                      <p:stCondLst>
+                        <p:cond delay="indefinite"/>
+                      </p:stCondLst>
+                      <p:childTnLst>
+                        <p:par>
+                          <p:cTn id="4" fill="hold">
+                            <p:stCondLst>
+                              <p:cond delay="0"/>
+                            </p:stCondLst>
+                            <p:childTnLst>
+                              <p:par>
+                                <p:cTn id="5" presetID="1" presetClass="entr" presetSubtype="0" fill="hold" nodeType="clickEffect">
+                                  <p:stCondLst>
+                                    <p:cond delay="0"/>
+                                  </p:stCondLst>
+                                  <p:childTnLst>
+                                    <p:set>
+                                      <p:cBhvr>
+                                        <p:cTn id="6" dur="1" fill="hold">
+                                          <p:stCondLst>
+                                            <p:cond delay="0"/>
+                                          </p:stCondLst>
+                                        </p:cTn>
+                                        <p:tgtEl>
+                                          <p:spTgt spid="14">
+                                            <p:txEl>
+                                              <p:pRg st="0" end="0"/>
+                                            </p:txEl>
+                                          </p:spTgt>
+                                        </p:tgtEl>
+                                        <p:attrNameLst>
+                                          <p:attrName>style.visibility</p:attrName>
+                                        </p:attrNameLst>
+                                      </p:cBhvr>
+                                      <p:to>
+                                        <p:strVal val="visible"/>
+                                      </p:to>
+                                    </p:set>
+                                  </p:childTnLst>
+                                </p:cTn>
+                              </p:par>
+                            </p:childTnLst>
+                          </p:cTn>
+                        </p:par>
+                      </p:childTnLst>
+                    </p:cTn>
+                  </p:par>
+                  <p:par>
+                    <p:cTn id="7" fill="hold">
+                      <p:stCondLst>
+                        <p:cond delay="indefinite"/>
+                      </p:stCondLst>
+                      <p:childTnLst>
+                        <p:par>
+                          <p:cTn id="8" fill="hold">
+                            <p:stCondLst>
+                              <p:cond delay="0"/>
+                            </p:stCondLst>
+                            <p:childTnLst>
+                              <p:par>
+                                <p:cTn id="9" presetID="1" presetClass="entr" presetSubtype="0" fill="hold" nodeType="clickEffect">
+                                  <p:stCondLst>
+                                    <p:cond delay="0"/>
+                                  </p:stCondLst>
+                                  <p:childTnLst>
+                                    <p:set>
+                                      <p:cBhvr>
+                                        <p:cTn id="10" dur="1" fill="hold">
+                                          <p:stCondLst>
+                                            <p:cond delay="0"/>
+                                          </p:stCondLst>
+                                        </p:cTn>
+                                        <p:tgtEl>
+                                          <p:spTgt spid="14">
+                                            <p:txEl>
+                                              <p:pRg st="1" end="1"/>
+                                            </p:txEl>
+                                          </p:spTgt>
+                                        </p:tgtEl>
+                                        <p:attrNameLst>
+                                          <p:attrName>style.visibility</p:attrName>
+                                        </p:attrNameLst>
+                                      </p:cBhvr>
+                                      <p:to>
+                                        <p:strVal val="visible"/>
+                                      </p:to>
+                                    </p:set>
+                                  </p:childTnLst>
+                                </p:cTn>
+                              </p:par>
+                            </p:childTnLst>
+                          </p:cTn>
+                        </p:par>
+                      </p:childTnLst>
+                    </p:cTn>
+                  </p:par>
+                  <p:par>
+                    <p:cTn id="11" fill="hold">
+                      <p:stCondLst>
+                        <p:cond delay="indefinite"/>
+                      </p:stCondLst>
+                      <p:childTnLst>
+                        <p:par>
+                          <p:cTn id="12" fill="hold">
+                            <p:stCondLst>
+                              <p:cond delay="0"/>
+                            </p:stCondLst>
+                            <p:childTnLst>
+                              <p:par>
+                                <p:cTn id="13" presetID="1" presetClass="entr" presetSubtype="0" fill="hold" nodeType="clickEffect">
+                                  <p:stCondLst>
+                                    <p:cond delay="0"/>
+                                  </p:stCondLst>
+                                  <p:childTnLst>
+                                    <p:set>
+                                      <p:cBhvr>
+                                        <p:cTn id="14" dur="1" fill="hold">
+                                          <p:stCondLst>
+                                            <p:cond delay="0"/>
+                                          </p:stCondLst>
+                                        </p:cTn>
+                                        <p:tgtEl>
+                                          <p:spTgt spid="14">
+                                            <p:txEl>
+                                              <p:pRg st="2" end="2"/>
+                                            </p:txEl>
+                                          </p:spTgt>
+                                        </p:tgtEl>
+                                        <p:attrNameLst>
+                                          <p:attrName>style.visibility</p:attrName>
+                                        </p:attrNameLst>
+                                      </p:cBhvr>
+                                      <p:to>
+                                        <p:strVal val="visible"/>
+                                      </p:to>
+                                    </p:set>
+                                  </p:childTnLst>
+                                </p:cTn>
+                              </p:par>
+                              <p:par>
+                                <p:cTn id="15" presetID="1" presetClass="entr" presetSubtype="0" fill="hold" nodeType="withEffect">
+                                  <p:stCondLst>
+                                    <p:cond delay="0"/>
+                                  </p:stCondLst>
+                                  <p:childTnLst>
+                                    <p:set>
+                                      <p:cBhvr>
+                                        <p:cTn id="16" dur="1" fill="hold">
+                                          <p:stCondLst>
+                                            <p:cond delay="0"/>
+                                          </p:stCondLst>
+                                        </p:cTn>
+                                        <p:tgtEl>
+                                          <p:spTgt spid="14">
+                                            <p:txEl>
+                                              <p:pRg st="3" end="3"/>
+                                            </p:txEl>
+                                          </p:spTgt>
+                                        </p:tgtEl>
+                                        <p:attrNameLst>
+                                          <p:attrName>style.visibility</p:attrName>
+                                        </p:attrNameLst>
+                                      </p:cBhvr>
+                                      <p:to>
+                                        <p:strVal val="visible"/>
+                                      </p:to>
+                                    </p:set>
+                                  </p:childTnLst>
+                                </p:cTn>
+                              </p:par>
+                              <p:par>
+                                <p:cTn id="17" presetID="1" presetClass="entr" presetSubtype="0" fill="hold" nodeType="withEffect">
+                                  <p:stCondLst>
+                                    <p:cond delay="0"/>
+                                  </p:stCondLst>
+                                  <p:childTnLst>
+                                    <p:set>
+                                      <p:cBhvr>
+                                        <p:cTn id="18" dur="1" fill="hold">
+                                          <p:stCondLst>
+                                            <p:cond delay="0"/>
+                                          </p:stCondLst>
+                                        </p:cTn>
+                                        <p:tgtEl>
+                                          <p:spTgt spid="14">
+                                            <p:txEl>
+                                              <p:pRg st="4" end="4"/>
+                                            </p:txEl>
+                                          </p:spTgt>
+                                        </p:tgtEl>
+                                        <p:attrNameLst>
+                                          <p:attrName>style.visibility</p:attrName>
+                                        </p:attrNameLst>
+                                      </p:cBhvr>
+                                      <p:to>
+                                        <p:strVal val="visible"/>
+                                      </p:to>
+                                    </p:set>
+                                  </p:childTnLst>
+                                </p:cTn>
+                              </p:par>
+                            </p:childTnLst>
+                          </p:cTn>
+                        </p:par>
+                      </p:childTnLst>
+                    </p:cTn>
+                  </p:par>
+                  <p:par>
+                    <p:cTn id="19" fill="hold">
+                      <p:stCondLst>
+                        <p:cond delay="indefinite"/>
+                      </p:stCondLst>
+                      <p:childTnLst>
+                        <p:par>
+                          <p:cTn id="20" fill="hold">
+                            <p:stCondLst>
+                              <p:cond delay="0"/>
+                            </p:stCondLst>
+                            <p:childTnLst>
+                              <p:par>
+                                <p:cTn id="21" presetID="1" presetClass="entr" presetSubtype="0" fill="hold" nodeType="clickEffect">
+                                  <p:stCondLst>
+                                    <p:cond delay="0"/>
+                                  </p:stCondLst>
+                                  <p:childTnLst>
+                                    <p:set>
+                                      <p:cBhvr>
+                                        <p:cTn id="22" dur="1" fill="hold">
+                                          <p:stCondLst>
+                                            <p:cond delay="0"/>
+                                          </p:stCondLst>
+                                        </p:cTn>
+                                        <p:tgtEl>
+                                          <p:spTgt spid="14">
+                                            <p:txEl>
+                                              <p:pRg st="5" end="5"/>
+                                            </p:txEl>
+                                          </p:spTgt>
+                                        </p:tgtEl>
+                                        <p:attrNameLst>
+                                          <p:attrName>style.visibility</p:attrName>
+                                        </p:attrNameLst>
+                                      </p:cBhvr>
+                                      <p:to>
+                                        <p:strVal val="visible"/>
+                                      </p:to>
+                                    </p:set>
+                                  </p:childTnLst>
+                                </p:cTn>
+                              </p:par>
+                            </p:childTnLst>
+                          </p:cTn>
+                        </p:par>
+                      </p:childTnLst>
+                    </p:cTn>
+                  </p:par>
+                </p:childTnLst>
+              </p:cTn>
+              <p:prevCondLst>
+                <p:cond evt="onPrev" delay="0">
+                  <p:tgtEl>
+                    <p:sldTgt/>
+                  </p:tgtEl>
+                </p:cond>
+              </p:prevCondLst>
+              <p:nextCondLst>
+                <p:cond evt="onNext" delay="0">
+                  <p:tgtEl>
+                    <p:sldTgt/>
+                  </p:tgtEl>
+                </p:cond>
+              </p:nextCondLst>
+            </p:seq>
+          </p:childTnLst>
+        </p:cTn>
+      </p:par>
+    </p:tnLst>
+  </p:timing>
 </p:sld>
 </file>
 
-<file path=ppt/slides/slide11.xml><?xml version="1.0" encoding="utf-8"?>
+<file path=ppt/slides/slide14.xml><?xml version="1.0" encoding="utf-8"?>
 <p:sld xmlns:a="http://schemas.openxmlformats.org/drawingml/2006/main" xmlns:r="http://schemas.openxmlformats.org/officeDocument/2006/relationships" xmlns:p="http://schemas.openxmlformats.org/presentationml/2006/main">
   <p:cSld>
     <p:spTree>
@@ -4300,7 +5866,7 @@
               <a:rPr lang="en-US" dirty="0" err="1">
                 <a:latin typeface="Book Antiqua" panose="02040602050305030304" pitchFamily="18" charset="0"/>
               </a:rPr>
-              <a:t>postgresQL</a:t>
+              <a:t>postgreSQL</a:t>
             </a:r>
             <a:r>
               <a:rPr lang="en-US" dirty="0">
@@ -4513,10 +6079,343 @@
   <p:clrMapOvr>
     <a:masterClrMapping/>
   </p:clrMapOvr>
+  <p:timing>
+    <p:tnLst>
+      <p:par>
+        <p:cTn id="1" dur="indefinite" restart="never" nodeType="tmRoot">
+          <p:childTnLst>
+            <p:seq concurrent="1" nextAc="seek">
+              <p:cTn id="2" dur="indefinite" nodeType="mainSeq">
+                <p:childTnLst>
+                  <p:par>
+                    <p:cTn id="3" fill="hold">
+                      <p:stCondLst>
+                        <p:cond delay="indefinite"/>
+                      </p:stCondLst>
+                      <p:childTnLst>
+                        <p:par>
+                          <p:cTn id="4" fill="hold">
+                            <p:stCondLst>
+                              <p:cond delay="0"/>
+                            </p:stCondLst>
+                            <p:childTnLst>
+                              <p:par>
+                                <p:cTn id="5" presetID="1" presetClass="entr" presetSubtype="0" fill="hold" nodeType="clickEffect">
+                                  <p:stCondLst>
+                                    <p:cond delay="0"/>
+                                  </p:stCondLst>
+                                  <p:childTnLst>
+                                    <p:set>
+                                      <p:cBhvr>
+                                        <p:cTn id="6" dur="1" fill="hold">
+                                          <p:stCondLst>
+                                            <p:cond delay="0"/>
+                                          </p:stCondLst>
+                                        </p:cTn>
+                                        <p:tgtEl>
+                                          <p:spTgt spid="14">
+                                            <p:txEl>
+                                              <p:pRg st="0" end="0"/>
+                                            </p:txEl>
+                                          </p:spTgt>
+                                        </p:tgtEl>
+                                        <p:attrNameLst>
+                                          <p:attrName>style.visibility</p:attrName>
+                                        </p:attrNameLst>
+                                      </p:cBhvr>
+                                      <p:to>
+                                        <p:strVal val="visible"/>
+                                      </p:to>
+                                    </p:set>
+                                  </p:childTnLst>
+                                </p:cTn>
+                              </p:par>
+                            </p:childTnLst>
+                          </p:cTn>
+                        </p:par>
+                      </p:childTnLst>
+                    </p:cTn>
+                  </p:par>
+                  <p:par>
+                    <p:cTn id="7" fill="hold">
+                      <p:stCondLst>
+                        <p:cond delay="indefinite"/>
+                      </p:stCondLst>
+                      <p:childTnLst>
+                        <p:par>
+                          <p:cTn id="8" fill="hold">
+                            <p:stCondLst>
+                              <p:cond delay="0"/>
+                            </p:stCondLst>
+                            <p:childTnLst>
+                              <p:par>
+                                <p:cTn id="9" presetID="1" presetClass="entr" presetSubtype="0" fill="hold" grpId="0" nodeType="clickEffect">
+                                  <p:stCondLst>
+                                    <p:cond delay="0"/>
+                                  </p:stCondLst>
+                                  <p:childTnLst>
+                                    <p:set>
+                                      <p:cBhvr>
+                                        <p:cTn id="10" dur="1" fill="hold">
+                                          <p:stCondLst>
+                                            <p:cond delay="0"/>
+                                          </p:stCondLst>
+                                        </p:cTn>
+                                        <p:tgtEl>
+                                          <p:spTgt spid="8"/>
+                                        </p:tgtEl>
+                                        <p:attrNameLst>
+                                          <p:attrName>style.visibility</p:attrName>
+                                        </p:attrNameLst>
+                                      </p:cBhvr>
+                                      <p:to>
+                                        <p:strVal val="visible"/>
+                                      </p:to>
+                                    </p:set>
+                                  </p:childTnLst>
+                                </p:cTn>
+                              </p:par>
+                              <p:par>
+                                <p:cTn id="11" presetID="1" presetClass="entr" presetSubtype="0" fill="hold" grpId="0" nodeType="withEffect">
+                                  <p:stCondLst>
+                                    <p:cond delay="0"/>
+                                  </p:stCondLst>
+                                  <p:childTnLst>
+                                    <p:set>
+                                      <p:cBhvr>
+                                        <p:cTn id="12" dur="1" fill="hold">
+                                          <p:stCondLst>
+                                            <p:cond delay="0"/>
+                                          </p:stCondLst>
+                                        </p:cTn>
+                                        <p:tgtEl>
+                                          <p:spTgt spid="9"/>
+                                        </p:tgtEl>
+                                        <p:attrNameLst>
+                                          <p:attrName>style.visibility</p:attrName>
+                                        </p:attrNameLst>
+                                      </p:cBhvr>
+                                      <p:to>
+                                        <p:strVal val="visible"/>
+                                      </p:to>
+                                    </p:set>
+                                  </p:childTnLst>
+                                </p:cTn>
+                              </p:par>
+                            </p:childTnLst>
+                          </p:cTn>
+                        </p:par>
+                      </p:childTnLst>
+                    </p:cTn>
+                  </p:par>
+                  <p:par>
+                    <p:cTn id="13" fill="hold">
+                      <p:stCondLst>
+                        <p:cond delay="indefinite"/>
+                      </p:stCondLst>
+                      <p:childTnLst>
+                        <p:par>
+                          <p:cTn id="14" fill="hold">
+                            <p:stCondLst>
+                              <p:cond delay="0"/>
+                            </p:stCondLst>
+                            <p:childTnLst>
+                              <p:par>
+                                <p:cTn id="15" presetID="1" presetClass="entr" presetSubtype="0" fill="hold" nodeType="clickEffect">
+                                  <p:stCondLst>
+                                    <p:cond delay="0"/>
+                                  </p:stCondLst>
+                                  <p:childTnLst>
+                                    <p:set>
+                                      <p:cBhvr>
+                                        <p:cTn id="16" dur="1" fill="hold">
+                                          <p:stCondLst>
+                                            <p:cond delay="0"/>
+                                          </p:stCondLst>
+                                        </p:cTn>
+                                        <p:tgtEl>
+                                          <p:spTgt spid="14">
+                                            <p:txEl>
+                                              <p:pRg st="2" end="2"/>
+                                            </p:txEl>
+                                          </p:spTgt>
+                                        </p:tgtEl>
+                                        <p:attrNameLst>
+                                          <p:attrName>style.visibility</p:attrName>
+                                        </p:attrNameLst>
+                                      </p:cBhvr>
+                                      <p:to>
+                                        <p:strVal val="visible"/>
+                                      </p:to>
+                                    </p:set>
+                                  </p:childTnLst>
+                                </p:cTn>
+                              </p:par>
+                              <p:par>
+                                <p:cTn id="17" presetID="1" presetClass="entr" presetSubtype="0" fill="hold" nodeType="withEffect">
+                                  <p:stCondLst>
+                                    <p:cond delay="0"/>
+                                  </p:stCondLst>
+                                  <p:childTnLst>
+                                    <p:set>
+                                      <p:cBhvr>
+                                        <p:cTn id="18" dur="1" fill="hold">
+                                          <p:stCondLst>
+                                            <p:cond delay="0"/>
+                                          </p:stCondLst>
+                                        </p:cTn>
+                                        <p:tgtEl>
+                                          <p:spTgt spid="14">
+                                            <p:txEl>
+                                              <p:pRg st="3" end="3"/>
+                                            </p:txEl>
+                                          </p:spTgt>
+                                        </p:tgtEl>
+                                        <p:attrNameLst>
+                                          <p:attrName>style.visibility</p:attrName>
+                                        </p:attrNameLst>
+                                      </p:cBhvr>
+                                      <p:to>
+                                        <p:strVal val="visible"/>
+                                      </p:to>
+                                    </p:set>
+                                  </p:childTnLst>
+                                </p:cTn>
+                              </p:par>
+                            </p:childTnLst>
+                          </p:cTn>
+                        </p:par>
+                      </p:childTnLst>
+                    </p:cTn>
+                  </p:par>
+                  <p:par>
+                    <p:cTn id="19" fill="hold">
+                      <p:stCondLst>
+                        <p:cond delay="indefinite"/>
+                      </p:stCondLst>
+                      <p:childTnLst>
+                        <p:par>
+                          <p:cTn id="20" fill="hold">
+                            <p:stCondLst>
+                              <p:cond delay="0"/>
+                            </p:stCondLst>
+                            <p:childTnLst>
+                              <p:par>
+                                <p:cTn id="21" presetID="1" presetClass="entr" presetSubtype="0" fill="hold" nodeType="clickEffect">
+                                  <p:stCondLst>
+                                    <p:cond delay="0"/>
+                                  </p:stCondLst>
+                                  <p:childTnLst>
+                                    <p:set>
+                                      <p:cBhvr>
+                                        <p:cTn id="22" dur="1" fill="hold">
+                                          <p:stCondLst>
+                                            <p:cond delay="0"/>
+                                          </p:stCondLst>
+                                        </p:cTn>
+                                        <p:tgtEl>
+                                          <p:spTgt spid="14">
+                                            <p:txEl>
+                                              <p:pRg st="4" end="4"/>
+                                            </p:txEl>
+                                          </p:spTgt>
+                                        </p:tgtEl>
+                                        <p:attrNameLst>
+                                          <p:attrName>style.visibility</p:attrName>
+                                        </p:attrNameLst>
+                                      </p:cBhvr>
+                                      <p:to>
+                                        <p:strVal val="visible"/>
+                                      </p:to>
+                                    </p:set>
+                                  </p:childTnLst>
+                                </p:cTn>
+                              </p:par>
+                            </p:childTnLst>
+                          </p:cTn>
+                        </p:par>
+                      </p:childTnLst>
+                    </p:cTn>
+                  </p:par>
+                  <p:par>
+                    <p:cTn id="23" fill="hold">
+                      <p:stCondLst>
+                        <p:cond delay="indefinite"/>
+                      </p:stCondLst>
+                      <p:childTnLst>
+                        <p:par>
+                          <p:cTn id="24" fill="hold">
+                            <p:stCondLst>
+                              <p:cond delay="0"/>
+                            </p:stCondLst>
+                            <p:childTnLst>
+                              <p:par>
+                                <p:cTn id="25" presetID="1" presetClass="entr" presetSubtype="0" fill="hold" nodeType="clickEffect">
+                                  <p:stCondLst>
+                                    <p:cond delay="0"/>
+                                  </p:stCondLst>
+                                  <p:childTnLst>
+                                    <p:set>
+                                      <p:cBhvr>
+                                        <p:cTn id="26" dur="1" fill="hold">
+                                          <p:stCondLst>
+                                            <p:cond delay="0"/>
+                                          </p:stCondLst>
+                                        </p:cTn>
+                                        <p:tgtEl>
+                                          <p:spTgt spid="14">
+                                            <p:txEl>
+                                              <p:pRg st="5" end="5"/>
+                                            </p:txEl>
+                                          </p:spTgt>
+                                        </p:tgtEl>
+                                        <p:attrNameLst>
+                                          <p:attrName>style.visibility</p:attrName>
+                                        </p:attrNameLst>
+                                      </p:cBhvr>
+                                      <p:to>
+                                        <p:strVal val="visible"/>
+                                      </p:to>
+                                    </p:set>
+                                  </p:childTnLst>
+                                </p:cTn>
+                              </p:par>
+                            </p:childTnLst>
+                          </p:cTn>
+                        </p:par>
+                      </p:childTnLst>
+                    </p:cTn>
+                  </p:par>
+                </p:childTnLst>
+              </p:cTn>
+              <p:prevCondLst>
+                <p:cond evt="onPrev" delay="0">
+                  <p:tgtEl>
+                    <p:sldTgt/>
+                  </p:tgtEl>
+                </p:cond>
+              </p:prevCondLst>
+              <p:nextCondLst>
+                <p:cond evt="onNext" delay="0">
+                  <p:tgtEl>
+                    <p:sldTgt/>
+                  </p:tgtEl>
+                </p:cond>
+              </p:nextCondLst>
+            </p:seq>
+          </p:childTnLst>
+        </p:cTn>
+      </p:par>
+    </p:tnLst>
+    <p:bldLst>
+      <p:bldP spid="8" grpId="0" animBg="1"/>
+      <p:bldP spid="9" grpId="0"/>
+    </p:bldLst>
+  </p:timing>
 </p:sld>
 </file>
 
-<file path=ppt/slides/slide12.xml><?xml version="1.0" encoding="utf-8"?>
+<file path=ppt/slides/slide15.xml><?xml version="1.0" encoding="utf-8"?>
 <p:sld xmlns:a="http://schemas.openxmlformats.org/drawingml/2006/main" xmlns:r="http://schemas.openxmlformats.org/officeDocument/2006/relationships" xmlns:p="http://schemas.openxmlformats.org/presentationml/2006/main">
   <p:cSld>
     <p:spTree>
@@ -4558,7 +6457,7 @@
               <a:rPr lang="en-US" dirty="0">
                 <a:latin typeface="Abadi Extra Light" panose="020B0204020104020204" pitchFamily="34" charset="0"/>
               </a:rPr>
-              <a:t>Microcontroller Configuration</a:t>
+              <a:t>Internal Server Configuration</a:t>
             </a:r>
           </a:p>
         </p:txBody>
@@ -4566,7 +6465,7 @@
     </p:spTree>
     <p:extLst>
       <p:ext uri="{BB962C8B-B14F-4D97-AF65-F5344CB8AC3E}">
-        <p14:creationId xmlns:p14="http://schemas.microsoft.com/office/powerpoint/2010/main" val="3786338651"/>
+        <p14:creationId xmlns:p14="http://schemas.microsoft.com/office/powerpoint/2010/main" val="3464037619"/>
       </p:ext>
     </p:extLst>
   </p:cSld>
@@ -4576,7 +6475,1136 @@
 </p:sld>
 </file>
 
-<file path=ppt/slides/slide13.xml><?xml version="1.0" encoding="utf-8"?>
+<file path=ppt/slides/slide16.xml><?xml version="1.0" encoding="utf-8"?>
+<p:sld xmlns:a="http://schemas.openxmlformats.org/drawingml/2006/main" xmlns:r="http://schemas.openxmlformats.org/officeDocument/2006/relationships" xmlns:p="http://schemas.openxmlformats.org/presentationml/2006/main">
+  <p:cSld>
+    <p:spTree>
+      <p:nvGrpSpPr>
+        <p:cNvPr id="1" name=""/>
+        <p:cNvGrpSpPr/>
+        <p:nvPr/>
+      </p:nvGrpSpPr>
+      <p:grpSpPr>
+        <a:xfrm>
+          <a:off x="0" y="0"/>
+          <a:ext cx="0" cy="0"/>
+          <a:chOff x="0" y="0"/>
+          <a:chExt cx="0" cy="0"/>
+        </a:xfrm>
+      </p:grpSpPr>
+      <p:grpSp>
+        <p:nvGrpSpPr>
+          <p:cNvPr id="30" name="Group 29">
+            <a:extLst>
+              <a:ext uri="{FF2B5EF4-FFF2-40B4-BE49-F238E27FC236}">
+                <a16:creationId xmlns:a16="http://schemas.microsoft.com/office/drawing/2014/main" id="{043418C7-4B43-49BC-B92E-FF5E463D1B89}"/>
+              </a:ext>
+            </a:extLst>
+          </p:cNvPr>
+          <p:cNvGrpSpPr/>
+          <p:nvPr/>
+        </p:nvGrpSpPr>
+        <p:grpSpPr>
+          <a:xfrm>
+            <a:off x="4455458" y="753035"/>
+            <a:ext cx="7028329" cy="5351930"/>
+            <a:chOff x="3478306" y="905435"/>
+            <a:chExt cx="7028329" cy="5351930"/>
+          </a:xfrm>
+        </p:grpSpPr>
+        <p:sp>
+          <p:nvSpPr>
+            <p:cNvPr id="6" name="Rectangle 5">
+              <a:extLst>
+                <a:ext uri="{FF2B5EF4-FFF2-40B4-BE49-F238E27FC236}">
+                  <a16:creationId xmlns:a16="http://schemas.microsoft.com/office/drawing/2014/main" id="{1C857134-C09C-4FC6-A972-79FE4FD88E78}"/>
+                </a:ext>
+              </a:extLst>
+            </p:cNvPr>
+            <p:cNvSpPr/>
+            <p:nvPr/>
+          </p:nvSpPr>
+          <p:spPr>
+            <a:xfrm>
+              <a:off x="3478306" y="905435"/>
+              <a:ext cx="2617694" cy="1658471"/>
+            </a:xfrm>
+            <a:prstGeom prst="rect">
+              <a:avLst/>
+            </a:prstGeom>
+            <a:noFill/>
+            <a:ln>
+              <a:solidFill>
+                <a:schemeClr val="tx1"/>
+              </a:solidFill>
+            </a:ln>
+          </p:spPr>
+          <p:style>
+            <a:lnRef idx="2">
+              <a:schemeClr val="accent1">
+                <a:shade val="50000"/>
+              </a:schemeClr>
+            </a:lnRef>
+            <a:fillRef idx="1">
+              <a:schemeClr val="accent1"/>
+            </a:fillRef>
+            <a:effectRef idx="0">
+              <a:schemeClr val="accent1"/>
+            </a:effectRef>
+            <a:fontRef idx="minor">
+              <a:schemeClr val="lt1"/>
+            </a:fontRef>
+          </p:style>
+          <p:txBody>
+            <a:bodyPr rtlCol="0" anchor="ctr"/>
+            <a:lstStyle/>
+            <a:p>
+              <a:pPr algn="ctr"/>
+              <a:r>
+                <a:rPr lang="en-US" sz="4000" dirty="0">
+                  <a:solidFill>
+                    <a:schemeClr val="tx1"/>
+                  </a:solidFill>
+                  <a:latin typeface="Abadi Extra Light" panose="020B0204020104020204" pitchFamily="34" charset="0"/>
+                </a:rPr>
+                <a:t>API</a:t>
+              </a:r>
+            </a:p>
+            <a:p>
+              <a:pPr algn="ctr"/>
+              <a:r>
+                <a:rPr lang="en-US" sz="1200" dirty="0">
+                  <a:solidFill>
+                    <a:schemeClr val="tx1"/>
+                  </a:solidFill>
+                  <a:latin typeface="Book Antiqua" panose="02040602050305030304" pitchFamily="18" charset="0"/>
+                </a:rPr>
+                <a:t>Receives and stores data</a:t>
+              </a:r>
+            </a:p>
+          </p:txBody>
+        </p:sp>
+        <p:sp>
+          <p:nvSpPr>
+            <p:cNvPr id="12" name="Rectangle 11">
+              <a:extLst>
+                <a:ext uri="{FF2B5EF4-FFF2-40B4-BE49-F238E27FC236}">
+                  <a16:creationId xmlns:a16="http://schemas.microsoft.com/office/drawing/2014/main" id="{806258EB-3B09-4755-BE4F-20B6B89BAB18}"/>
+                </a:ext>
+              </a:extLst>
+            </p:cNvPr>
+            <p:cNvSpPr/>
+            <p:nvPr/>
+          </p:nvSpPr>
+          <p:spPr>
+            <a:xfrm>
+              <a:off x="3478306" y="2792506"/>
+              <a:ext cx="2617694" cy="1658471"/>
+            </a:xfrm>
+            <a:prstGeom prst="rect">
+              <a:avLst/>
+            </a:prstGeom>
+            <a:noFill/>
+            <a:ln>
+              <a:solidFill>
+                <a:schemeClr val="tx1"/>
+              </a:solidFill>
+            </a:ln>
+          </p:spPr>
+          <p:style>
+            <a:lnRef idx="2">
+              <a:schemeClr val="accent1">
+                <a:shade val="50000"/>
+              </a:schemeClr>
+            </a:lnRef>
+            <a:fillRef idx="1">
+              <a:schemeClr val="accent1"/>
+            </a:fillRef>
+            <a:effectRef idx="0">
+              <a:schemeClr val="accent1"/>
+            </a:effectRef>
+            <a:fontRef idx="minor">
+              <a:schemeClr val="lt1"/>
+            </a:fontRef>
+          </p:style>
+          <p:txBody>
+            <a:bodyPr rtlCol="0" anchor="ctr"/>
+            <a:lstStyle/>
+            <a:p>
+              <a:pPr algn="ctr"/>
+              <a:r>
+                <a:rPr lang="en-US" sz="4000" dirty="0">
+                  <a:solidFill>
+                    <a:schemeClr val="tx1"/>
+                  </a:solidFill>
+                  <a:latin typeface="Abadi Extra Light" panose="020B0204020104020204" pitchFamily="34" charset="0"/>
+                </a:rPr>
+                <a:t>Grafana</a:t>
+              </a:r>
+            </a:p>
+            <a:p>
+              <a:pPr algn="ctr"/>
+              <a:r>
+                <a:rPr lang="en-US" sz="1200" dirty="0">
+                  <a:solidFill>
+                    <a:schemeClr val="tx1"/>
+                  </a:solidFill>
+                  <a:latin typeface="Book Antiqua" panose="02040602050305030304" pitchFamily="18" charset="0"/>
+                </a:rPr>
+                <a:t>Visualizes data</a:t>
+              </a:r>
+            </a:p>
+          </p:txBody>
+        </p:sp>
+        <p:sp>
+          <p:nvSpPr>
+            <p:cNvPr id="13" name="Rectangle 12">
+              <a:extLst>
+                <a:ext uri="{FF2B5EF4-FFF2-40B4-BE49-F238E27FC236}">
+                  <a16:creationId xmlns:a16="http://schemas.microsoft.com/office/drawing/2014/main" id="{5FB7E46D-8B2C-461C-940A-4BFA8C27D3B1}"/>
+                </a:ext>
+              </a:extLst>
+            </p:cNvPr>
+            <p:cNvSpPr/>
+            <p:nvPr/>
+          </p:nvSpPr>
+          <p:spPr>
+            <a:xfrm>
+              <a:off x="7888941" y="1734670"/>
+              <a:ext cx="2617694" cy="1658471"/>
+            </a:xfrm>
+            <a:prstGeom prst="rect">
+              <a:avLst/>
+            </a:prstGeom>
+            <a:noFill/>
+            <a:ln>
+              <a:solidFill>
+                <a:schemeClr val="tx1"/>
+              </a:solidFill>
+            </a:ln>
+          </p:spPr>
+          <p:style>
+            <a:lnRef idx="2">
+              <a:schemeClr val="accent1">
+                <a:shade val="50000"/>
+              </a:schemeClr>
+            </a:lnRef>
+            <a:fillRef idx="1">
+              <a:schemeClr val="accent1"/>
+            </a:fillRef>
+            <a:effectRef idx="0">
+              <a:schemeClr val="accent1"/>
+            </a:effectRef>
+            <a:fontRef idx="minor">
+              <a:schemeClr val="lt1"/>
+            </a:fontRef>
+          </p:style>
+          <p:txBody>
+            <a:bodyPr rtlCol="0" anchor="ctr"/>
+            <a:lstStyle/>
+            <a:p>
+              <a:pPr algn="ctr"/>
+              <a:r>
+                <a:rPr lang="en-US" sz="4000" dirty="0">
+                  <a:solidFill>
+                    <a:schemeClr val="tx1"/>
+                  </a:solidFill>
+                  <a:latin typeface="Abadi Extra Light" panose="020B0204020104020204" pitchFamily="34" charset="0"/>
+                </a:rPr>
+                <a:t>Manager</a:t>
+              </a:r>
+            </a:p>
+            <a:p>
+              <a:pPr algn="ctr"/>
+              <a:r>
+                <a:rPr lang="en-US" sz="1200" dirty="0">
+                  <a:solidFill>
+                    <a:schemeClr val="tx1"/>
+                  </a:solidFill>
+                  <a:latin typeface="Book Antiqua" panose="02040602050305030304" pitchFamily="18" charset="0"/>
+                </a:rPr>
+                <a:t>Erases outdated data</a:t>
+              </a:r>
+            </a:p>
+          </p:txBody>
+        </p:sp>
+        <p:sp>
+          <p:nvSpPr>
+            <p:cNvPr id="20" name="Freeform: Shape 19">
+              <a:extLst>
+                <a:ext uri="{FF2B5EF4-FFF2-40B4-BE49-F238E27FC236}">
+                  <a16:creationId xmlns:a16="http://schemas.microsoft.com/office/drawing/2014/main" id="{EDC1A93A-4224-4F0B-83FD-AD74DA0FA6B1}"/>
+                </a:ext>
+              </a:extLst>
+            </p:cNvPr>
+            <p:cNvSpPr/>
+            <p:nvPr/>
+          </p:nvSpPr>
+          <p:spPr>
+            <a:xfrm>
+              <a:off x="7073153" y="4618833"/>
+              <a:ext cx="2617694" cy="1638532"/>
+            </a:xfrm>
+            <a:custGeom>
+              <a:avLst/>
+              <a:gdLst>
+                <a:gd name="connsiteX0" fmla="*/ 0 w 2617694"/>
+                <a:gd name="connsiteY0" fmla="*/ 0 h 1638532"/>
+                <a:gd name="connsiteX1" fmla="*/ 25051 w 2617694"/>
+                <a:gd name="connsiteY1" fmla="*/ 14532 h 1638532"/>
+                <a:gd name="connsiteX2" fmla="*/ 1308847 w 2617694"/>
+                <a:gd name="connsiteY2" fmla="*/ 195215 h 1638532"/>
+                <a:gd name="connsiteX3" fmla="*/ 2592644 w 2617694"/>
+                <a:gd name="connsiteY3" fmla="*/ 14532 h 1638532"/>
+                <a:gd name="connsiteX4" fmla="*/ 2617694 w 2617694"/>
+                <a:gd name="connsiteY4" fmla="*/ 0 h 1638532"/>
+                <a:gd name="connsiteX5" fmla="*/ 2617694 w 2617694"/>
+                <a:gd name="connsiteY5" fmla="*/ 1638532 h 1638532"/>
+                <a:gd name="connsiteX6" fmla="*/ 0 w 2617694"/>
+                <a:gd name="connsiteY6" fmla="*/ 1638532 h 1638532"/>
+              </a:gdLst>
+              <a:ahLst/>
+              <a:cxnLst>
+                <a:cxn ang="0">
+                  <a:pos x="connsiteX0" y="connsiteY0"/>
+                </a:cxn>
+                <a:cxn ang="0">
+                  <a:pos x="connsiteX1" y="connsiteY1"/>
+                </a:cxn>
+                <a:cxn ang="0">
+                  <a:pos x="connsiteX2" y="connsiteY2"/>
+                </a:cxn>
+                <a:cxn ang="0">
+                  <a:pos x="connsiteX3" y="connsiteY3"/>
+                </a:cxn>
+                <a:cxn ang="0">
+                  <a:pos x="connsiteX4" y="connsiteY4"/>
+                </a:cxn>
+                <a:cxn ang="0">
+                  <a:pos x="connsiteX5" y="connsiteY5"/>
+                </a:cxn>
+                <a:cxn ang="0">
+                  <a:pos x="connsiteX6" y="connsiteY6"/>
+                </a:cxn>
+              </a:cxnLst>
+              <a:rect l="l" t="t" r="r" b="b"/>
+              <a:pathLst>
+                <a:path w="2617694" h="1638532">
+                  <a:moveTo>
+                    <a:pt x="0" y="0"/>
+                  </a:moveTo>
+                  <a:lnTo>
+                    <a:pt x="25051" y="14532"/>
+                  </a:lnTo>
+                  <a:cubicBezTo>
+                    <a:pt x="236563" y="120712"/>
+                    <a:pt x="731728" y="195215"/>
+                    <a:pt x="1308847" y="195215"/>
+                  </a:cubicBezTo>
+                  <a:cubicBezTo>
+                    <a:pt x="1885966" y="195215"/>
+                    <a:pt x="2381131" y="120712"/>
+                    <a:pt x="2592644" y="14532"/>
+                  </a:cubicBezTo>
+                  <a:lnTo>
+                    <a:pt x="2617694" y="0"/>
+                  </a:lnTo>
+                  <a:lnTo>
+                    <a:pt x="2617694" y="1638532"/>
+                  </a:lnTo>
+                  <a:lnTo>
+                    <a:pt x="0" y="1638532"/>
+                  </a:lnTo>
+                  <a:close/>
+                </a:path>
+              </a:pathLst>
+            </a:custGeom>
+            <a:noFill/>
+            <a:ln>
+              <a:solidFill>
+                <a:schemeClr val="tx1"/>
+              </a:solidFill>
+            </a:ln>
+          </p:spPr>
+          <p:style>
+            <a:lnRef idx="2">
+              <a:schemeClr val="accent1">
+                <a:shade val="50000"/>
+              </a:schemeClr>
+            </a:lnRef>
+            <a:fillRef idx="1">
+              <a:schemeClr val="accent1"/>
+            </a:fillRef>
+            <a:effectRef idx="0">
+              <a:schemeClr val="accent1"/>
+            </a:effectRef>
+            <a:fontRef idx="minor">
+              <a:schemeClr val="lt1"/>
+            </a:fontRef>
+          </p:style>
+          <p:txBody>
+            <a:bodyPr rtlCol="0" anchor="ctr"/>
+            <a:lstStyle/>
+            <a:p>
+              <a:pPr algn="ctr"/>
+              <a:r>
+                <a:rPr lang="en-US" sz="4000" dirty="0">
+                  <a:solidFill>
+                    <a:schemeClr val="tx1"/>
+                  </a:solidFill>
+                  <a:latin typeface="Abadi Extra Light" panose="020B0204020104020204" pitchFamily="34" charset="0"/>
+                </a:rPr>
+                <a:t>Database</a:t>
+              </a:r>
+              <a:endParaRPr lang="en-US" dirty="0">
+                <a:solidFill>
+                  <a:schemeClr val="tx1"/>
+                </a:solidFill>
+                <a:latin typeface="Abadi Extra Light" panose="020B0204020104020204" pitchFamily="34" charset="0"/>
+              </a:endParaRPr>
+            </a:p>
+          </p:txBody>
+        </p:sp>
+        <p:sp>
+          <p:nvSpPr>
+            <p:cNvPr id="18" name="Oval 17">
+              <a:extLst>
+                <a:ext uri="{FF2B5EF4-FFF2-40B4-BE49-F238E27FC236}">
+                  <a16:creationId xmlns:a16="http://schemas.microsoft.com/office/drawing/2014/main" id="{103ED2CE-E0F9-4667-8E58-6A71807EB4FF}"/>
+                </a:ext>
+              </a:extLst>
+            </p:cNvPr>
+            <p:cNvSpPr/>
+            <p:nvPr/>
+          </p:nvSpPr>
+          <p:spPr>
+            <a:xfrm>
+              <a:off x="7073153" y="4173071"/>
+              <a:ext cx="2617693" cy="555812"/>
+            </a:xfrm>
+            <a:prstGeom prst="ellipse">
+              <a:avLst/>
+            </a:prstGeom>
+            <a:noFill/>
+            <a:ln>
+              <a:solidFill>
+                <a:schemeClr val="tx1"/>
+              </a:solidFill>
+            </a:ln>
+          </p:spPr>
+          <p:style>
+            <a:lnRef idx="2">
+              <a:schemeClr val="accent1">
+                <a:shade val="50000"/>
+              </a:schemeClr>
+            </a:lnRef>
+            <a:fillRef idx="1">
+              <a:schemeClr val="accent1"/>
+            </a:fillRef>
+            <a:effectRef idx="0">
+              <a:schemeClr val="accent1"/>
+            </a:effectRef>
+            <a:fontRef idx="minor">
+              <a:schemeClr val="lt1"/>
+            </a:fontRef>
+          </p:style>
+          <p:txBody>
+            <a:bodyPr rtlCol="0" anchor="ctr"/>
+            <a:lstStyle/>
+            <a:p>
+              <a:pPr algn="ctr"/>
+              <a:endParaRPr lang="en-US">
+                <a:solidFill>
+                  <a:schemeClr val="tx1"/>
+                </a:solidFill>
+              </a:endParaRPr>
+            </a:p>
+          </p:txBody>
+        </p:sp>
+        <p:cxnSp>
+          <p:nvCxnSpPr>
+            <p:cNvPr id="22" name="Straight Arrow Connector 21">
+              <a:extLst>
+                <a:ext uri="{FF2B5EF4-FFF2-40B4-BE49-F238E27FC236}">
+                  <a16:creationId xmlns:a16="http://schemas.microsoft.com/office/drawing/2014/main" id="{E4669068-EC88-40CB-956A-1F9AF77EA821}"/>
+                </a:ext>
+              </a:extLst>
+            </p:cNvPr>
+            <p:cNvCxnSpPr>
+              <a:cxnSpLocks/>
+            </p:cNvCxnSpPr>
+            <p:nvPr/>
+          </p:nvCxnSpPr>
+          <p:spPr>
+            <a:xfrm>
+              <a:off x="6193000" y="2310619"/>
+              <a:ext cx="1113235" cy="1862452"/>
+            </a:xfrm>
+            <a:prstGeom prst="straightConnector1">
+              <a:avLst/>
+            </a:prstGeom>
+            <a:ln w="76200">
+              <a:solidFill>
+                <a:schemeClr val="bg1">
+                  <a:lumMod val="85000"/>
+                </a:schemeClr>
+              </a:solidFill>
+              <a:prstDash val="solid"/>
+              <a:tailEnd type="triangle"/>
+            </a:ln>
+          </p:spPr>
+          <p:style>
+            <a:lnRef idx="1">
+              <a:schemeClr val="accent1"/>
+            </a:lnRef>
+            <a:fillRef idx="0">
+              <a:schemeClr val="accent1"/>
+            </a:fillRef>
+            <a:effectRef idx="0">
+              <a:schemeClr val="accent1"/>
+            </a:effectRef>
+            <a:fontRef idx="minor">
+              <a:schemeClr val="tx1"/>
+            </a:fontRef>
+          </p:style>
+        </p:cxnSp>
+        <p:cxnSp>
+          <p:nvCxnSpPr>
+            <p:cNvPr id="24" name="Straight Arrow Connector 23">
+              <a:extLst>
+                <a:ext uri="{FF2B5EF4-FFF2-40B4-BE49-F238E27FC236}">
+                  <a16:creationId xmlns:a16="http://schemas.microsoft.com/office/drawing/2014/main" id="{A24F672F-8DFE-49A0-9D99-FBCFFE3C4308}"/>
+                </a:ext>
+              </a:extLst>
+            </p:cNvPr>
+            <p:cNvCxnSpPr>
+              <a:cxnSpLocks/>
+            </p:cNvCxnSpPr>
+            <p:nvPr/>
+          </p:nvCxnSpPr>
+          <p:spPr>
+            <a:xfrm flipH="1" flipV="1">
+              <a:off x="6192999" y="4173071"/>
+              <a:ext cx="783154" cy="445762"/>
+            </a:xfrm>
+            <a:prstGeom prst="straightConnector1">
+              <a:avLst/>
+            </a:prstGeom>
+            <a:ln w="76200">
+              <a:solidFill>
+                <a:schemeClr val="bg1">
+                  <a:lumMod val="85000"/>
+                </a:schemeClr>
+              </a:solidFill>
+              <a:prstDash val="solid"/>
+              <a:tailEnd type="triangle"/>
+            </a:ln>
+          </p:spPr>
+          <p:style>
+            <a:lnRef idx="1">
+              <a:schemeClr val="accent1"/>
+            </a:lnRef>
+            <a:fillRef idx="0">
+              <a:schemeClr val="accent1"/>
+            </a:fillRef>
+            <a:effectRef idx="0">
+              <a:schemeClr val="accent1"/>
+            </a:effectRef>
+            <a:fontRef idx="minor">
+              <a:schemeClr val="tx1"/>
+            </a:fontRef>
+          </p:style>
+        </p:cxnSp>
+        <p:cxnSp>
+          <p:nvCxnSpPr>
+            <p:cNvPr id="28" name="Straight Arrow Connector 27">
+              <a:extLst>
+                <a:ext uri="{FF2B5EF4-FFF2-40B4-BE49-F238E27FC236}">
+                  <a16:creationId xmlns:a16="http://schemas.microsoft.com/office/drawing/2014/main" id="{A59007CE-877C-443C-9C8E-E6BF685E5CBE}"/>
+                </a:ext>
+              </a:extLst>
+            </p:cNvPr>
+            <p:cNvCxnSpPr>
+              <a:cxnSpLocks/>
+            </p:cNvCxnSpPr>
+            <p:nvPr/>
+          </p:nvCxnSpPr>
+          <p:spPr>
+            <a:xfrm flipH="1">
+              <a:off x="9134229" y="3460243"/>
+              <a:ext cx="118959" cy="712828"/>
+            </a:xfrm>
+            <a:prstGeom prst="straightConnector1">
+              <a:avLst/>
+            </a:prstGeom>
+            <a:ln w="76200">
+              <a:solidFill>
+                <a:schemeClr val="bg1">
+                  <a:lumMod val="85000"/>
+                </a:schemeClr>
+              </a:solidFill>
+              <a:prstDash val="solid"/>
+              <a:tailEnd type="triangle"/>
+            </a:ln>
+          </p:spPr>
+          <p:style>
+            <a:lnRef idx="1">
+              <a:schemeClr val="accent1"/>
+            </a:lnRef>
+            <a:fillRef idx="0">
+              <a:schemeClr val="accent1"/>
+            </a:fillRef>
+            <a:effectRef idx="0">
+              <a:schemeClr val="accent1"/>
+            </a:effectRef>
+            <a:fontRef idx="minor">
+              <a:schemeClr val="tx1"/>
+            </a:fontRef>
+          </p:style>
+        </p:cxnSp>
+      </p:grpSp>
+      <p:cxnSp>
+        <p:nvCxnSpPr>
+          <p:cNvPr id="31" name="Straight Arrow Connector 30">
+            <a:extLst>
+              <a:ext uri="{FF2B5EF4-FFF2-40B4-BE49-F238E27FC236}">
+                <a16:creationId xmlns:a16="http://schemas.microsoft.com/office/drawing/2014/main" id="{FBE80744-98B7-4E8B-AAD6-A1DB30B3E378}"/>
+              </a:ext>
+            </a:extLst>
+          </p:cNvPr>
+          <p:cNvCxnSpPr/>
+          <p:nvPr/>
+        </p:nvCxnSpPr>
+        <p:spPr>
+          <a:xfrm flipV="1">
+            <a:off x="2759518" y="1582270"/>
+            <a:ext cx="1598940" cy="1"/>
+          </a:xfrm>
+          <a:prstGeom prst="straightConnector1">
+            <a:avLst/>
+          </a:prstGeom>
+          <a:ln w="76200">
+            <a:solidFill>
+              <a:schemeClr val="bg1">
+                <a:lumMod val="85000"/>
+              </a:schemeClr>
+            </a:solidFill>
+            <a:prstDash val="sysDash"/>
+            <a:tailEnd type="triangle"/>
+          </a:ln>
+        </p:spPr>
+        <p:style>
+          <a:lnRef idx="1">
+            <a:schemeClr val="accent1"/>
+          </a:lnRef>
+          <a:fillRef idx="0">
+            <a:schemeClr val="accent1"/>
+          </a:fillRef>
+          <a:effectRef idx="0">
+            <a:schemeClr val="accent1"/>
+          </a:effectRef>
+          <a:fontRef idx="minor">
+            <a:schemeClr val="tx1"/>
+          </a:fontRef>
+        </p:style>
+      </p:cxnSp>
+      <p:cxnSp>
+        <p:nvCxnSpPr>
+          <p:cNvPr id="32" name="Straight Arrow Connector 31">
+            <a:extLst>
+              <a:ext uri="{FF2B5EF4-FFF2-40B4-BE49-F238E27FC236}">
+                <a16:creationId xmlns:a16="http://schemas.microsoft.com/office/drawing/2014/main" id="{E333FD85-1B5D-41A3-A05F-E7D46EE86BAC}"/>
+              </a:ext>
+            </a:extLst>
+          </p:cNvPr>
+          <p:cNvCxnSpPr>
+            <a:cxnSpLocks/>
+          </p:cNvCxnSpPr>
+          <p:nvPr/>
+        </p:nvCxnSpPr>
+        <p:spPr>
+          <a:xfrm flipV="1">
+            <a:off x="2759518" y="5285700"/>
+            <a:ext cx="5193787" cy="1"/>
+          </a:xfrm>
+          <a:prstGeom prst="straightConnector1">
+            <a:avLst/>
+          </a:prstGeom>
+          <a:ln w="76200">
+            <a:solidFill>
+              <a:schemeClr val="bg1">
+                <a:lumMod val="85000"/>
+              </a:schemeClr>
+            </a:solidFill>
+            <a:prstDash val="sysDash"/>
+            <a:tailEnd type="triangle"/>
+          </a:ln>
+        </p:spPr>
+        <p:style>
+          <a:lnRef idx="1">
+            <a:schemeClr val="accent1"/>
+          </a:lnRef>
+          <a:fillRef idx="0">
+            <a:schemeClr val="accent1"/>
+          </a:fillRef>
+          <a:effectRef idx="0">
+            <a:schemeClr val="accent1"/>
+          </a:effectRef>
+          <a:fontRef idx="minor">
+            <a:schemeClr val="tx1"/>
+          </a:fontRef>
+        </p:style>
+      </p:cxnSp>
+      <p:cxnSp>
+        <p:nvCxnSpPr>
+          <p:cNvPr id="35" name="Straight Arrow Connector 34">
+            <a:extLst>
+              <a:ext uri="{FF2B5EF4-FFF2-40B4-BE49-F238E27FC236}">
+                <a16:creationId xmlns:a16="http://schemas.microsoft.com/office/drawing/2014/main" id="{9B957C77-BC99-4D16-81B6-50068C4E7566}"/>
+              </a:ext>
+            </a:extLst>
+          </p:cNvPr>
+          <p:cNvCxnSpPr>
+            <a:cxnSpLocks/>
+          </p:cNvCxnSpPr>
+          <p:nvPr/>
+        </p:nvCxnSpPr>
+        <p:spPr>
+          <a:xfrm>
+            <a:off x="2759518" y="3491753"/>
+            <a:ext cx="1598940" cy="0"/>
+          </a:xfrm>
+          <a:prstGeom prst="straightConnector1">
+            <a:avLst/>
+          </a:prstGeom>
+          <a:ln w="76200">
+            <a:solidFill>
+              <a:schemeClr val="bg1">
+                <a:lumMod val="85000"/>
+              </a:schemeClr>
+            </a:solidFill>
+            <a:prstDash val="sysDash"/>
+            <a:headEnd type="triangle"/>
+            <a:tailEnd type="triangle"/>
+          </a:ln>
+        </p:spPr>
+        <p:style>
+          <a:lnRef idx="1">
+            <a:schemeClr val="accent1"/>
+          </a:lnRef>
+          <a:fillRef idx="0">
+            <a:schemeClr val="accent1"/>
+          </a:fillRef>
+          <a:effectRef idx="0">
+            <a:schemeClr val="accent1"/>
+          </a:effectRef>
+          <a:fontRef idx="minor">
+            <a:schemeClr val="tx1"/>
+          </a:fontRef>
+        </p:style>
+      </p:cxnSp>
+      <p:sp>
+        <p:nvSpPr>
+          <p:cNvPr id="38" name="TextBox 37">
+            <a:extLst>
+              <a:ext uri="{FF2B5EF4-FFF2-40B4-BE49-F238E27FC236}">
+                <a16:creationId xmlns:a16="http://schemas.microsoft.com/office/drawing/2014/main" id="{18643667-CE29-41D3-8A4C-5C85401D22E3}"/>
+              </a:ext>
+            </a:extLst>
+          </p:cNvPr>
+          <p:cNvSpPr txBox="1"/>
+          <p:nvPr/>
+        </p:nvSpPr>
+        <p:spPr>
+          <a:xfrm>
+            <a:off x="708213" y="920550"/>
+            <a:ext cx="1837765" cy="1323439"/>
+          </a:xfrm>
+          <a:prstGeom prst="rect">
+            <a:avLst/>
+          </a:prstGeom>
+          <a:noFill/>
+        </p:spPr>
+        <p:txBody>
+          <a:bodyPr wrap="square" rtlCol="0">
+            <a:spAutoFit/>
+          </a:bodyPr>
+          <a:lstStyle/>
+          <a:p>
+            <a:pPr algn="ctr"/>
+            <a:r>
+              <a:rPr lang="en-US" sz="4000" dirty="0">
+                <a:solidFill>
+                  <a:schemeClr val="bg1">
+                    <a:lumMod val="65000"/>
+                  </a:schemeClr>
+                </a:solidFill>
+                <a:latin typeface="Abadi Extra Light" panose="020B0204020104020204" pitchFamily="34" charset="0"/>
+              </a:rPr>
+              <a:t>Weather Station</a:t>
+            </a:r>
+          </a:p>
+        </p:txBody>
+      </p:sp>
+      <p:sp>
+        <p:nvSpPr>
+          <p:cNvPr id="39" name="TextBox 38">
+            <a:extLst>
+              <a:ext uri="{FF2B5EF4-FFF2-40B4-BE49-F238E27FC236}">
+                <a16:creationId xmlns:a16="http://schemas.microsoft.com/office/drawing/2014/main" id="{86A9F2F2-0003-4C5E-855D-7E3459034625}"/>
+              </a:ext>
+            </a:extLst>
+          </p:cNvPr>
+          <p:cNvSpPr txBox="1"/>
+          <p:nvPr/>
+        </p:nvSpPr>
+        <p:spPr>
+          <a:xfrm>
+            <a:off x="708212" y="3137810"/>
+            <a:ext cx="1837765" cy="707886"/>
+          </a:xfrm>
+          <a:prstGeom prst="rect">
+            <a:avLst/>
+          </a:prstGeom>
+          <a:noFill/>
+        </p:spPr>
+        <p:txBody>
+          <a:bodyPr wrap="square" rtlCol="0">
+            <a:spAutoFit/>
+          </a:bodyPr>
+          <a:lstStyle/>
+          <a:p>
+            <a:pPr algn="ctr"/>
+            <a:r>
+              <a:rPr lang="en-US" sz="4000" dirty="0">
+                <a:solidFill>
+                  <a:schemeClr val="bg1">
+                    <a:lumMod val="65000"/>
+                  </a:schemeClr>
+                </a:solidFill>
+                <a:latin typeface="Abadi Extra Light" panose="020B0204020104020204" pitchFamily="34" charset="0"/>
+              </a:rPr>
+              <a:t>Browser</a:t>
+            </a:r>
+          </a:p>
+        </p:txBody>
+      </p:sp>
+      <p:sp>
+        <p:nvSpPr>
+          <p:cNvPr id="40" name="TextBox 39">
+            <a:extLst>
+              <a:ext uri="{FF2B5EF4-FFF2-40B4-BE49-F238E27FC236}">
+                <a16:creationId xmlns:a16="http://schemas.microsoft.com/office/drawing/2014/main" id="{06F431B0-CAB4-4B1A-ADFF-F42E710B079E}"/>
+              </a:ext>
+            </a:extLst>
+          </p:cNvPr>
+          <p:cNvSpPr txBox="1"/>
+          <p:nvPr/>
+        </p:nvSpPr>
+        <p:spPr>
+          <a:xfrm>
+            <a:off x="537883" y="4931756"/>
+            <a:ext cx="2124635" cy="707886"/>
+          </a:xfrm>
+          <a:prstGeom prst="rect">
+            <a:avLst/>
+          </a:prstGeom>
+          <a:noFill/>
+        </p:spPr>
+        <p:txBody>
+          <a:bodyPr wrap="square" rtlCol="0">
+            <a:spAutoFit/>
+          </a:bodyPr>
+          <a:lstStyle/>
+          <a:p>
+            <a:pPr algn="ctr"/>
+            <a:r>
+              <a:rPr lang="en-US" sz="4000" dirty="0" err="1">
+                <a:solidFill>
+                  <a:schemeClr val="bg1">
+                    <a:lumMod val="65000"/>
+                  </a:schemeClr>
+                </a:solidFill>
+                <a:latin typeface="Abadi Extra Light" panose="020B0204020104020204" pitchFamily="34" charset="0"/>
+              </a:rPr>
+              <a:t>PgAdmin</a:t>
+            </a:r>
+            <a:endParaRPr lang="en-US" sz="4000" dirty="0">
+              <a:solidFill>
+                <a:schemeClr val="bg1">
+                  <a:lumMod val="65000"/>
+                </a:schemeClr>
+              </a:solidFill>
+              <a:latin typeface="Abadi Extra Light" panose="020B0204020104020204" pitchFamily="34" charset="0"/>
+            </a:endParaRPr>
+          </a:p>
+        </p:txBody>
+      </p:sp>
+    </p:spTree>
+    <p:extLst>
+      <p:ext uri="{BB962C8B-B14F-4D97-AF65-F5344CB8AC3E}">
+        <p14:creationId xmlns:p14="http://schemas.microsoft.com/office/powerpoint/2010/main" val="297616142"/>
+      </p:ext>
+    </p:extLst>
+  </p:cSld>
+  <p:clrMapOvr>
+    <a:masterClrMapping/>
+  </p:clrMapOvr>
+  <p:timing>
+    <p:tnLst>
+      <p:par>
+        <p:cTn id="1" dur="indefinite" restart="never" nodeType="tmRoot">
+          <p:childTnLst>
+            <p:seq concurrent="1" nextAc="seek">
+              <p:cTn id="2" dur="indefinite" nodeType="mainSeq">
+                <p:childTnLst>
+                  <p:par>
+                    <p:cTn id="3" fill="hold">
+                      <p:stCondLst>
+                        <p:cond delay="indefinite"/>
+                      </p:stCondLst>
+                      <p:childTnLst>
+                        <p:par>
+                          <p:cTn id="4" fill="hold">
+                            <p:stCondLst>
+                              <p:cond delay="0"/>
+                            </p:stCondLst>
+                            <p:childTnLst>
+                              <p:par>
+                                <p:cTn id="5" presetID="1" presetClass="entr" presetSubtype="0" fill="hold" grpId="0" nodeType="clickEffect">
+                                  <p:stCondLst>
+                                    <p:cond delay="0"/>
+                                  </p:stCondLst>
+                                  <p:childTnLst>
+                                    <p:set>
+                                      <p:cBhvr>
+                                        <p:cTn id="6" dur="1" fill="hold">
+                                          <p:stCondLst>
+                                            <p:cond delay="0"/>
+                                          </p:stCondLst>
+                                        </p:cTn>
+                                        <p:tgtEl>
+                                          <p:spTgt spid="38"/>
+                                        </p:tgtEl>
+                                        <p:attrNameLst>
+                                          <p:attrName>style.visibility</p:attrName>
+                                        </p:attrNameLst>
+                                      </p:cBhvr>
+                                      <p:to>
+                                        <p:strVal val="visible"/>
+                                      </p:to>
+                                    </p:set>
+                                  </p:childTnLst>
+                                </p:cTn>
+                              </p:par>
+                              <p:par>
+                                <p:cTn id="7" presetID="1" presetClass="entr" presetSubtype="0" fill="hold" nodeType="withEffect">
+                                  <p:stCondLst>
+                                    <p:cond delay="0"/>
+                                  </p:stCondLst>
+                                  <p:childTnLst>
+                                    <p:set>
+                                      <p:cBhvr>
+                                        <p:cTn id="8" dur="1" fill="hold">
+                                          <p:stCondLst>
+                                            <p:cond delay="0"/>
+                                          </p:stCondLst>
+                                        </p:cTn>
+                                        <p:tgtEl>
+                                          <p:spTgt spid="31"/>
+                                        </p:tgtEl>
+                                        <p:attrNameLst>
+                                          <p:attrName>style.visibility</p:attrName>
+                                        </p:attrNameLst>
+                                      </p:cBhvr>
+                                      <p:to>
+                                        <p:strVal val="visible"/>
+                                      </p:to>
+                                    </p:set>
+                                  </p:childTnLst>
+                                </p:cTn>
+                              </p:par>
+                            </p:childTnLst>
+                          </p:cTn>
+                        </p:par>
+                      </p:childTnLst>
+                    </p:cTn>
+                  </p:par>
+                  <p:par>
+                    <p:cTn id="9" fill="hold">
+                      <p:stCondLst>
+                        <p:cond delay="indefinite"/>
+                      </p:stCondLst>
+                      <p:childTnLst>
+                        <p:par>
+                          <p:cTn id="10" fill="hold">
+                            <p:stCondLst>
+                              <p:cond delay="0"/>
+                            </p:stCondLst>
+                            <p:childTnLst>
+                              <p:par>
+                                <p:cTn id="11" presetID="1" presetClass="entr" presetSubtype="0" fill="hold" grpId="0" nodeType="clickEffect">
+                                  <p:stCondLst>
+                                    <p:cond delay="0"/>
+                                  </p:stCondLst>
+                                  <p:childTnLst>
+                                    <p:set>
+                                      <p:cBhvr>
+                                        <p:cTn id="12" dur="1" fill="hold">
+                                          <p:stCondLst>
+                                            <p:cond delay="0"/>
+                                          </p:stCondLst>
+                                        </p:cTn>
+                                        <p:tgtEl>
+                                          <p:spTgt spid="39"/>
+                                        </p:tgtEl>
+                                        <p:attrNameLst>
+                                          <p:attrName>style.visibility</p:attrName>
+                                        </p:attrNameLst>
+                                      </p:cBhvr>
+                                      <p:to>
+                                        <p:strVal val="visible"/>
+                                      </p:to>
+                                    </p:set>
+                                  </p:childTnLst>
+                                </p:cTn>
+                              </p:par>
+                              <p:par>
+                                <p:cTn id="13" presetID="1" presetClass="entr" presetSubtype="0" fill="hold" nodeType="withEffect">
+                                  <p:stCondLst>
+                                    <p:cond delay="0"/>
+                                  </p:stCondLst>
+                                  <p:childTnLst>
+                                    <p:set>
+                                      <p:cBhvr>
+                                        <p:cTn id="14" dur="1" fill="hold">
+                                          <p:stCondLst>
+                                            <p:cond delay="0"/>
+                                          </p:stCondLst>
+                                        </p:cTn>
+                                        <p:tgtEl>
+                                          <p:spTgt spid="35"/>
+                                        </p:tgtEl>
+                                        <p:attrNameLst>
+                                          <p:attrName>style.visibility</p:attrName>
+                                        </p:attrNameLst>
+                                      </p:cBhvr>
+                                      <p:to>
+                                        <p:strVal val="visible"/>
+                                      </p:to>
+                                    </p:set>
+                                  </p:childTnLst>
+                                </p:cTn>
+                              </p:par>
+                            </p:childTnLst>
+                          </p:cTn>
+                        </p:par>
+                      </p:childTnLst>
+                    </p:cTn>
+                  </p:par>
+                  <p:par>
+                    <p:cTn id="15" fill="hold">
+                      <p:stCondLst>
+                        <p:cond delay="indefinite"/>
+                      </p:stCondLst>
+                      <p:childTnLst>
+                        <p:par>
+                          <p:cTn id="16" fill="hold">
+                            <p:stCondLst>
+                              <p:cond delay="0"/>
+                            </p:stCondLst>
+                            <p:childTnLst>
+                              <p:par>
+                                <p:cTn id="17" presetID="1" presetClass="entr" presetSubtype="0" fill="hold" grpId="0" nodeType="clickEffect">
+                                  <p:stCondLst>
+                                    <p:cond delay="0"/>
+                                  </p:stCondLst>
+                                  <p:childTnLst>
+                                    <p:set>
+                                      <p:cBhvr>
+                                        <p:cTn id="18" dur="1" fill="hold">
+                                          <p:stCondLst>
+                                            <p:cond delay="0"/>
+                                          </p:stCondLst>
+                                        </p:cTn>
+                                        <p:tgtEl>
+                                          <p:spTgt spid="40"/>
+                                        </p:tgtEl>
+                                        <p:attrNameLst>
+                                          <p:attrName>style.visibility</p:attrName>
+                                        </p:attrNameLst>
+                                      </p:cBhvr>
+                                      <p:to>
+                                        <p:strVal val="visible"/>
+                                      </p:to>
+                                    </p:set>
+                                  </p:childTnLst>
+                                </p:cTn>
+                              </p:par>
+                              <p:par>
+                                <p:cTn id="19" presetID="1" presetClass="entr" presetSubtype="0" fill="hold" nodeType="withEffect">
+                                  <p:stCondLst>
+                                    <p:cond delay="0"/>
+                                  </p:stCondLst>
+                                  <p:childTnLst>
+                                    <p:set>
+                                      <p:cBhvr>
+                                        <p:cTn id="20" dur="1" fill="hold">
+                                          <p:stCondLst>
+                                            <p:cond delay="0"/>
+                                          </p:stCondLst>
+                                        </p:cTn>
+                                        <p:tgtEl>
+                                          <p:spTgt spid="32"/>
+                                        </p:tgtEl>
+                                        <p:attrNameLst>
+                                          <p:attrName>style.visibility</p:attrName>
+                                        </p:attrNameLst>
+                                      </p:cBhvr>
+                                      <p:to>
+                                        <p:strVal val="visible"/>
+                                      </p:to>
+                                    </p:set>
+                                  </p:childTnLst>
+                                </p:cTn>
+                              </p:par>
+                            </p:childTnLst>
+                          </p:cTn>
+                        </p:par>
+                      </p:childTnLst>
+                    </p:cTn>
+                  </p:par>
+                </p:childTnLst>
+              </p:cTn>
+              <p:prevCondLst>
+                <p:cond evt="onPrev" delay="0">
+                  <p:tgtEl>
+                    <p:sldTgt/>
+                  </p:tgtEl>
+                </p:cond>
+              </p:prevCondLst>
+              <p:nextCondLst>
+                <p:cond evt="onNext" delay="0">
+                  <p:tgtEl>
+                    <p:sldTgt/>
+                  </p:tgtEl>
+                </p:cond>
+              </p:nextCondLst>
+            </p:seq>
+          </p:childTnLst>
+        </p:cTn>
+      </p:par>
+    </p:tnLst>
+    <p:bldLst>
+      <p:bldP spid="38" grpId="0"/>
+      <p:bldP spid="39" grpId="0"/>
+      <p:bldP spid="40" grpId="0"/>
+    </p:bldLst>
+  </p:timing>
+</p:sld>
+</file>
+
+<file path=ppt/slides/slide17.xml><?xml version="1.0" encoding="utf-8"?>
 <p:sld xmlns:a="http://schemas.openxmlformats.org/drawingml/2006/main" xmlns:r="http://schemas.openxmlformats.org/officeDocument/2006/relationships" xmlns:p="http://schemas.openxmlformats.org/presentationml/2006/main">
   <p:cSld>
     <p:spTree>
@@ -4595,10 +7623,10 @@
       </p:grpSpPr>
       <p:sp>
         <p:nvSpPr>
-          <p:cNvPr id="4" name="Title 3">
-            <a:extLst>
-              <a:ext uri="{FF2B5EF4-FFF2-40B4-BE49-F238E27FC236}">
-                <a16:creationId xmlns:a16="http://schemas.microsoft.com/office/drawing/2014/main" id="{719D151C-7D67-4AAC-83EB-CF152EC39B13}"/>
+          <p:cNvPr id="2" name="Title 1">
+            <a:extLst>
+              <a:ext uri="{FF2B5EF4-FFF2-40B4-BE49-F238E27FC236}">
+                <a16:creationId xmlns:a16="http://schemas.microsoft.com/office/drawing/2014/main" id="{1903578F-60F4-4A7B-9DE7-BAC224182231}"/>
               </a:ext>
             </a:extLst>
           </p:cNvPr>
@@ -4618,21 +7646,2247 @@
               <a:rPr lang="en-US" dirty="0">
                 <a:latin typeface="Abadi Extra Light" panose="020B0204020104020204" pitchFamily="34" charset="0"/>
               </a:rPr>
-              <a:t>Server Configuration</a:t>
+              <a:t>Module</a:t>
             </a:r>
           </a:p>
         </p:txBody>
       </p:sp>
+      <p:cxnSp>
+        <p:nvCxnSpPr>
+          <p:cNvPr id="15" name="Straight Connector 14">
+            <a:extLst>
+              <a:ext uri="{FF2B5EF4-FFF2-40B4-BE49-F238E27FC236}">
+                <a16:creationId xmlns:a16="http://schemas.microsoft.com/office/drawing/2014/main" id="{17593F09-B2DB-4D0B-B67A-FDBBA69A0934}"/>
+              </a:ext>
+            </a:extLst>
+          </p:cNvPr>
+          <p:cNvCxnSpPr>
+            <a:cxnSpLocks/>
+          </p:cNvCxnSpPr>
+          <p:nvPr/>
+        </p:nvCxnSpPr>
+        <p:spPr>
+          <a:xfrm>
+            <a:off x="761837" y="1396181"/>
+            <a:ext cx="10668327" cy="0"/>
+          </a:xfrm>
+          <a:prstGeom prst="line">
+            <a:avLst/>
+          </a:prstGeom>
+          <a:ln>
+            <a:solidFill>
+              <a:schemeClr val="bg1">
+                <a:lumMod val="85000"/>
+              </a:schemeClr>
+            </a:solidFill>
+          </a:ln>
+        </p:spPr>
+        <p:style>
+          <a:lnRef idx="1">
+            <a:schemeClr val="accent1"/>
+          </a:lnRef>
+          <a:fillRef idx="0">
+            <a:schemeClr val="accent1"/>
+          </a:fillRef>
+          <a:effectRef idx="0">
+            <a:schemeClr val="accent1"/>
+          </a:effectRef>
+          <a:fontRef idx="minor">
+            <a:schemeClr val="tx1"/>
+          </a:fontRef>
+        </p:style>
+      </p:cxnSp>
+      <p:pic>
+        <p:nvPicPr>
+          <p:cNvPr id="5" name="Picture 4">
+            <a:extLst>
+              <a:ext uri="{FF2B5EF4-FFF2-40B4-BE49-F238E27FC236}">
+                <a16:creationId xmlns:a16="http://schemas.microsoft.com/office/drawing/2014/main" id="{08E09220-B2A7-40CE-AF0D-8B33D48AF499}"/>
+              </a:ext>
+            </a:extLst>
+          </p:cNvPr>
+          <p:cNvPicPr>
+            <a:picLocks noChangeAspect="1"/>
+          </p:cNvPicPr>
+          <p:nvPr/>
+        </p:nvPicPr>
+        <p:blipFill>
+          <a:blip r:embed="rId2"/>
+          <a:stretch>
+            <a:fillRect/>
+          </a:stretch>
+        </p:blipFill>
+        <p:spPr>
+          <a:xfrm>
+            <a:off x="3046057" y="1787599"/>
+            <a:ext cx="6099885" cy="1868289"/>
+          </a:xfrm>
+          <a:prstGeom prst="rect">
+            <a:avLst/>
+          </a:prstGeom>
+        </p:spPr>
+      </p:pic>
+      <p:sp>
+        <p:nvSpPr>
+          <p:cNvPr id="11" name="TextBox 10">
+            <a:extLst>
+              <a:ext uri="{FF2B5EF4-FFF2-40B4-BE49-F238E27FC236}">
+                <a16:creationId xmlns:a16="http://schemas.microsoft.com/office/drawing/2014/main" id="{2BEE3BFB-8886-40F9-8027-E8D1B3449286}"/>
+              </a:ext>
+            </a:extLst>
+          </p:cNvPr>
+          <p:cNvSpPr txBox="1"/>
+          <p:nvPr/>
+        </p:nvSpPr>
+        <p:spPr>
+          <a:xfrm>
+            <a:off x="6624917" y="4815488"/>
+            <a:ext cx="2115671" cy="646331"/>
+          </a:xfrm>
+          <a:prstGeom prst="rect">
+            <a:avLst/>
+          </a:prstGeom>
+          <a:noFill/>
+        </p:spPr>
+        <p:txBody>
+          <a:bodyPr wrap="square" rtlCol="0">
+            <a:spAutoFit/>
+          </a:bodyPr>
+          <a:lstStyle/>
+          <a:p>
+            <a:pPr algn="ctr"/>
+            <a:r>
+              <a:rPr lang="en-US" dirty="0">
+                <a:solidFill>
+                  <a:schemeClr val="bg1">
+                    <a:lumMod val="65000"/>
+                  </a:schemeClr>
+                </a:solidFill>
+                <a:latin typeface="Book Antiqua" panose="02040602050305030304" pitchFamily="18" charset="0"/>
+              </a:rPr>
+              <a:t>defines docker image</a:t>
+            </a:r>
+          </a:p>
+        </p:txBody>
+      </p:sp>
+      <p:sp>
+        <p:nvSpPr>
+          <p:cNvPr id="16" name="TextBox 15">
+            <a:extLst>
+              <a:ext uri="{FF2B5EF4-FFF2-40B4-BE49-F238E27FC236}">
+                <a16:creationId xmlns:a16="http://schemas.microsoft.com/office/drawing/2014/main" id="{CD25A58C-F3F6-4B06-BDAC-7FBE8CBB9BBF}"/>
+              </a:ext>
+            </a:extLst>
+          </p:cNvPr>
+          <p:cNvSpPr txBox="1"/>
+          <p:nvPr/>
+        </p:nvSpPr>
+        <p:spPr>
+          <a:xfrm>
+            <a:off x="9314493" y="3812317"/>
+            <a:ext cx="2115671" cy="369332"/>
+          </a:xfrm>
+          <a:prstGeom prst="rect">
+            <a:avLst/>
+          </a:prstGeom>
+          <a:noFill/>
+        </p:spPr>
+        <p:txBody>
+          <a:bodyPr wrap="square" rtlCol="0">
+            <a:spAutoFit/>
+          </a:bodyPr>
+          <a:lstStyle/>
+          <a:p>
+            <a:pPr algn="ctr"/>
+            <a:r>
+              <a:rPr lang="en-US" dirty="0">
+                <a:solidFill>
+                  <a:schemeClr val="bg1">
+                    <a:lumMod val="65000"/>
+                  </a:schemeClr>
+                </a:solidFill>
+                <a:latin typeface="Book Antiqua" panose="02040602050305030304" pitchFamily="18" charset="0"/>
+              </a:rPr>
+              <a:t>source code</a:t>
+            </a:r>
+          </a:p>
+        </p:txBody>
+      </p:sp>
+      <p:sp>
+        <p:nvSpPr>
+          <p:cNvPr id="17" name="TextBox 16">
+            <a:extLst>
+              <a:ext uri="{FF2B5EF4-FFF2-40B4-BE49-F238E27FC236}">
+                <a16:creationId xmlns:a16="http://schemas.microsoft.com/office/drawing/2014/main" id="{4514E4EF-CE9A-42E4-BC4D-822D633E5EFA}"/>
+              </a:ext>
+            </a:extLst>
+          </p:cNvPr>
+          <p:cNvSpPr txBox="1"/>
+          <p:nvPr/>
+        </p:nvSpPr>
+        <p:spPr>
+          <a:xfrm>
+            <a:off x="930386" y="3673818"/>
+            <a:ext cx="2115671" cy="646331"/>
+          </a:xfrm>
+          <a:prstGeom prst="rect">
+            <a:avLst/>
+          </a:prstGeom>
+          <a:noFill/>
+        </p:spPr>
+        <p:txBody>
+          <a:bodyPr wrap="square" rtlCol="0">
+            <a:spAutoFit/>
+          </a:bodyPr>
+          <a:lstStyle/>
+          <a:p>
+            <a:pPr algn="ctr"/>
+            <a:r>
+              <a:rPr lang="en-US" dirty="0">
+                <a:solidFill>
+                  <a:schemeClr val="bg1">
+                    <a:lumMod val="65000"/>
+                  </a:schemeClr>
+                </a:solidFill>
+                <a:latin typeface="Book Antiqua" panose="02040602050305030304" pitchFamily="18" charset="0"/>
+              </a:rPr>
+              <a:t>builds docker image</a:t>
+            </a:r>
+          </a:p>
+        </p:txBody>
+      </p:sp>
+      <p:sp>
+        <p:nvSpPr>
+          <p:cNvPr id="18" name="TextBox 17">
+            <a:extLst>
+              <a:ext uri="{FF2B5EF4-FFF2-40B4-BE49-F238E27FC236}">
+                <a16:creationId xmlns:a16="http://schemas.microsoft.com/office/drawing/2014/main" id="{C30E758A-8377-4818-BC1F-FE7EE68E2D7A}"/>
+              </a:ext>
+            </a:extLst>
+          </p:cNvPr>
+          <p:cNvSpPr txBox="1"/>
+          <p:nvPr/>
+        </p:nvSpPr>
+        <p:spPr>
+          <a:xfrm>
+            <a:off x="3325906" y="4676988"/>
+            <a:ext cx="2115671" cy="923330"/>
+          </a:xfrm>
+          <a:prstGeom prst="rect">
+            <a:avLst/>
+          </a:prstGeom>
+          <a:noFill/>
+        </p:spPr>
+        <p:txBody>
+          <a:bodyPr wrap="square" rtlCol="0">
+            <a:spAutoFit/>
+          </a:bodyPr>
+          <a:lstStyle/>
+          <a:p>
+            <a:pPr algn="ctr"/>
+            <a:r>
+              <a:rPr lang="en-US" dirty="0">
+                <a:solidFill>
+                  <a:schemeClr val="bg1">
+                    <a:lumMod val="65000"/>
+                  </a:schemeClr>
+                </a:solidFill>
+                <a:latin typeface="Book Antiqua" panose="02040602050305030304" pitchFamily="18" charset="0"/>
+              </a:rPr>
+              <a:t>configures and builds docker container</a:t>
+            </a:r>
+          </a:p>
+        </p:txBody>
+      </p:sp>
+      <p:cxnSp>
+        <p:nvCxnSpPr>
+          <p:cNvPr id="13" name="Straight Connector 12">
+            <a:extLst>
+              <a:ext uri="{FF2B5EF4-FFF2-40B4-BE49-F238E27FC236}">
+                <a16:creationId xmlns:a16="http://schemas.microsoft.com/office/drawing/2014/main" id="{EBCBCEBC-4D4B-4E99-A285-78F3DA479A32}"/>
+              </a:ext>
+            </a:extLst>
+          </p:cNvPr>
+          <p:cNvCxnSpPr>
+            <a:cxnSpLocks/>
+            <a:stCxn id="18" idx="0"/>
+          </p:cNvCxnSpPr>
+          <p:nvPr/>
+        </p:nvCxnSpPr>
+        <p:spPr>
+          <a:xfrm flipV="1">
+            <a:off x="4383742" y="3586185"/>
+            <a:ext cx="735105" cy="1090803"/>
+          </a:xfrm>
+          <a:prstGeom prst="line">
+            <a:avLst/>
+          </a:prstGeom>
+          <a:ln>
+            <a:solidFill>
+              <a:schemeClr val="bg1">
+                <a:lumMod val="75000"/>
+              </a:schemeClr>
+            </a:solidFill>
+          </a:ln>
+        </p:spPr>
+        <p:style>
+          <a:lnRef idx="1">
+            <a:schemeClr val="accent1"/>
+          </a:lnRef>
+          <a:fillRef idx="0">
+            <a:schemeClr val="accent1"/>
+          </a:fillRef>
+          <a:effectRef idx="0">
+            <a:schemeClr val="accent1"/>
+          </a:effectRef>
+          <a:fontRef idx="minor">
+            <a:schemeClr val="tx1"/>
+          </a:fontRef>
+        </p:style>
+      </p:cxnSp>
+      <p:cxnSp>
+        <p:nvCxnSpPr>
+          <p:cNvPr id="19" name="Straight Connector 18">
+            <a:extLst>
+              <a:ext uri="{FF2B5EF4-FFF2-40B4-BE49-F238E27FC236}">
+                <a16:creationId xmlns:a16="http://schemas.microsoft.com/office/drawing/2014/main" id="{05145EC1-E278-4ACC-A654-7B92C0B604FD}"/>
+              </a:ext>
+            </a:extLst>
+          </p:cNvPr>
+          <p:cNvCxnSpPr>
+            <a:cxnSpLocks/>
+            <a:stCxn id="17" idx="0"/>
+          </p:cNvCxnSpPr>
+          <p:nvPr/>
+        </p:nvCxnSpPr>
+        <p:spPr>
+          <a:xfrm flipV="1">
+            <a:off x="1988222" y="3046288"/>
+            <a:ext cx="1629038" cy="627530"/>
+          </a:xfrm>
+          <a:prstGeom prst="line">
+            <a:avLst/>
+          </a:prstGeom>
+          <a:ln>
+            <a:solidFill>
+              <a:schemeClr val="bg1">
+                <a:lumMod val="75000"/>
+              </a:schemeClr>
+            </a:solidFill>
+          </a:ln>
+        </p:spPr>
+        <p:style>
+          <a:lnRef idx="1">
+            <a:schemeClr val="accent1"/>
+          </a:lnRef>
+          <a:fillRef idx="0">
+            <a:schemeClr val="accent1"/>
+          </a:fillRef>
+          <a:effectRef idx="0">
+            <a:schemeClr val="accent1"/>
+          </a:effectRef>
+          <a:fontRef idx="minor">
+            <a:schemeClr val="tx1"/>
+          </a:fontRef>
+        </p:style>
+      </p:cxnSp>
+      <p:cxnSp>
+        <p:nvCxnSpPr>
+          <p:cNvPr id="21" name="Straight Connector 20">
+            <a:extLst>
+              <a:ext uri="{FF2B5EF4-FFF2-40B4-BE49-F238E27FC236}">
+                <a16:creationId xmlns:a16="http://schemas.microsoft.com/office/drawing/2014/main" id="{A5A1FF99-51D4-4AF4-952D-0DCDD958A26C}"/>
+              </a:ext>
+            </a:extLst>
+          </p:cNvPr>
+          <p:cNvCxnSpPr>
+            <a:cxnSpLocks/>
+            <a:stCxn id="11" idx="0"/>
+          </p:cNvCxnSpPr>
+          <p:nvPr/>
+        </p:nvCxnSpPr>
+        <p:spPr>
+          <a:xfrm flipH="1" flipV="1">
+            <a:off x="6659591" y="3046288"/>
+            <a:ext cx="1023162" cy="1769200"/>
+          </a:xfrm>
+          <a:prstGeom prst="line">
+            <a:avLst/>
+          </a:prstGeom>
+          <a:ln>
+            <a:solidFill>
+              <a:schemeClr val="bg1">
+                <a:lumMod val="75000"/>
+              </a:schemeClr>
+            </a:solidFill>
+          </a:ln>
+        </p:spPr>
+        <p:style>
+          <a:lnRef idx="1">
+            <a:schemeClr val="accent1"/>
+          </a:lnRef>
+          <a:fillRef idx="0">
+            <a:schemeClr val="accent1"/>
+          </a:fillRef>
+          <a:effectRef idx="0">
+            <a:schemeClr val="accent1"/>
+          </a:effectRef>
+          <a:fontRef idx="minor">
+            <a:schemeClr val="tx1"/>
+          </a:fontRef>
+        </p:style>
+      </p:cxnSp>
+      <p:cxnSp>
+        <p:nvCxnSpPr>
+          <p:cNvPr id="23" name="Straight Connector 22">
+            <a:extLst>
+              <a:ext uri="{FF2B5EF4-FFF2-40B4-BE49-F238E27FC236}">
+                <a16:creationId xmlns:a16="http://schemas.microsoft.com/office/drawing/2014/main" id="{0D741315-2D76-48B8-86CF-2EFF0AA0B400}"/>
+              </a:ext>
+            </a:extLst>
+          </p:cNvPr>
+          <p:cNvCxnSpPr>
+            <a:cxnSpLocks/>
+            <a:stCxn id="16" idx="0"/>
+          </p:cNvCxnSpPr>
+          <p:nvPr/>
+        </p:nvCxnSpPr>
+        <p:spPr>
+          <a:xfrm flipH="1" flipV="1">
+            <a:off x="8161178" y="3281082"/>
+            <a:ext cx="2211151" cy="531235"/>
+          </a:xfrm>
+          <a:prstGeom prst="line">
+            <a:avLst/>
+          </a:prstGeom>
+          <a:ln>
+            <a:solidFill>
+              <a:schemeClr val="bg1">
+                <a:lumMod val="75000"/>
+              </a:schemeClr>
+            </a:solidFill>
+          </a:ln>
+        </p:spPr>
+        <p:style>
+          <a:lnRef idx="1">
+            <a:schemeClr val="accent1"/>
+          </a:lnRef>
+          <a:fillRef idx="0">
+            <a:schemeClr val="accent1"/>
+          </a:fillRef>
+          <a:effectRef idx="0">
+            <a:schemeClr val="accent1"/>
+          </a:effectRef>
+          <a:fontRef idx="minor">
+            <a:schemeClr val="tx1"/>
+          </a:fontRef>
+        </p:style>
+      </p:cxnSp>
     </p:spTree>
     <p:extLst>
       <p:ext uri="{BB962C8B-B14F-4D97-AF65-F5344CB8AC3E}">
-        <p14:creationId xmlns:p14="http://schemas.microsoft.com/office/powerpoint/2010/main" val="201194591"/>
+        <p14:creationId xmlns:p14="http://schemas.microsoft.com/office/powerpoint/2010/main" val="1847112593"/>
       </p:ext>
     </p:extLst>
   </p:cSld>
   <p:clrMapOvr>
     <a:masterClrMapping/>
   </p:clrMapOvr>
+  <p:timing>
+    <p:tnLst>
+      <p:par>
+        <p:cTn id="1" dur="indefinite" restart="never" nodeType="tmRoot">
+          <p:childTnLst>
+            <p:seq concurrent="1" nextAc="seek">
+              <p:cTn id="2" dur="indefinite" nodeType="mainSeq">
+                <p:childTnLst>
+                  <p:par>
+                    <p:cTn id="3" fill="hold">
+                      <p:stCondLst>
+                        <p:cond delay="indefinite"/>
+                      </p:stCondLst>
+                      <p:childTnLst>
+                        <p:par>
+                          <p:cTn id="4" fill="hold">
+                            <p:stCondLst>
+                              <p:cond delay="0"/>
+                            </p:stCondLst>
+                            <p:childTnLst>
+                              <p:par>
+                                <p:cTn id="5" presetID="1" presetClass="entr" presetSubtype="0" fill="hold" nodeType="clickEffect">
+                                  <p:stCondLst>
+                                    <p:cond delay="0"/>
+                                  </p:stCondLst>
+                                  <p:childTnLst>
+                                    <p:set>
+                                      <p:cBhvr>
+                                        <p:cTn id="6" dur="1" fill="hold">
+                                          <p:stCondLst>
+                                            <p:cond delay="0"/>
+                                          </p:stCondLst>
+                                        </p:cTn>
+                                        <p:tgtEl>
+                                          <p:spTgt spid="23"/>
+                                        </p:tgtEl>
+                                        <p:attrNameLst>
+                                          <p:attrName>style.visibility</p:attrName>
+                                        </p:attrNameLst>
+                                      </p:cBhvr>
+                                      <p:to>
+                                        <p:strVal val="visible"/>
+                                      </p:to>
+                                    </p:set>
+                                  </p:childTnLst>
+                                </p:cTn>
+                              </p:par>
+                              <p:par>
+                                <p:cTn id="7" presetID="1" presetClass="entr" presetSubtype="0" fill="hold" grpId="0" nodeType="withEffect">
+                                  <p:stCondLst>
+                                    <p:cond delay="0"/>
+                                  </p:stCondLst>
+                                  <p:childTnLst>
+                                    <p:set>
+                                      <p:cBhvr>
+                                        <p:cTn id="8" dur="1" fill="hold">
+                                          <p:stCondLst>
+                                            <p:cond delay="0"/>
+                                          </p:stCondLst>
+                                        </p:cTn>
+                                        <p:tgtEl>
+                                          <p:spTgt spid="16"/>
+                                        </p:tgtEl>
+                                        <p:attrNameLst>
+                                          <p:attrName>style.visibility</p:attrName>
+                                        </p:attrNameLst>
+                                      </p:cBhvr>
+                                      <p:to>
+                                        <p:strVal val="visible"/>
+                                      </p:to>
+                                    </p:set>
+                                  </p:childTnLst>
+                                </p:cTn>
+                              </p:par>
+                            </p:childTnLst>
+                          </p:cTn>
+                        </p:par>
+                      </p:childTnLst>
+                    </p:cTn>
+                  </p:par>
+                  <p:par>
+                    <p:cTn id="9" fill="hold">
+                      <p:stCondLst>
+                        <p:cond delay="indefinite"/>
+                      </p:stCondLst>
+                      <p:childTnLst>
+                        <p:par>
+                          <p:cTn id="10" fill="hold">
+                            <p:stCondLst>
+                              <p:cond delay="0"/>
+                            </p:stCondLst>
+                            <p:childTnLst>
+                              <p:par>
+                                <p:cTn id="11" presetID="1" presetClass="entr" presetSubtype="0" fill="hold" nodeType="clickEffect">
+                                  <p:stCondLst>
+                                    <p:cond delay="0"/>
+                                  </p:stCondLst>
+                                  <p:childTnLst>
+                                    <p:set>
+                                      <p:cBhvr>
+                                        <p:cTn id="12" dur="1" fill="hold">
+                                          <p:stCondLst>
+                                            <p:cond delay="0"/>
+                                          </p:stCondLst>
+                                        </p:cTn>
+                                        <p:tgtEl>
+                                          <p:spTgt spid="21"/>
+                                        </p:tgtEl>
+                                        <p:attrNameLst>
+                                          <p:attrName>style.visibility</p:attrName>
+                                        </p:attrNameLst>
+                                      </p:cBhvr>
+                                      <p:to>
+                                        <p:strVal val="visible"/>
+                                      </p:to>
+                                    </p:set>
+                                  </p:childTnLst>
+                                </p:cTn>
+                              </p:par>
+                              <p:par>
+                                <p:cTn id="13" presetID="1" presetClass="entr" presetSubtype="0" fill="hold" grpId="0" nodeType="withEffect">
+                                  <p:stCondLst>
+                                    <p:cond delay="0"/>
+                                  </p:stCondLst>
+                                  <p:childTnLst>
+                                    <p:set>
+                                      <p:cBhvr>
+                                        <p:cTn id="14" dur="1" fill="hold">
+                                          <p:stCondLst>
+                                            <p:cond delay="0"/>
+                                          </p:stCondLst>
+                                        </p:cTn>
+                                        <p:tgtEl>
+                                          <p:spTgt spid="11"/>
+                                        </p:tgtEl>
+                                        <p:attrNameLst>
+                                          <p:attrName>style.visibility</p:attrName>
+                                        </p:attrNameLst>
+                                      </p:cBhvr>
+                                      <p:to>
+                                        <p:strVal val="visible"/>
+                                      </p:to>
+                                    </p:set>
+                                  </p:childTnLst>
+                                </p:cTn>
+                              </p:par>
+                            </p:childTnLst>
+                          </p:cTn>
+                        </p:par>
+                      </p:childTnLst>
+                    </p:cTn>
+                  </p:par>
+                  <p:par>
+                    <p:cTn id="15" fill="hold">
+                      <p:stCondLst>
+                        <p:cond delay="indefinite"/>
+                      </p:stCondLst>
+                      <p:childTnLst>
+                        <p:par>
+                          <p:cTn id="16" fill="hold">
+                            <p:stCondLst>
+                              <p:cond delay="0"/>
+                            </p:stCondLst>
+                            <p:childTnLst>
+                              <p:par>
+                                <p:cTn id="17" presetID="1" presetClass="entr" presetSubtype="0" fill="hold" nodeType="clickEffect">
+                                  <p:stCondLst>
+                                    <p:cond delay="0"/>
+                                  </p:stCondLst>
+                                  <p:childTnLst>
+                                    <p:set>
+                                      <p:cBhvr>
+                                        <p:cTn id="18" dur="1" fill="hold">
+                                          <p:stCondLst>
+                                            <p:cond delay="0"/>
+                                          </p:stCondLst>
+                                        </p:cTn>
+                                        <p:tgtEl>
+                                          <p:spTgt spid="19"/>
+                                        </p:tgtEl>
+                                        <p:attrNameLst>
+                                          <p:attrName>style.visibility</p:attrName>
+                                        </p:attrNameLst>
+                                      </p:cBhvr>
+                                      <p:to>
+                                        <p:strVal val="visible"/>
+                                      </p:to>
+                                    </p:set>
+                                  </p:childTnLst>
+                                </p:cTn>
+                              </p:par>
+                              <p:par>
+                                <p:cTn id="19" presetID="1" presetClass="entr" presetSubtype="0" fill="hold" grpId="0" nodeType="withEffect">
+                                  <p:stCondLst>
+                                    <p:cond delay="0"/>
+                                  </p:stCondLst>
+                                  <p:childTnLst>
+                                    <p:set>
+                                      <p:cBhvr>
+                                        <p:cTn id="20" dur="1" fill="hold">
+                                          <p:stCondLst>
+                                            <p:cond delay="0"/>
+                                          </p:stCondLst>
+                                        </p:cTn>
+                                        <p:tgtEl>
+                                          <p:spTgt spid="17"/>
+                                        </p:tgtEl>
+                                        <p:attrNameLst>
+                                          <p:attrName>style.visibility</p:attrName>
+                                        </p:attrNameLst>
+                                      </p:cBhvr>
+                                      <p:to>
+                                        <p:strVal val="visible"/>
+                                      </p:to>
+                                    </p:set>
+                                  </p:childTnLst>
+                                </p:cTn>
+                              </p:par>
+                            </p:childTnLst>
+                          </p:cTn>
+                        </p:par>
+                      </p:childTnLst>
+                    </p:cTn>
+                  </p:par>
+                  <p:par>
+                    <p:cTn id="21" fill="hold">
+                      <p:stCondLst>
+                        <p:cond delay="indefinite"/>
+                      </p:stCondLst>
+                      <p:childTnLst>
+                        <p:par>
+                          <p:cTn id="22" fill="hold">
+                            <p:stCondLst>
+                              <p:cond delay="0"/>
+                            </p:stCondLst>
+                            <p:childTnLst>
+                              <p:par>
+                                <p:cTn id="23" presetID="1" presetClass="entr" presetSubtype="0" fill="hold" nodeType="clickEffect">
+                                  <p:stCondLst>
+                                    <p:cond delay="0"/>
+                                  </p:stCondLst>
+                                  <p:childTnLst>
+                                    <p:set>
+                                      <p:cBhvr>
+                                        <p:cTn id="24" dur="1" fill="hold">
+                                          <p:stCondLst>
+                                            <p:cond delay="0"/>
+                                          </p:stCondLst>
+                                        </p:cTn>
+                                        <p:tgtEl>
+                                          <p:spTgt spid="13"/>
+                                        </p:tgtEl>
+                                        <p:attrNameLst>
+                                          <p:attrName>style.visibility</p:attrName>
+                                        </p:attrNameLst>
+                                      </p:cBhvr>
+                                      <p:to>
+                                        <p:strVal val="visible"/>
+                                      </p:to>
+                                    </p:set>
+                                  </p:childTnLst>
+                                </p:cTn>
+                              </p:par>
+                              <p:par>
+                                <p:cTn id="25" presetID="1" presetClass="entr" presetSubtype="0" fill="hold" grpId="0" nodeType="withEffect">
+                                  <p:stCondLst>
+                                    <p:cond delay="0"/>
+                                  </p:stCondLst>
+                                  <p:childTnLst>
+                                    <p:set>
+                                      <p:cBhvr>
+                                        <p:cTn id="26" dur="1" fill="hold">
+                                          <p:stCondLst>
+                                            <p:cond delay="0"/>
+                                          </p:stCondLst>
+                                        </p:cTn>
+                                        <p:tgtEl>
+                                          <p:spTgt spid="18"/>
+                                        </p:tgtEl>
+                                        <p:attrNameLst>
+                                          <p:attrName>style.visibility</p:attrName>
+                                        </p:attrNameLst>
+                                      </p:cBhvr>
+                                      <p:to>
+                                        <p:strVal val="visible"/>
+                                      </p:to>
+                                    </p:set>
+                                  </p:childTnLst>
+                                </p:cTn>
+                              </p:par>
+                            </p:childTnLst>
+                          </p:cTn>
+                        </p:par>
+                      </p:childTnLst>
+                    </p:cTn>
+                  </p:par>
+                </p:childTnLst>
+              </p:cTn>
+              <p:prevCondLst>
+                <p:cond evt="onPrev" delay="0">
+                  <p:tgtEl>
+                    <p:sldTgt/>
+                  </p:tgtEl>
+                </p:cond>
+              </p:prevCondLst>
+              <p:nextCondLst>
+                <p:cond evt="onNext" delay="0">
+                  <p:tgtEl>
+                    <p:sldTgt/>
+                  </p:tgtEl>
+                </p:cond>
+              </p:nextCondLst>
+            </p:seq>
+          </p:childTnLst>
+        </p:cTn>
+      </p:par>
+    </p:tnLst>
+    <p:bldLst>
+      <p:bldP spid="11" grpId="0"/>
+      <p:bldP spid="16" grpId="0"/>
+      <p:bldP spid="17" grpId="0"/>
+      <p:bldP spid="18" grpId="0"/>
+    </p:bldLst>
+  </p:timing>
+</p:sld>
+</file>
+
+<file path=ppt/slides/slide18.xml><?xml version="1.0" encoding="utf-8"?>
+<p:sld xmlns:a="http://schemas.openxmlformats.org/drawingml/2006/main" xmlns:r="http://schemas.openxmlformats.org/officeDocument/2006/relationships" xmlns:p="http://schemas.openxmlformats.org/presentationml/2006/main">
+  <p:cSld>
+    <p:spTree>
+      <p:nvGrpSpPr>
+        <p:cNvPr id="1" name=""/>
+        <p:cNvGrpSpPr/>
+        <p:nvPr/>
+      </p:nvGrpSpPr>
+      <p:grpSpPr>
+        <a:xfrm>
+          <a:off x="0" y="0"/>
+          <a:ext cx="0" cy="0"/>
+          <a:chOff x="0" y="0"/>
+          <a:chExt cx="0" cy="0"/>
+        </a:xfrm>
+      </p:grpSpPr>
+      <p:sp>
+        <p:nvSpPr>
+          <p:cNvPr id="2" name="Title 1">
+            <a:extLst>
+              <a:ext uri="{FF2B5EF4-FFF2-40B4-BE49-F238E27FC236}">
+                <a16:creationId xmlns:a16="http://schemas.microsoft.com/office/drawing/2014/main" id="{1903578F-60F4-4A7B-9DE7-BAC224182231}"/>
+              </a:ext>
+            </a:extLst>
+          </p:cNvPr>
+          <p:cNvSpPr>
+            <a:spLocks noGrp="1"/>
+          </p:cNvSpPr>
+          <p:nvPr>
+            <p:ph type="title"/>
+          </p:nvPr>
+        </p:nvSpPr>
+        <p:spPr/>
+        <p:txBody>
+          <a:bodyPr/>
+          <a:lstStyle/>
+          <a:p>
+            <a:r>
+              <a:rPr lang="en-US" dirty="0" err="1">
+                <a:latin typeface="Abadi Extra Light" panose="020B0204020104020204" pitchFamily="34" charset="0"/>
+              </a:rPr>
+              <a:t>Dockerfile</a:t>
+            </a:r>
+            <a:endParaRPr lang="en-US" dirty="0">
+              <a:latin typeface="Abadi Extra Light" panose="020B0204020104020204" pitchFamily="34" charset="0"/>
+            </a:endParaRPr>
+          </a:p>
+        </p:txBody>
+      </p:sp>
+      <p:cxnSp>
+        <p:nvCxnSpPr>
+          <p:cNvPr id="15" name="Straight Connector 14">
+            <a:extLst>
+              <a:ext uri="{FF2B5EF4-FFF2-40B4-BE49-F238E27FC236}">
+                <a16:creationId xmlns:a16="http://schemas.microsoft.com/office/drawing/2014/main" id="{17593F09-B2DB-4D0B-B67A-FDBBA69A0934}"/>
+              </a:ext>
+            </a:extLst>
+          </p:cNvPr>
+          <p:cNvCxnSpPr>
+            <a:cxnSpLocks/>
+          </p:cNvCxnSpPr>
+          <p:nvPr/>
+        </p:nvCxnSpPr>
+        <p:spPr>
+          <a:xfrm>
+            <a:off x="761837" y="1396181"/>
+            <a:ext cx="10668327" cy="0"/>
+          </a:xfrm>
+          <a:prstGeom prst="line">
+            <a:avLst/>
+          </a:prstGeom>
+          <a:ln>
+            <a:solidFill>
+              <a:schemeClr val="bg1">
+                <a:lumMod val="85000"/>
+              </a:schemeClr>
+            </a:solidFill>
+          </a:ln>
+        </p:spPr>
+        <p:style>
+          <a:lnRef idx="1">
+            <a:schemeClr val="accent1"/>
+          </a:lnRef>
+          <a:fillRef idx="0">
+            <a:schemeClr val="accent1"/>
+          </a:fillRef>
+          <a:effectRef idx="0">
+            <a:schemeClr val="accent1"/>
+          </a:effectRef>
+          <a:fontRef idx="minor">
+            <a:schemeClr val="tx1"/>
+          </a:fontRef>
+        </p:style>
+      </p:cxnSp>
+      <p:sp>
+        <p:nvSpPr>
+          <p:cNvPr id="17" name="TextBox 16">
+            <a:extLst>
+              <a:ext uri="{FF2B5EF4-FFF2-40B4-BE49-F238E27FC236}">
+                <a16:creationId xmlns:a16="http://schemas.microsoft.com/office/drawing/2014/main" id="{4514E4EF-CE9A-42E4-BC4D-822D633E5EFA}"/>
+              </a:ext>
+            </a:extLst>
+          </p:cNvPr>
+          <p:cNvSpPr txBox="1"/>
+          <p:nvPr/>
+        </p:nvSpPr>
+        <p:spPr>
+          <a:xfrm>
+            <a:off x="1281953" y="1802354"/>
+            <a:ext cx="1905166" cy="369332"/>
+          </a:xfrm>
+          <a:prstGeom prst="rect">
+            <a:avLst/>
+          </a:prstGeom>
+          <a:noFill/>
+        </p:spPr>
+        <p:txBody>
+          <a:bodyPr wrap="square" rtlCol="0">
+            <a:spAutoFit/>
+          </a:bodyPr>
+          <a:lstStyle/>
+          <a:p>
+            <a:pPr algn="ctr"/>
+            <a:r>
+              <a:rPr lang="en-US" dirty="0">
+                <a:solidFill>
+                  <a:schemeClr val="bg1">
+                    <a:lumMod val="65000"/>
+                  </a:schemeClr>
+                </a:solidFill>
+                <a:latin typeface="Book Antiqua" panose="02040602050305030304" pitchFamily="18" charset="0"/>
+              </a:rPr>
+              <a:t>add source code</a:t>
+            </a:r>
+          </a:p>
+        </p:txBody>
+      </p:sp>
+      <p:cxnSp>
+        <p:nvCxnSpPr>
+          <p:cNvPr id="19" name="Straight Connector 18">
+            <a:extLst>
+              <a:ext uri="{FF2B5EF4-FFF2-40B4-BE49-F238E27FC236}">
+                <a16:creationId xmlns:a16="http://schemas.microsoft.com/office/drawing/2014/main" id="{05145EC1-E278-4ACC-A654-7B92C0B604FD}"/>
+              </a:ext>
+            </a:extLst>
+          </p:cNvPr>
+          <p:cNvCxnSpPr>
+            <a:cxnSpLocks/>
+            <a:stCxn id="17" idx="3"/>
+          </p:cNvCxnSpPr>
+          <p:nvPr/>
+        </p:nvCxnSpPr>
+        <p:spPr>
+          <a:xfrm>
+            <a:off x="3187119" y="1987020"/>
+            <a:ext cx="1824152" cy="310209"/>
+          </a:xfrm>
+          <a:prstGeom prst="line">
+            <a:avLst/>
+          </a:prstGeom>
+          <a:ln>
+            <a:solidFill>
+              <a:schemeClr val="bg1">
+                <a:lumMod val="75000"/>
+              </a:schemeClr>
+            </a:solidFill>
+          </a:ln>
+        </p:spPr>
+        <p:style>
+          <a:lnRef idx="1">
+            <a:schemeClr val="accent1"/>
+          </a:lnRef>
+          <a:fillRef idx="0">
+            <a:schemeClr val="accent1"/>
+          </a:fillRef>
+          <a:effectRef idx="0">
+            <a:schemeClr val="accent1"/>
+          </a:effectRef>
+          <a:fontRef idx="minor">
+            <a:schemeClr val="tx1"/>
+          </a:fontRef>
+        </p:style>
+      </p:cxnSp>
+      <p:pic>
+        <p:nvPicPr>
+          <p:cNvPr id="14" name="Picture 13">
+            <a:extLst>
+              <a:ext uri="{FF2B5EF4-FFF2-40B4-BE49-F238E27FC236}">
+                <a16:creationId xmlns:a16="http://schemas.microsoft.com/office/drawing/2014/main" id="{50802F12-2B71-46E2-B46B-4028F50CC751}"/>
+              </a:ext>
+            </a:extLst>
+          </p:cNvPr>
+          <p:cNvPicPr>
+            <a:picLocks noChangeAspect="1"/>
+          </p:cNvPicPr>
+          <p:nvPr/>
+        </p:nvPicPr>
+        <p:blipFill>
+          <a:blip r:embed="rId2"/>
+          <a:stretch>
+            <a:fillRect/>
+          </a:stretch>
+        </p:blipFill>
+        <p:spPr>
+          <a:xfrm>
+            <a:off x="5139940" y="1622248"/>
+            <a:ext cx="6290223" cy="3294169"/>
+          </a:xfrm>
+          <a:prstGeom prst="rect">
+            <a:avLst/>
+          </a:prstGeom>
+        </p:spPr>
+      </p:pic>
+      <p:sp>
+        <p:nvSpPr>
+          <p:cNvPr id="20" name="TextBox 19">
+            <a:extLst>
+              <a:ext uri="{FF2B5EF4-FFF2-40B4-BE49-F238E27FC236}">
+                <a16:creationId xmlns:a16="http://schemas.microsoft.com/office/drawing/2014/main" id="{3CA8A6FC-2E3C-4B86-8E14-86EEB613B901}"/>
+              </a:ext>
+            </a:extLst>
+          </p:cNvPr>
+          <p:cNvSpPr txBox="1"/>
+          <p:nvPr/>
+        </p:nvSpPr>
+        <p:spPr>
+          <a:xfrm>
+            <a:off x="919048" y="3018700"/>
+            <a:ext cx="2268071" cy="369332"/>
+          </a:xfrm>
+          <a:prstGeom prst="rect">
+            <a:avLst/>
+          </a:prstGeom>
+          <a:noFill/>
+        </p:spPr>
+        <p:txBody>
+          <a:bodyPr wrap="square" rtlCol="0">
+            <a:spAutoFit/>
+          </a:bodyPr>
+          <a:lstStyle/>
+          <a:p>
+            <a:pPr algn="ctr"/>
+            <a:r>
+              <a:rPr lang="en-US" dirty="0">
+                <a:solidFill>
+                  <a:schemeClr val="bg1">
+                    <a:lumMod val="65000"/>
+                  </a:schemeClr>
+                </a:solidFill>
+                <a:latin typeface="Book Antiqua" panose="02040602050305030304" pitchFamily="18" charset="0"/>
+              </a:rPr>
+              <a:t>install dependencies</a:t>
+            </a:r>
+          </a:p>
+        </p:txBody>
+      </p:sp>
+      <p:cxnSp>
+        <p:nvCxnSpPr>
+          <p:cNvPr id="22" name="Straight Connector 21">
+            <a:extLst>
+              <a:ext uri="{FF2B5EF4-FFF2-40B4-BE49-F238E27FC236}">
+                <a16:creationId xmlns:a16="http://schemas.microsoft.com/office/drawing/2014/main" id="{4C4F2F43-6486-4474-8163-4BC2A5984EF7}"/>
+              </a:ext>
+            </a:extLst>
+          </p:cNvPr>
+          <p:cNvCxnSpPr>
+            <a:cxnSpLocks/>
+            <a:stCxn id="20" idx="3"/>
+          </p:cNvCxnSpPr>
+          <p:nvPr/>
+        </p:nvCxnSpPr>
+        <p:spPr>
+          <a:xfrm flipV="1">
+            <a:off x="3187119" y="3172880"/>
+            <a:ext cx="1824152" cy="30486"/>
+          </a:xfrm>
+          <a:prstGeom prst="line">
+            <a:avLst/>
+          </a:prstGeom>
+          <a:ln>
+            <a:solidFill>
+              <a:schemeClr val="bg1">
+                <a:lumMod val="75000"/>
+              </a:schemeClr>
+            </a:solidFill>
+          </a:ln>
+        </p:spPr>
+        <p:style>
+          <a:lnRef idx="1">
+            <a:schemeClr val="accent1"/>
+          </a:lnRef>
+          <a:fillRef idx="0">
+            <a:schemeClr val="accent1"/>
+          </a:fillRef>
+          <a:effectRef idx="0">
+            <a:schemeClr val="accent1"/>
+          </a:effectRef>
+          <a:fontRef idx="minor">
+            <a:schemeClr val="tx1"/>
+          </a:fontRef>
+        </p:style>
+      </p:cxnSp>
+      <p:sp>
+        <p:nvSpPr>
+          <p:cNvPr id="12" name="TextBox 11">
+            <a:extLst>
+              <a:ext uri="{FF2B5EF4-FFF2-40B4-BE49-F238E27FC236}">
+                <a16:creationId xmlns:a16="http://schemas.microsoft.com/office/drawing/2014/main" id="{00F09DB8-A188-4A81-AD89-D0FD1D57EC6B}"/>
+              </a:ext>
+            </a:extLst>
+          </p:cNvPr>
+          <p:cNvSpPr txBox="1"/>
+          <p:nvPr/>
+        </p:nvSpPr>
+        <p:spPr>
+          <a:xfrm>
+            <a:off x="919048" y="4593251"/>
+            <a:ext cx="2268071" cy="646331"/>
+          </a:xfrm>
+          <a:prstGeom prst="rect">
+            <a:avLst/>
+          </a:prstGeom>
+          <a:noFill/>
+        </p:spPr>
+        <p:txBody>
+          <a:bodyPr wrap="square" rtlCol="0">
+            <a:spAutoFit/>
+          </a:bodyPr>
+          <a:lstStyle/>
+          <a:p>
+            <a:pPr algn="ctr"/>
+            <a:r>
+              <a:rPr lang="en-US" dirty="0">
+                <a:solidFill>
+                  <a:schemeClr val="bg1">
+                    <a:lumMod val="65000"/>
+                  </a:schemeClr>
+                </a:solidFill>
+                <a:latin typeface="Book Antiqua" panose="02040602050305030304" pitchFamily="18" charset="0"/>
+              </a:rPr>
+              <a:t>launch service with command</a:t>
+            </a:r>
+          </a:p>
+        </p:txBody>
+      </p:sp>
+      <p:cxnSp>
+        <p:nvCxnSpPr>
+          <p:cNvPr id="16" name="Straight Connector 15">
+            <a:extLst>
+              <a:ext uri="{FF2B5EF4-FFF2-40B4-BE49-F238E27FC236}">
+                <a16:creationId xmlns:a16="http://schemas.microsoft.com/office/drawing/2014/main" id="{BA24F645-5000-4407-AAF1-37D20099C2C4}"/>
+              </a:ext>
+            </a:extLst>
+          </p:cNvPr>
+          <p:cNvCxnSpPr>
+            <a:cxnSpLocks/>
+            <a:stCxn id="12" idx="3"/>
+          </p:cNvCxnSpPr>
+          <p:nvPr/>
+        </p:nvCxnSpPr>
+        <p:spPr>
+          <a:xfrm flipV="1">
+            <a:off x="3187119" y="4626127"/>
+            <a:ext cx="1824152" cy="290290"/>
+          </a:xfrm>
+          <a:prstGeom prst="line">
+            <a:avLst/>
+          </a:prstGeom>
+          <a:ln>
+            <a:solidFill>
+              <a:schemeClr val="bg1">
+                <a:lumMod val="75000"/>
+              </a:schemeClr>
+            </a:solidFill>
+          </a:ln>
+        </p:spPr>
+        <p:style>
+          <a:lnRef idx="1">
+            <a:schemeClr val="accent1"/>
+          </a:lnRef>
+          <a:fillRef idx="0">
+            <a:schemeClr val="accent1"/>
+          </a:fillRef>
+          <a:effectRef idx="0">
+            <a:schemeClr val="accent1"/>
+          </a:effectRef>
+          <a:fontRef idx="minor">
+            <a:schemeClr val="tx1"/>
+          </a:fontRef>
+        </p:style>
+      </p:cxnSp>
+    </p:spTree>
+    <p:extLst>
+      <p:ext uri="{BB962C8B-B14F-4D97-AF65-F5344CB8AC3E}">
+        <p14:creationId xmlns:p14="http://schemas.microsoft.com/office/powerpoint/2010/main" val="3280009152"/>
+      </p:ext>
+    </p:extLst>
+  </p:cSld>
+  <p:clrMapOvr>
+    <a:masterClrMapping/>
+  </p:clrMapOvr>
+  <p:timing>
+    <p:tnLst>
+      <p:par>
+        <p:cTn id="1" dur="indefinite" restart="never" nodeType="tmRoot">
+          <p:childTnLst>
+            <p:seq concurrent="1" nextAc="seek">
+              <p:cTn id="2" dur="indefinite" nodeType="mainSeq">
+                <p:childTnLst>
+                  <p:par>
+                    <p:cTn id="3" fill="hold">
+                      <p:stCondLst>
+                        <p:cond delay="indefinite"/>
+                      </p:stCondLst>
+                      <p:childTnLst>
+                        <p:par>
+                          <p:cTn id="4" fill="hold">
+                            <p:stCondLst>
+                              <p:cond delay="0"/>
+                            </p:stCondLst>
+                            <p:childTnLst>
+                              <p:par>
+                                <p:cTn id="5" presetID="1" presetClass="entr" presetSubtype="0" fill="hold" nodeType="clickEffect">
+                                  <p:stCondLst>
+                                    <p:cond delay="0"/>
+                                  </p:stCondLst>
+                                  <p:childTnLst>
+                                    <p:set>
+                                      <p:cBhvr>
+                                        <p:cTn id="6" dur="1" fill="hold">
+                                          <p:stCondLst>
+                                            <p:cond delay="0"/>
+                                          </p:stCondLst>
+                                        </p:cTn>
+                                        <p:tgtEl>
+                                          <p:spTgt spid="19"/>
+                                        </p:tgtEl>
+                                        <p:attrNameLst>
+                                          <p:attrName>style.visibility</p:attrName>
+                                        </p:attrNameLst>
+                                      </p:cBhvr>
+                                      <p:to>
+                                        <p:strVal val="visible"/>
+                                      </p:to>
+                                    </p:set>
+                                  </p:childTnLst>
+                                </p:cTn>
+                              </p:par>
+                              <p:par>
+                                <p:cTn id="7" presetID="1" presetClass="entr" presetSubtype="0" fill="hold" grpId="0" nodeType="withEffect">
+                                  <p:stCondLst>
+                                    <p:cond delay="0"/>
+                                  </p:stCondLst>
+                                  <p:childTnLst>
+                                    <p:set>
+                                      <p:cBhvr>
+                                        <p:cTn id="8" dur="1" fill="hold">
+                                          <p:stCondLst>
+                                            <p:cond delay="0"/>
+                                          </p:stCondLst>
+                                        </p:cTn>
+                                        <p:tgtEl>
+                                          <p:spTgt spid="17"/>
+                                        </p:tgtEl>
+                                        <p:attrNameLst>
+                                          <p:attrName>style.visibility</p:attrName>
+                                        </p:attrNameLst>
+                                      </p:cBhvr>
+                                      <p:to>
+                                        <p:strVal val="visible"/>
+                                      </p:to>
+                                    </p:set>
+                                  </p:childTnLst>
+                                </p:cTn>
+                              </p:par>
+                            </p:childTnLst>
+                          </p:cTn>
+                        </p:par>
+                      </p:childTnLst>
+                    </p:cTn>
+                  </p:par>
+                  <p:par>
+                    <p:cTn id="9" fill="hold">
+                      <p:stCondLst>
+                        <p:cond delay="indefinite"/>
+                      </p:stCondLst>
+                      <p:childTnLst>
+                        <p:par>
+                          <p:cTn id="10" fill="hold">
+                            <p:stCondLst>
+                              <p:cond delay="0"/>
+                            </p:stCondLst>
+                            <p:childTnLst>
+                              <p:par>
+                                <p:cTn id="11" presetID="1" presetClass="entr" presetSubtype="0" fill="hold" nodeType="clickEffect">
+                                  <p:stCondLst>
+                                    <p:cond delay="0"/>
+                                  </p:stCondLst>
+                                  <p:childTnLst>
+                                    <p:set>
+                                      <p:cBhvr>
+                                        <p:cTn id="12" dur="1" fill="hold">
+                                          <p:stCondLst>
+                                            <p:cond delay="0"/>
+                                          </p:stCondLst>
+                                        </p:cTn>
+                                        <p:tgtEl>
+                                          <p:spTgt spid="22"/>
+                                        </p:tgtEl>
+                                        <p:attrNameLst>
+                                          <p:attrName>style.visibility</p:attrName>
+                                        </p:attrNameLst>
+                                      </p:cBhvr>
+                                      <p:to>
+                                        <p:strVal val="visible"/>
+                                      </p:to>
+                                    </p:set>
+                                  </p:childTnLst>
+                                </p:cTn>
+                              </p:par>
+                              <p:par>
+                                <p:cTn id="13" presetID="1" presetClass="entr" presetSubtype="0" fill="hold" grpId="0" nodeType="withEffect">
+                                  <p:stCondLst>
+                                    <p:cond delay="0"/>
+                                  </p:stCondLst>
+                                  <p:childTnLst>
+                                    <p:set>
+                                      <p:cBhvr>
+                                        <p:cTn id="14" dur="1" fill="hold">
+                                          <p:stCondLst>
+                                            <p:cond delay="0"/>
+                                          </p:stCondLst>
+                                        </p:cTn>
+                                        <p:tgtEl>
+                                          <p:spTgt spid="20"/>
+                                        </p:tgtEl>
+                                        <p:attrNameLst>
+                                          <p:attrName>style.visibility</p:attrName>
+                                        </p:attrNameLst>
+                                      </p:cBhvr>
+                                      <p:to>
+                                        <p:strVal val="visible"/>
+                                      </p:to>
+                                    </p:set>
+                                  </p:childTnLst>
+                                </p:cTn>
+                              </p:par>
+                            </p:childTnLst>
+                          </p:cTn>
+                        </p:par>
+                      </p:childTnLst>
+                    </p:cTn>
+                  </p:par>
+                  <p:par>
+                    <p:cTn id="15" fill="hold">
+                      <p:stCondLst>
+                        <p:cond delay="indefinite"/>
+                      </p:stCondLst>
+                      <p:childTnLst>
+                        <p:par>
+                          <p:cTn id="16" fill="hold">
+                            <p:stCondLst>
+                              <p:cond delay="0"/>
+                            </p:stCondLst>
+                            <p:childTnLst>
+                              <p:par>
+                                <p:cTn id="17" presetID="1" presetClass="entr" presetSubtype="0" fill="hold" grpId="0" nodeType="clickEffect">
+                                  <p:stCondLst>
+                                    <p:cond delay="0"/>
+                                  </p:stCondLst>
+                                  <p:childTnLst>
+                                    <p:set>
+                                      <p:cBhvr>
+                                        <p:cTn id="18" dur="1" fill="hold">
+                                          <p:stCondLst>
+                                            <p:cond delay="0"/>
+                                          </p:stCondLst>
+                                        </p:cTn>
+                                        <p:tgtEl>
+                                          <p:spTgt spid="12"/>
+                                        </p:tgtEl>
+                                        <p:attrNameLst>
+                                          <p:attrName>style.visibility</p:attrName>
+                                        </p:attrNameLst>
+                                      </p:cBhvr>
+                                      <p:to>
+                                        <p:strVal val="visible"/>
+                                      </p:to>
+                                    </p:set>
+                                  </p:childTnLst>
+                                </p:cTn>
+                              </p:par>
+                              <p:par>
+                                <p:cTn id="19" presetID="1" presetClass="entr" presetSubtype="0" fill="hold" nodeType="withEffect">
+                                  <p:stCondLst>
+                                    <p:cond delay="0"/>
+                                  </p:stCondLst>
+                                  <p:childTnLst>
+                                    <p:set>
+                                      <p:cBhvr>
+                                        <p:cTn id="20" dur="1" fill="hold">
+                                          <p:stCondLst>
+                                            <p:cond delay="0"/>
+                                          </p:stCondLst>
+                                        </p:cTn>
+                                        <p:tgtEl>
+                                          <p:spTgt spid="16"/>
+                                        </p:tgtEl>
+                                        <p:attrNameLst>
+                                          <p:attrName>style.visibility</p:attrName>
+                                        </p:attrNameLst>
+                                      </p:cBhvr>
+                                      <p:to>
+                                        <p:strVal val="visible"/>
+                                      </p:to>
+                                    </p:set>
+                                  </p:childTnLst>
+                                </p:cTn>
+                              </p:par>
+                            </p:childTnLst>
+                          </p:cTn>
+                        </p:par>
+                      </p:childTnLst>
+                    </p:cTn>
+                  </p:par>
+                </p:childTnLst>
+              </p:cTn>
+              <p:prevCondLst>
+                <p:cond evt="onPrev" delay="0">
+                  <p:tgtEl>
+                    <p:sldTgt/>
+                  </p:tgtEl>
+                </p:cond>
+              </p:prevCondLst>
+              <p:nextCondLst>
+                <p:cond evt="onNext" delay="0">
+                  <p:tgtEl>
+                    <p:sldTgt/>
+                  </p:tgtEl>
+                </p:cond>
+              </p:nextCondLst>
+            </p:seq>
+          </p:childTnLst>
+        </p:cTn>
+      </p:par>
+    </p:tnLst>
+    <p:bldLst>
+      <p:bldP spid="17" grpId="0"/>
+      <p:bldP spid="20" grpId="0"/>
+      <p:bldP spid="12" grpId="0"/>
+    </p:bldLst>
+  </p:timing>
+</p:sld>
+</file>
+
+<file path=ppt/slides/slide19.xml><?xml version="1.0" encoding="utf-8"?>
+<p:sld xmlns:a="http://schemas.openxmlformats.org/drawingml/2006/main" xmlns:r="http://schemas.openxmlformats.org/officeDocument/2006/relationships" xmlns:p="http://schemas.openxmlformats.org/presentationml/2006/main">
+  <p:cSld>
+    <p:spTree>
+      <p:nvGrpSpPr>
+        <p:cNvPr id="1" name=""/>
+        <p:cNvGrpSpPr/>
+        <p:nvPr/>
+      </p:nvGrpSpPr>
+      <p:grpSpPr>
+        <a:xfrm>
+          <a:off x="0" y="0"/>
+          <a:ext cx="0" cy="0"/>
+          <a:chOff x="0" y="0"/>
+          <a:chExt cx="0" cy="0"/>
+        </a:xfrm>
+      </p:grpSpPr>
+      <p:sp>
+        <p:nvSpPr>
+          <p:cNvPr id="2" name="Title 1">
+            <a:extLst>
+              <a:ext uri="{FF2B5EF4-FFF2-40B4-BE49-F238E27FC236}">
+                <a16:creationId xmlns:a16="http://schemas.microsoft.com/office/drawing/2014/main" id="{1903578F-60F4-4A7B-9DE7-BAC224182231}"/>
+              </a:ext>
+            </a:extLst>
+          </p:cNvPr>
+          <p:cNvSpPr>
+            <a:spLocks noGrp="1"/>
+          </p:cNvSpPr>
+          <p:nvPr>
+            <p:ph type="title"/>
+          </p:nvPr>
+        </p:nvSpPr>
+        <p:spPr/>
+        <p:txBody>
+          <a:bodyPr/>
+          <a:lstStyle/>
+          <a:p>
+            <a:r>
+              <a:rPr lang="en-US" dirty="0">
+                <a:latin typeface="Abadi Extra Light" panose="020B0204020104020204" pitchFamily="34" charset="0"/>
+              </a:rPr>
+              <a:t>Docker-Compose</a:t>
+            </a:r>
+          </a:p>
+        </p:txBody>
+      </p:sp>
+      <p:cxnSp>
+        <p:nvCxnSpPr>
+          <p:cNvPr id="15" name="Straight Connector 14">
+            <a:extLst>
+              <a:ext uri="{FF2B5EF4-FFF2-40B4-BE49-F238E27FC236}">
+                <a16:creationId xmlns:a16="http://schemas.microsoft.com/office/drawing/2014/main" id="{17593F09-B2DB-4D0B-B67A-FDBBA69A0934}"/>
+              </a:ext>
+            </a:extLst>
+          </p:cNvPr>
+          <p:cNvCxnSpPr>
+            <a:cxnSpLocks/>
+          </p:cNvCxnSpPr>
+          <p:nvPr/>
+        </p:nvCxnSpPr>
+        <p:spPr>
+          <a:xfrm>
+            <a:off x="761837" y="1396181"/>
+            <a:ext cx="10668327" cy="0"/>
+          </a:xfrm>
+          <a:prstGeom prst="line">
+            <a:avLst/>
+          </a:prstGeom>
+          <a:ln>
+            <a:solidFill>
+              <a:schemeClr val="bg1">
+                <a:lumMod val="85000"/>
+              </a:schemeClr>
+            </a:solidFill>
+          </a:ln>
+        </p:spPr>
+        <p:style>
+          <a:lnRef idx="1">
+            <a:schemeClr val="accent1"/>
+          </a:lnRef>
+          <a:fillRef idx="0">
+            <a:schemeClr val="accent1"/>
+          </a:fillRef>
+          <a:effectRef idx="0">
+            <a:schemeClr val="accent1"/>
+          </a:effectRef>
+          <a:fontRef idx="minor">
+            <a:schemeClr val="tx1"/>
+          </a:fontRef>
+        </p:style>
+      </p:cxnSp>
+      <p:sp>
+        <p:nvSpPr>
+          <p:cNvPr id="17" name="TextBox 16">
+            <a:extLst>
+              <a:ext uri="{FF2B5EF4-FFF2-40B4-BE49-F238E27FC236}">
+                <a16:creationId xmlns:a16="http://schemas.microsoft.com/office/drawing/2014/main" id="{4514E4EF-CE9A-42E4-BC4D-822D633E5EFA}"/>
+              </a:ext>
+            </a:extLst>
+          </p:cNvPr>
+          <p:cNvSpPr txBox="1"/>
+          <p:nvPr/>
+        </p:nvSpPr>
+        <p:spPr>
+          <a:xfrm>
+            <a:off x="1667435" y="1690688"/>
+            <a:ext cx="1519684" cy="369332"/>
+          </a:xfrm>
+          <a:prstGeom prst="rect">
+            <a:avLst/>
+          </a:prstGeom>
+          <a:noFill/>
+        </p:spPr>
+        <p:txBody>
+          <a:bodyPr wrap="square" rtlCol="0">
+            <a:spAutoFit/>
+          </a:bodyPr>
+          <a:lstStyle/>
+          <a:p>
+            <a:pPr algn="ctr"/>
+            <a:r>
+              <a:rPr lang="en-US" dirty="0">
+                <a:solidFill>
+                  <a:schemeClr val="bg1">
+                    <a:lumMod val="65000"/>
+                  </a:schemeClr>
+                </a:solidFill>
+                <a:latin typeface="Book Antiqua" panose="02040602050305030304" pitchFamily="18" charset="0"/>
+              </a:rPr>
+              <a:t>select image</a:t>
+            </a:r>
+          </a:p>
+        </p:txBody>
+      </p:sp>
+      <p:sp>
+        <p:nvSpPr>
+          <p:cNvPr id="18" name="TextBox 17">
+            <a:extLst>
+              <a:ext uri="{FF2B5EF4-FFF2-40B4-BE49-F238E27FC236}">
+                <a16:creationId xmlns:a16="http://schemas.microsoft.com/office/drawing/2014/main" id="{C30E758A-8377-4818-BC1F-FE7EE68E2D7A}"/>
+              </a:ext>
+            </a:extLst>
+          </p:cNvPr>
+          <p:cNvSpPr txBox="1"/>
+          <p:nvPr/>
+        </p:nvSpPr>
+        <p:spPr>
+          <a:xfrm>
+            <a:off x="838200" y="5678778"/>
+            <a:ext cx="2348919" cy="369332"/>
+          </a:xfrm>
+          <a:prstGeom prst="rect">
+            <a:avLst/>
+          </a:prstGeom>
+          <a:noFill/>
+        </p:spPr>
+        <p:txBody>
+          <a:bodyPr wrap="square" rtlCol="0">
+            <a:spAutoFit/>
+          </a:bodyPr>
+          <a:lstStyle/>
+          <a:p>
+            <a:pPr algn="ctr"/>
+            <a:r>
+              <a:rPr lang="en-US" dirty="0">
+                <a:solidFill>
+                  <a:schemeClr val="bg1">
+                    <a:lumMod val="65000"/>
+                  </a:schemeClr>
+                </a:solidFill>
+                <a:latin typeface="Book Antiqua" panose="02040602050305030304" pitchFamily="18" charset="0"/>
+              </a:rPr>
+              <a:t>connect to network</a:t>
+            </a:r>
+          </a:p>
+        </p:txBody>
+      </p:sp>
+      <p:cxnSp>
+        <p:nvCxnSpPr>
+          <p:cNvPr id="19" name="Straight Connector 18">
+            <a:extLst>
+              <a:ext uri="{FF2B5EF4-FFF2-40B4-BE49-F238E27FC236}">
+                <a16:creationId xmlns:a16="http://schemas.microsoft.com/office/drawing/2014/main" id="{05145EC1-E278-4ACC-A654-7B92C0B604FD}"/>
+              </a:ext>
+            </a:extLst>
+          </p:cNvPr>
+          <p:cNvCxnSpPr>
+            <a:cxnSpLocks/>
+            <a:stCxn id="17" idx="3"/>
+          </p:cNvCxnSpPr>
+          <p:nvPr/>
+        </p:nvCxnSpPr>
+        <p:spPr>
+          <a:xfrm>
+            <a:off x="3187119" y="1875354"/>
+            <a:ext cx="3572269" cy="0"/>
+          </a:xfrm>
+          <a:prstGeom prst="line">
+            <a:avLst/>
+          </a:prstGeom>
+          <a:ln>
+            <a:solidFill>
+              <a:schemeClr val="bg1">
+                <a:lumMod val="75000"/>
+              </a:schemeClr>
+            </a:solidFill>
+          </a:ln>
+        </p:spPr>
+        <p:style>
+          <a:lnRef idx="1">
+            <a:schemeClr val="accent1"/>
+          </a:lnRef>
+          <a:fillRef idx="0">
+            <a:schemeClr val="accent1"/>
+          </a:fillRef>
+          <a:effectRef idx="0">
+            <a:schemeClr val="accent1"/>
+          </a:effectRef>
+          <a:fontRef idx="minor">
+            <a:schemeClr val="tx1"/>
+          </a:fontRef>
+        </p:style>
+      </p:cxnSp>
+      <p:sp>
+        <p:nvSpPr>
+          <p:cNvPr id="20" name="TextBox 19">
+            <a:extLst>
+              <a:ext uri="{FF2B5EF4-FFF2-40B4-BE49-F238E27FC236}">
+                <a16:creationId xmlns:a16="http://schemas.microsoft.com/office/drawing/2014/main" id="{3CA8A6FC-2E3C-4B86-8E14-86EEB613B901}"/>
+              </a:ext>
+            </a:extLst>
+          </p:cNvPr>
+          <p:cNvSpPr txBox="1"/>
+          <p:nvPr/>
+        </p:nvSpPr>
+        <p:spPr>
+          <a:xfrm>
+            <a:off x="919048" y="3453900"/>
+            <a:ext cx="2268071" cy="646331"/>
+          </a:xfrm>
+          <a:prstGeom prst="rect">
+            <a:avLst/>
+          </a:prstGeom>
+          <a:noFill/>
+        </p:spPr>
+        <p:txBody>
+          <a:bodyPr wrap="square" rtlCol="0">
+            <a:spAutoFit/>
+          </a:bodyPr>
+          <a:lstStyle/>
+          <a:p>
+            <a:pPr algn="ctr"/>
+            <a:r>
+              <a:rPr lang="en-US" dirty="0">
+                <a:solidFill>
+                  <a:schemeClr val="bg1">
+                    <a:lumMod val="65000"/>
+                  </a:schemeClr>
+                </a:solidFill>
+                <a:latin typeface="Book Antiqua" panose="02040602050305030304" pitchFamily="18" charset="0"/>
+              </a:rPr>
+              <a:t>pass configuration variables</a:t>
+            </a:r>
+          </a:p>
+        </p:txBody>
+      </p:sp>
+      <p:cxnSp>
+        <p:nvCxnSpPr>
+          <p:cNvPr id="22" name="Straight Connector 21">
+            <a:extLst>
+              <a:ext uri="{FF2B5EF4-FFF2-40B4-BE49-F238E27FC236}">
+                <a16:creationId xmlns:a16="http://schemas.microsoft.com/office/drawing/2014/main" id="{4C4F2F43-6486-4474-8163-4BC2A5984EF7}"/>
+              </a:ext>
+            </a:extLst>
+          </p:cNvPr>
+          <p:cNvCxnSpPr>
+            <a:cxnSpLocks/>
+            <a:stCxn id="20" idx="3"/>
+          </p:cNvCxnSpPr>
+          <p:nvPr/>
+        </p:nvCxnSpPr>
+        <p:spPr>
+          <a:xfrm>
+            <a:off x="3187119" y="3777066"/>
+            <a:ext cx="3572269" cy="0"/>
+          </a:xfrm>
+          <a:prstGeom prst="line">
+            <a:avLst/>
+          </a:prstGeom>
+          <a:ln>
+            <a:solidFill>
+              <a:schemeClr val="bg1">
+                <a:lumMod val="75000"/>
+              </a:schemeClr>
+            </a:solidFill>
+          </a:ln>
+        </p:spPr>
+        <p:style>
+          <a:lnRef idx="1">
+            <a:schemeClr val="accent1"/>
+          </a:lnRef>
+          <a:fillRef idx="0">
+            <a:schemeClr val="accent1"/>
+          </a:fillRef>
+          <a:effectRef idx="0">
+            <a:schemeClr val="accent1"/>
+          </a:effectRef>
+          <a:fontRef idx="minor">
+            <a:schemeClr val="tx1"/>
+          </a:fontRef>
+        </p:style>
+      </p:cxnSp>
+      <p:pic>
+        <p:nvPicPr>
+          <p:cNvPr id="24" name="Picture 23">
+            <a:extLst>
+              <a:ext uri="{FF2B5EF4-FFF2-40B4-BE49-F238E27FC236}">
+                <a16:creationId xmlns:a16="http://schemas.microsoft.com/office/drawing/2014/main" id="{43C80E3A-ED0B-4ACD-A620-725358CB49AE}"/>
+              </a:ext>
+            </a:extLst>
+          </p:cNvPr>
+          <p:cNvPicPr>
+            <a:picLocks noChangeAspect="1"/>
+          </p:cNvPicPr>
+          <p:nvPr/>
+        </p:nvPicPr>
+        <p:blipFill>
+          <a:blip r:embed="rId2"/>
+          <a:stretch>
+            <a:fillRect/>
+          </a:stretch>
+        </p:blipFill>
+        <p:spPr>
+          <a:xfrm>
+            <a:off x="6933018" y="1607986"/>
+            <a:ext cx="4497145" cy="4667308"/>
+          </a:xfrm>
+          <a:prstGeom prst="rect">
+            <a:avLst/>
+          </a:prstGeom>
+        </p:spPr>
+      </p:pic>
+      <p:sp>
+        <p:nvSpPr>
+          <p:cNvPr id="30" name="TextBox 29">
+            <a:extLst>
+              <a:ext uri="{FF2B5EF4-FFF2-40B4-BE49-F238E27FC236}">
+                <a16:creationId xmlns:a16="http://schemas.microsoft.com/office/drawing/2014/main" id="{518A9E9D-88FE-4626-B1F2-CFE2805889DE}"/>
+              </a:ext>
+            </a:extLst>
+          </p:cNvPr>
+          <p:cNvSpPr txBox="1"/>
+          <p:nvPr/>
+        </p:nvSpPr>
+        <p:spPr>
+          <a:xfrm>
+            <a:off x="1425554" y="4982646"/>
+            <a:ext cx="1752766" cy="369332"/>
+          </a:xfrm>
+          <a:prstGeom prst="rect">
+            <a:avLst/>
+          </a:prstGeom>
+          <a:noFill/>
+        </p:spPr>
+        <p:txBody>
+          <a:bodyPr wrap="square" rtlCol="0">
+            <a:spAutoFit/>
+          </a:bodyPr>
+          <a:lstStyle/>
+          <a:p>
+            <a:pPr algn="ctr"/>
+            <a:r>
+              <a:rPr lang="en-US" dirty="0">
+                <a:solidFill>
+                  <a:schemeClr val="bg1">
+                    <a:lumMod val="65000"/>
+                  </a:schemeClr>
+                </a:solidFill>
+                <a:latin typeface="Book Antiqua" panose="02040602050305030304" pitchFamily="18" charset="0"/>
+              </a:rPr>
+              <a:t>expose ports</a:t>
+            </a:r>
+          </a:p>
+        </p:txBody>
+      </p:sp>
+      <p:cxnSp>
+        <p:nvCxnSpPr>
+          <p:cNvPr id="39" name="Straight Connector 38">
+            <a:extLst>
+              <a:ext uri="{FF2B5EF4-FFF2-40B4-BE49-F238E27FC236}">
+                <a16:creationId xmlns:a16="http://schemas.microsoft.com/office/drawing/2014/main" id="{3B155344-7256-4FA5-87E9-0CF198EAD4CA}"/>
+              </a:ext>
+            </a:extLst>
+          </p:cNvPr>
+          <p:cNvCxnSpPr>
+            <a:cxnSpLocks/>
+            <a:stCxn id="30" idx="3"/>
+          </p:cNvCxnSpPr>
+          <p:nvPr/>
+        </p:nvCxnSpPr>
+        <p:spPr>
+          <a:xfrm>
+            <a:off x="3178320" y="5167312"/>
+            <a:ext cx="3581068" cy="0"/>
+          </a:xfrm>
+          <a:prstGeom prst="line">
+            <a:avLst/>
+          </a:prstGeom>
+          <a:ln>
+            <a:solidFill>
+              <a:schemeClr val="bg1">
+                <a:lumMod val="75000"/>
+              </a:schemeClr>
+            </a:solidFill>
+          </a:ln>
+        </p:spPr>
+        <p:style>
+          <a:lnRef idx="1">
+            <a:schemeClr val="accent1"/>
+          </a:lnRef>
+          <a:fillRef idx="0">
+            <a:schemeClr val="accent1"/>
+          </a:fillRef>
+          <a:effectRef idx="0">
+            <a:schemeClr val="accent1"/>
+          </a:effectRef>
+          <a:fontRef idx="minor">
+            <a:schemeClr val="tx1"/>
+          </a:fontRef>
+        </p:style>
+      </p:cxnSp>
+      <p:cxnSp>
+        <p:nvCxnSpPr>
+          <p:cNvPr id="41" name="Straight Connector 40">
+            <a:extLst>
+              <a:ext uri="{FF2B5EF4-FFF2-40B4-BE49-F238E27FC236}">
+                <a16:creationId xmlns:a16="http://schemas.microsoft.com/office/drawing/2014/main" id="{ED6D509D-7BB9-43B1-8702-5EAD8CB598D5}"/>
+              </a:ext>
+            </a:extLst>
+          </p:cNvPr>
+          <p:cNvCxnSpPr>
+            <a:cxnSpLocks/>
+            <a:stCxn id="18" idx="3"/>
+          </p:cNvCxnSpPr>
+          <p:nvPr/>
+        </p:nvCxnSpPr>
+        <p:spPr>
+          <a:xfrm>
+            <a:off x="3187119" y="5863444"/>
+            <a:ext cx="3581068" cy="1017"/>
+          </a:xfrm>
+          <a:prstGeom prst="line">
+            <a:avLst/>
+          </a:prstGeom>
+          <a:ln>
+            <a:solidFill>
+              <a:schemeClr val="bg1">
+                <a:lumMod val="75000"/>
+              </a:schemeClr>
+            </a:solidFill>
+          </a:ln>
+        </p:spPr>
+        <p:style>
+          <a:lnRef idx="1">
+            <a:schemeClr val="accent1"/>
+          </a:lnRef>
+          <a:fillRef idx="0">
+            <a:schemeClr val="accent1"/>
+          </a:fillRef>
+          <a:effectRef idx="0">
+            <a:schemeClr val="accent1"/>
+          </a:effectRef>
+          <a:fontRef idx="minor">
+            <a:schemeClr val="tx1"/>
+          </a:fontRef>
+        </p:style>
+      </p:cxnSp>
+    </p:spTree>
+    <p:extLst>
+      <p:ext uri="{BB962C8B-B14F-4D97-AF65-F5344CB8AC3E}">
+        <p14:creationId xmlns:p14="http://schemas.microsoft.com/office/powerpoint/2010/main" val="150243779"/>
+      </p:ext>
+    </p:extLst>
+  </p:cSld>
+  <p:clrMapOvr>
+    <a:masterClrMapping/>
+  </p:clrMapOvr>
+  <p:timing>
+    <p:tnLst>
+      <p:par>
+        <p:cTn id="1" dur="indefinite" restart="never" nodeType="tmRoot">
+          <p:childTnLst>
+            <p:seq concurrent="1" nextAc="seek">
+              <p:cTn id="2" dur="indefinite" nodeType="mainSeq">
+                <p:childTnLst>
+                  <p:par>
+                    <p:cTn id="3" fill="hold">
+                      <p:stCondLst>
+                        <p:cond delay="indefinite"/>
+                      </p:stCondLst>
+                      <p:childTnLst>
+                        <p:par>
+                          <p:cTn id="4" fill="hold">
+                            <p:stCondLst>
+                              <p:cond delay="0"/>
+                            </p:stCondLst>
+                            <p:childTnLst>
+                              <p:par>
+                                <p:cTn id="5" presetID="1" presetClass="entr" presetSubtype="0" fill="hold" grpId="0" nodeType="clickEffect">
+                                  <p:stCondLst>
+                                    <p:cond delay="0"/>
+                                  </p:stCondLst>
+                                  <p:childTnLst>
+                                    <p:set>
+                                      <p:cBhvr>
+                                        <p:cTn id="6" dur="1" fill="hold">
+                                          <p:stCondLst>
+                                            <p:cond delay="0"/>
+                                          </p:stCondLst>
+                                        </p:cTn>
+                                        <p:tgtEl>
+                                          <p:spTgt spid="17"/>
+                                        </p:tgtEl>
+                                        <p:attrNameLst>
+                                          <p:attrName>style.visibility</p:attrName>
+                                        </p:attrNameLst>
+                                      </p:cBhvr>
+                                      <p:to>
+                                        <p:strVal val="visible"/>
+                                      </p:to>
+                                    </p:set>
+                                  </p:childTnLst>
+                                </p:cTn>
+                              </p:par>
+                              <p:par>
+                                <p:cTn id="7" presetID="1" presetClass="entr" presetSubtype="0" fill="hold" nodeType="withEffect">
+                                  <p:stCondLst>
+                                    <p:cond delay="0"/>
+                                  </p:stCondLst>
+                                  <p:childTnLst>
+                                    <p:set>
+                                      <p:cBhvr>
+                                        <p:cTn id="8" dur="1" fill="hold">
+                                          <p:stCondLst>
+                                            <p:cond delay="0"/>
+                                          </p:stCondLst>
+                                        </p:cTn>
+                                        <p:tgtEl>
+                                          <p:spTgt spid="19"/>
+                                        </p:tgtEl>
+                                        <p:attrNameLst>
+                                          <p:attrName>style.visibility</p:attrName>
+                                        </p:attrNameLst>
+                                      </p:cBhvr>
+                                      <p:to>
+                                        <p:strVal val="visible"/>
+                                      </p:to>
+                                    </p:set>
+                                  </p:childTnLst>
+                                </p:cTn>
+                              </p:par>
+                            </p:childTnLst>
+                          </p:cTn>
+                        </p:par>
+                      </p:childTnLst>
+                    </p:cTn>
+                  </p:par>
+                  <p:par>
+                    <p:cTn id="9" fill="hold">
+                      <p:stCondLst>
+                        <p:cond delay="indefinite"/>
+                      </p:stCondLst>
+                      <p:childTnLst>
+                        <p:par>
+                          <p:cTn id="10" fill="hold">
+                            <p:stCondLst>
+                              <p:cond delay="0"/>
+                            </p:stCondLst>
+                            <p:childTnLst>
+                              <p:par>
+                                <p:cTn id="11" presetID="1" presetClass="entr" presetSubtype="0" fill="hold" grpId="0" nodeType="clickEffect">
+                                  <p:stCondLst>
+                                    <p:cond delay="0"/>
+                                  </p:stCondLst>
+                                  <p:childTnLst>
+                                    <p:set>
+                                      <p:cBhvr>
+                                        <p:cTn id="12" dur="1" fill="hold">
+                                          <p:stCondLst>
+                                            <p:cond delay="0"/>
+                                          </p:stCondLst>
+                                        </p:cTn>
+                                        <p:tgtEl>
+                                          <p:spTgt spid="20"/>
+                                        </p:tgtEl>
+                                        <p:attrNameLst>
+                                          <p:attrName>style.visibility</p:attrName>
+                                        </p:attrNameLst>
+                                      </p:cBhvr>
+                                      <p:to>
+                                        <p:strVal val="visible"/>
+                                      </p:to>
+                                    </p:set>
+                                  </p:childTnLst>
+                                </p:cTn>
+                              </p:par>
+                              <p:par>
+                                <p:cTn id="13" presetID="1" presetClass="entr" presetSubtype="0" fill="hold" nodeType="withEffect">
+                                  <p:stCondLst>
+                                    <p:cond delay="0"/>
+                                  </p:stCondLst>
+                                  <p:childTnLst>
+                                    <p:set>
+                                      <p:cBhvr>
+                                        <p:cTn id="14" dur="1" fill="hold">
+                                          <p:stCondLst>
+                                            <p:cond delay="0"/>
+                                          </p:stCondLst>
+                                        </p:cTn>
+                                        <p:tgtEl>
+                                          <p:spTgt spid="22"/>
+                                        </p:tgtEl>
+                                        <p:attrNameLst>
+                                          <p:attrName>style.visibility</p:attrName>
+                                        </p:attrNameLst>
+                                      </p:cBhvr>
+                                      <p:to>
+                                        <p:strVal val="visible"/>
+                                      </p:to>
+                                    </p:set>
+                                  </p:childTnLst>
+                                </p:cTn>
+                              </p:par>
+                            </p:childTnLst>
+                          </p:cTn>
+                        </p:par>
+                      </p:childTnLst>
+                    </p:cTn>
+                  </p:par>
+                  <p:par>
+                    <p:cTn id="15" fill="hold">
+                      <p:stCondLst>
+                        <p:cond delay="indefinite"/>
+                      </p:stCondLst>
+                      <p:childTnLst>
+                        <p:par>
+                          <p:cTn id="16" fill="hold">
+                            <p:stCondLst>
+                              <p:cond delay="0"/>
+                            </p:stCondLst>
+                            <p:childTnLst>
+                              <p:par>
+                                <p:cTn id="17" presetID="1" presetClass="entr" presetSubtype="0" fill="hold" grpId="0" nodeType="clickEffect">
+                                  <p:stCondLst>
+                                    <p:cond delay="0"/>
+                                  </p:stCondLst>
+                                  <p:childTnLst>
+                                    <p:set>
+                                      <p:cBhvr>
+                                        <p:cTn id="18" dur="1" fill="hold">
+                                          <p:stCondLst>
+                                            <p:cond delay="0"/>
+                                          </p:stCondLst>
+                                        </p:cTn>
+                                        <p:tgtEl>
+                                          <p:spTgt spid="30"/>
+                                        </p:tgtEl>
+                                        <p:attrNameLst>
+                                          <p:attrName>style.visibility</p:attrName>
+                                        </p:attrNameLst>
+                                      </p:cBhvr>
+                                      <p:to>
+                                        <p:strVal val="visible"/>
+                                      </p:to>
+                                    </p:set>
+                                  </p:childTnLst>
+                                </p:cTn>
+                              </p:par>
+                              <p:par>
+                                <p:cTn id="19" presetID="1" presetClass="entr" presetSubtype="0" fill="hold" nodeType="withEffect">
+                                  <p:stCondLst>
+                                    <p:cond delay="0"/>
+                                  </p:stCondLst>
+                                  <p:childTnLst>
+                                    <p:set>
+                                      <p:cBhvr>
+                                        <p:cTn id="20" dur="1" fill="hold">
+                                          <p:stCondLst>
+                                            <p:cond delay="0"/>
+                                          </p:stCondLst>
+                                        </p:cTn>
+                                        <p:tgtEl>
+                                          <p:spTgt spid="39"/>
+                                        </p:tgtEl>
+                                        <p:attrNameLst>
+                                          <p:attrName>style.visibility</p:attrName>
+                                        </p:attrNameLst>
+                                      </p:cBhvr>
+                                      <p:to>
+                                        <p:strVal val="visible"/>
+                                      </p:to>
+                                    </p:set>
+                                  </p:childTnLst>
+                                </p:cTn>
+                              </p:par>
+                            </p:childTnLst>
+                          </p:cTn>
+                        </p:par>
+                      </p:childTnLst>
+                    </p:cTn>
+                  </p:par>
+                  <p:par>
+                    <p:cTn id="21" fill="hold">
+                      <p:stCondLst>
+                        <p:cond delay="indefinite"/>
+                      </p:stCondLst>
+                      <p:childTnLst>
+                        <p:par>
+                          <p:cTn id="22" fill="hold">
+                            <p:stCondLst>
+                              <p:cond delay="0"/>
+                            </p:stCondLst>
+                            <p:childTnLst>
+                              <p:par>
+                                <p:cTn id="23" presetID="1" presetClass="entr" presetSubtype="0" fill="hold" grpId="0" nodeType="clickEffect">
+                                  <p:stCondLst>
+                                    <p:cond delay="0"/>
+                                  </p:stCondLst>
+                                  <p:childTnLst>
+                                    <p:set>
+                                      <p:cBhvr>
+                                        <p:cTn id="24" dur="1" fill="hold">
+                                          <p:stCondLst>
+                                            <p:cond delay="0"/>
+                                          </p:stCondLst>
+                                        </p:cTn>
+                                        <p:tgtEl>
+                                          <p:spTgt spid="18"/>
+                                        </p:tgtEl>
+                                        <p:attrNameLst>
+                                          <p:attrName>style.visibility</p:attrName>
+                                        </p:attrNameLst>
+                                      </p:cBhvr>
+                                      <p:to>
+                                        <p:strVal val="visible"/>
+                                      </p:to>
+                                    </p:set>
+                                  </p:childTnLst>
+                                </p:cTn>
+                              </p:par>
+                              <p:par>
+                                <p:cTn id="25" presetID="1" presetClass="entr" presetSubtype="0" fill="hold" nodeType="withEffect">
+                                  <p:stCondLst>
+                                    <p:cond delay="0"/>
+                                  </p:stCondLst>
+                                  <p:childTnLst>
+                                    <p:set>
+                                      <p:cBhvr>
+                                        <p:cTn id="26" dur="1" fill="hold">
+                                          <p:stCondLst>
+                                            <p:cond delay="0"/>
+                                          </p:stCondLst>
+                                        </p:cTn>
+                                        <p:tgtEl>
+                                          <p:spTgt spid="41"/>
+                                        </p:tgtEl>
+                                        <p:attrNameLst>
+                                          <p:attrName>style.visibility</p:attrName>
+                                        </p:attrNameLst>
+                                      </p:cBhvr>
+                                      <p:to>
+                                        <p:strVal val="visible"/>
+                                      </p:to>
+                                    </p:set>
+                                  </p:childTnLst>
+                                </p:cTn>
+                              </p:par>
+                            </p:childTnLst>
+                          </p:cTn>
+                        </p:par>
+                      </p:childTnLst>
+                    </p:cTn>
+                  </p:par>
+                </p:childTnLst>
+              </p:cTn>
+              <p:prevCondLst>
+                <p:cond evt="onPrev" delay="0">
+                  <p:tgtEl>
+                    <p:sldTgt/>
+                  </p:tgtEl>
+                </p:cond>
+              </p:prevCondLst>
+              <p:nextCondLst>
+                <p:cond evt="onNext" delay="0">
+                  <p:tgtEl>
+                    <p:sldTgt/>
+                  </p:tgtEl>
+                </p:cond>
+              </p:nextCondLst>
+            </p:seq>
+          </p:childTnLst>
+        </p:cTn>
+      </p:par>
+    </p:tnLst>
+    <p:bldLst>
+      <p:bldP spid="17" grpId="0"/>
+      <p:bldP spid="18" grpId="0"/>
+      <p:bldP spid="20" grpId="0"/>
+      <p:bldP spid="30" grpId="0"/>
+    </p:bldLst>
+  </p:timing>
 </p:sld>
 </file>
 
@@ -4709,6 +9963,382 @@
   <p:clrMapOvr>
     <a:masterClrMapping/>
   </p:clrMapOvr>
+</p:sld>
+</file>
+
+<file path=ppt/slides/slide20.xml><?xml version="1.0" encoding="utf-8"?>
+<p:sld xmlns:a="http://schemas.openxmlformats.org/drawingml/2006/main" xmlns:r="http://schemas.openxmlformats.org/officeDocument/2006/relationships" xmlns:p="http://schemas.openxmlformats.org/presentationml/2006/main">
+  <p:cSld>
+    <p:spTree>
+      <p:nvGrpSpPr>
+        <p:cNvPr id="1" name=""/>
+        <p:cNvGrpSpPr/>
+        <p:nvPr/>
+      </p:nvGrpSpPr>
+      <p:grpSpPr>
+        <a:xfrm>
+          <a:off x="0" y="0"/>
+          <a:ext cx="0" cy="0"/>
+          <a:chOff x="0" y="0"/>
+          <a:chExt cx="0" cy="0"/>
+        </a:xfrm>
+      </p:grpSpPr>
+      <p:sp>
+        <p:nvSpPr>
+          <p:cNvPr id="2" name="Title 1">
+            <a:extLst>
+              <a:ext uri="{FF2B5EF4-FFF2-40B4-BE49-F238E27FC236}">
+                <a16:creationId xmlns:a16="http://schemas.microsoft.com/office/drawing/2014/main" id="{1903578F-60F4-4A7B-9DE7-BAC224182231}"/>
+              </a:ext>
+            </a:extLst>
+          </p:cNvPr>
+          <p:cNvSpPr>
+            <a:spLocks noGrp="1"/>
+          </p:cNvSpPr>
+          <p:nvPr>
+            <p:ph type="title"/>
+          </p:nvPr>
+        </p:nvSpPr>
+        <p:spPr/>
+        <p:txBody>
+          <a:bodyPr/>
+          <a:lstStyle/>
+          <a:p>
+            <a:r>
+              <a:rPr lang="en-US" dirty="0">
+                <a:latin typeface="Abadi Extra Light" panose="020B0204020104020204" pitchFamily="34" charset="0"/>
+              </a:rPr>
+              <a:t>Launch Container</a:t>
+            </a:r>
+          </a:p>
+        </p:txBody>
+      </p:sp>
+      <p:cxnSp>
+        <p:nvCxnSpPr>
+          <p:cNvPr id="15" name="Straight Connector 14">
+            <a:extLst>
+              <a:ext uri="{FF2B5EF4-FFF2-40B4-BE49-F238E27FC236}">
+                <a16:creationId xmlns:a16="http://schemas.microsoft.com/office/drawing/2014/main" id="{17593F09-B2DB-4D0B-B67A-FDBBA69A0934}"/>
+              </a:ext>
+            </a:extLst>
+          </p:cNvPr>
+          <p:cNvCxnSpPr>
+            <a:cxnSpLocks/>
+          </p:cNvCxnSpPr>
+          <p:nvPr/>
+        </p:nvCxnSpPr>
+        <p:spPr>
+          <a:xfrm>
+            <a:off x="761837" y="1396181"/>
+            <a:ext cx="10668327" cy="0"/>
+          </a:xfrm>
+          <a:prstGeom prst="line">
+            <a:avLst/>
+          </a:prstGeom>
+          <a:ln>
+            <a:solidFill>
+              <a:schemeClr val="bg1">
+                <a:lumMod val="85000"/>
+              </a:schemeClr>
+            </a:solidFill>
+          </a:ln>
+        </p:spPr>
+        <p:style>
+          <a:lnRef idx="1">
+            <a:schemeClr val="accent1"/>
+          </a:lnRef>
+          <a:fillRef idx="0">
+            <a:schemeClr val="accent1"/>
+          </a:fillRef>
+          <a:effectRef idx="0">
+            <a:schemeClr val="accent1"/>
+          </a:effectRef>
+          <a:fontRef idx="minor">
+            <a:schemeClr val="tx1"/>
+          </a:fontRef>
+        </p:style>
+      </p:cxnSp>
+      <p:sp>
+        <p:nvSpPr>
+          <p:cNvPr id="13" name="Content Placeholder 2">
+            <a:extLst>
+              <a:ext uri="{FF2B5EF4-FFF2-40B4-BE49-F238E27FC236}">
+                <a16:creationId xmlns:a16="http://schemas.microsoft.com/office/drawing/2014/main" id="{15D1B972-2D0C-4F1C-A88B-555C296FF791}"/>
+              </a:ext>
+            </a:extLst>
+          </p:cNvPr>
+          <p:cNvSpPr>
+            <a:spLocks noGrp="1"/>
+          </p:cNvSpPr>
+          <p:nvPr>
+            <p:ph idx="1"/>
+          </p:nvPr>
+        </p:nvSpPr>
+        <p:spPr>
+          <a:xfrm>
+            <a:off x="761838" y="1825625"/>
+            <a:ext cx="11164692" cy="4351338"/>
+          </a:xfrm>
+        </p:spPr>
+        <p:txBody>
+          <a:bodyPr/>
+          <a:lstStyle/>
+          <a:p>
+            <a:pPr marL="0" indent="0">
+              <a:spcAft>
+                <a:spcPts val="600"/>
+              </a:spcAft>
+              <a:buNone/>
+            </a:pPr>
+            <a:r>
+              <a:rPr lang="en-US" dirty="0">
+                <a:latin typeface="Book Antiqua" panose="02040602050305030304" pitchFamily="18" charset="0"/>
+              </a:rPr>
+              <a:t>cd </a:t>
+            </a:r>
+            <a:r>
+              <a:rPr lang="en-US" dirty="0" err="1">
+                <a:latin typeface="Book Antiqua" panose="02040602050305030304" pitchFamily="18" charset="0"/>
+              </a:rPr>
+              <a:t>container_folder</a:t>
+            </a:r>
+            <a:endParaRPr lang="en-US" dirty="0">
+              <a:latin typeface="Book Antiqua" panose="02040602050305030304" pitchFamily="18" charset="0"/>
+            </a:endParaRPr>
+          </a:p>
+          <a:p>
+            <a:pPr marL="0" indent="0">
+              <a:spcAft>
+                <a:spcPts val="600"/>
+              </a:spcAft>
+              <a:buNone/>
+            </a:pPr>
+            <a:r>
+              <a:rPr lang="en-US" dirty="0">
+                <a:latin typeface="Book Antiqua" panose="02040602050305030304" pitchFamily="18" charset="0"/>
+              </a:rPr>
+              <a:t>./build.sh</a:t>
+            </a:r>
+          </a:p>
+          <a:p>
+            <a:pPr marL="0" indent="0">
+              <a:spcAft>
+                <a:spcPts val="600"/>
+              </a:spcAft>
+              <a:buNone/>
+            </a:pPr>
+            <a:r>
+              <a:rPr lang="en-US" dirty="0">
+                <a:latin typeface="Book Antiqua" panose="02040602050305030304" pitchFamily="18" charset="0"/>
+              </a:rPr>
+              <a:t>docker-compose up -d</a:t>
+            </a:r>
+          </a:p>
+          <a:p>
+            <a:pPr marL="0" indent="0">
+              <a:buNone/>
+            </a:pPr>
+            <a:endParaRPr lang="en-US" dirty="0">
+              <a:latin typeface="Book Antiqua" panose="02040602050305030304" pitchFamily="18" charset="0"/>
+            </a:endParaRPr>
+          </a:p>
+          <a:p>
+            <a:pPr marL="0" indent="0">
+              <a:buNone/>
+            </a:pPr>
+            <a:endParaRPr lang="en-US" dirty="0">
+              <a:latin typeface="Book Antiqua" panose="02040602050305030304" pitchFamily="18" charset="0"/>
+            </a:endParaRPr>
+          </a:p>
+        </p:txBody>
+      </p:sp>
+    </p:spTree>
+    <p:extLst>
+      <p:ext uri="{BB962C8B-B14F-4D97-AF65-F5344CB8AC3E}">
+        <p14:creationId xmlns:p14="http://schemas.microsoft.com/office/powerpoint/2010/main" val="211764818"/>
+      </p:ext>
+    </p:extLst>
+  </p:cSld>
+  <p:clrMapOvr>
+    <a:masterClrMapping/>
+  </p:clrMapOvr>
+  <p:timing>
+    <p:tnLst>
+      <p:par>
+        <p:cTn id="1" dur="indefinite" restart="never" nodeType="tmRoot">
+          <p:childTnLst>
+            <p:seq concurrent="1" nextAc="seek">
+              <p:cTn id="2" dur="indefinite" nodeType="mainSeq">
+                <p:childTnLst>
+                  <p:par>
+                    <p:cTn id="3" fill="hold">
+                      <p:stCondLst>
+                        <p:cond delay="indefinite"/>
+                      </p:stCondLst>
+                      <p:childTnLst>
+                        <p:par>
+                          <p:cTn id="4" fill="hold">
+                            <p:stCondLst>
+                              <p:cond delay="0"/>
+                            </p:stCondLst>
+                            <p:childTnLst>
+                              <p:par>
+                                <p:cTn id="5" presetID="1" presetClass="entr" presetSubtype="0" fill="hold" nodeType="clickEffect">
+                                  <p:stCondLst>
+                                    <p:cond delay="0"/>
+                                  </p:stCondLst>
+                                  <p:childTnLst>
+                                    <p:set>
+                                      <p:cBhvr>
+                                        <p:cTn id="6" dur="1" fill="hold">
+                                          <p:stCondLst>
+                                            <p:cond delay="0"/>
+                                          </p:stCondLst>
+                                        </p:cTn>
+                                        <p:tgtEl>
+                                          <p:spTgt spid="13">
+                                            <p:txEl>
+                                              <p:pRg st="0" end="0"/>
+                                            </p:txEl>
+                                          </p:spTgt>
+                                        </p:tgtEl>
+                                        <p:attrNameLst>
+                                          <p:attrName>style.visibility</p:attrName>
+                                        </p:attrNameLst>
+                                      </p:cBhvr>
+                                      <p:to>
+                                        <p:strVal val="visible"/>
+                                      </p:to>
+                                    </p:set>
+                                  </p:childTnLst>
+                                </p:cTn>
+                              </p:par>
+                            </p:childTnLst>
+                          </p:cTn>
+                        </p:par>
+                      </p:childTnLst>
+                    </p:cTn>
+                  </p:par>
+                  <p:par>
+                    <p:cTn id="7" fill="hold">
+                      <p:stCondLst>
+                        <p:cond delay="indefinite"/>
+                      </p:stCondLst>
+                      <p:childTnLst>
+                        <p:par>
+                          <p:cTn id="8" fill="hold">
+                            <p:stCondLst>
+                              <p:cond delay="0"/>
+                            </p:stCondLst>
+                            <p:childTnLst>
+                              <p:par>
+                                <p:cTn id="9" presetID="1" presetClass="entr" presetSubtype="0" fill="hold" nodeType="clickEffect">
+                                  <p:stCondLst>
+                                    <p:cond delay="0"/>
+                                  </p:stCondLst>
+                                  <p:childTnLst>
+                                    <p:set>
+                                      <p:cBhvr>
+                                        <p:cTn id="10" dur="1" fill="hold">
+                                          <p:stCondLst>
+                                            <p:cond delay="0"/>
+                                          </p:stCondLst>
+                                        </p:cTn>
+                                        <p:tgtEl>
+                                          <p:spTgt spid="13">
+                                            <p:txEl>
+                                              <p:pRg st="1" end="1"/>
+                                            </p:txEl>
+                                          </p:spTgt>
+                                        </p:tgtEl>
+                                        <p:attrNameLst>
+                                          <p:attrName>style.visibility</p:attrName>
+                                        </p:attrNameLst>
+                                      </p:cBhvr>
+                                      <p:to>
+                                        <p:strVal val="visible"/>
+                                      </p:to>
+                                    </p:set>
+                                  </p:childTnLst>
+                                </p:cTn>
+                              </p:par>
+                            </p:childTnLst>
+                          </p:cTn>
+                        </p:par>
+                      </p:childTnLst>
+                    </p:cTn>
+                  </p:par>
+                  <p:par>
+                    <p:cTn id="11" fill="hold">
+                      <p:stCondLst>
+                        <p:cond delay="indefinite"/>
+                      </p:stCondLst>
+                      <p:childTnLst>
+                        <p:par>
+                          <p:cTn id="12" fill="hold">
+                            <p:stCondLst>
+                              <p:cond delay="0"/>
+                            </p:stCondLst>
+                            <p:childTnLst>
+                              <p:par>
+                                <p:cTn id="13" presetID="1" presetClass="entr" presetSubtype="0" fill="hold" nodeType="clickEffect">
+                                  <p:stCondLst>
+                                    <p:cond delay="0"/>
+                                  </p:stCondLst>
+                                  <p:childTnLst>
+                                    <p:set>
+                                      <p:cBhvr>
+                                        <p:cTn id="14" dur="1" fill="hold">
+                                          <p:stCondLst>
+                                            <p:cond delay="0"/>
+                                          </p:stCondLst>
+                                        </p:cTn>
+                                        <p:tgtEl>
+                                          <p:spTgt spid="13">
+                                            <p:txEl>
+                                              <p:pRg st="2" end="2"/>
+                                            </p:txEl>
+                                          </p:spTgt>
+                                        </p:tgtEl>
+                                        <p:attrNameLst>
+                                          <p:attrName>style.visibility</p:attrName>
+                                        </p:attrNameLst>
+                                      </p:cBhvr>
+                                      <p:to>
+                                        <p:strVal val="visible"/>
+                                      </p:to>
+                                    </p:set>
+                                  </p:childTnLst>
+                                </p:cTn>
+                              </p:par>
+                            </p:childTnLst>
+                          </p:cTn>
+                        </p:par>
+                      </p:childTnLst>
+                    </p:cTn>
+                  </p:par>
+                </p:childTnLst>
+              </p:cTn>
+              <p:prevCondLst>
+                <p:cond evt="onPrev" delay="0">
+                  <p:tgtEl>
+                    <p:sldTgt/>
+                  </p:tgtEl>
+                </p:cond>
+              </p:prevCondLst>
+              <p:nextCondLst>
+                <p:cond evt="onNext" delay="0">
+                  <p:tgtEl>
+                    <p:sldTgt/>
+                  </p:tgtEl>
+                </p:cond>
+              </p:nextCondLst>
+            </p:seq>
+          </p:childTnLst>
+        </p:cTn>
+      </p:par>
+    </p:tnLst>
+  </p:timing>
 </p:sld>
 </file>
 
@@ -5301,6 +10931,180 @@
   <p:clrMapOvr>
     <a:masterClrMapping/>
   </p:clrMapOvr>
+  <p:timing>
+    <p:tnLst>
+      <p:par>
+        <p:cTn id="1" dur="indefinite" restart="never" nodeType="tmRoot">
+          <p:childTnLst>
+            <p:seq concurrent="1" nextAc="seek">
+              <p:cTn id="2" dur="indefinite" nodeType="mainSeq">
+                <p:childTnLst>
+                  <p:par>
+                    <p:cTn id="3" fill="hold">
+                      <p:stCondLst>
+                        <p:cond delay="indefinite"/>
+                      </p:stCondLst>
+                      <p:childTnLst>
+                        <p:par>
+                          <p:cTn id="4" fill="hold">
+                            <p:stCondLst>
+                              <p:cond delay="0"/>
+                            </p:stCondLst>
+                            <p:childTnLst>
+                              <p:par>
+                                <p:cTn id="5" presetID="1" presetClass="entr" presetSubtype="0" fill="hold" nodeType="clickEffect">
+                                  <p:stCondLst>
+                                    <p:cond delay="0"/>
+                                  </p:stCondLst>
+                                  <p:childTnLst>
+                                    <p:set>
+                                      <p:cBhvr>
+                                        <p:cTn id="6" dur="1" fill="hold">
+                                          <p:stCondLst>
+                                            <p:cond delay="0"/>
+                                          </p:stCondLst>
+                                        </p:cTn>
+                                        <p:tgtEl>
+                                          <p:spTgt spid="10"/>
+                                        </p:tgtEl>
+                                        <p:attrNameLst>
+                                          <p:attrName>style.visibility</p:attrName>
+                                        </p:attrNameLst>
+                                      </p:cBhvr>
+                                      <p:to>
+                                        <p:strVal val="visible"/>
+                                      </p:to>
+                                    </p:set>
+                                  </p:childTnLst>
+                                </p:cTn>
+                              </p:par>
+                              <p:par>
+                                <p:cTn id="7" presetID="1" presetClass="entr" presetSubtype="0" fill="hold" nodeType="withEffect">
+                                  <p:stCondLst>
+                                    <p:cond delay="0"/>
+                                  </p:stCondLst>
+                                  <p:childTnLst>
+                                    <p:set>
+                                      <p:cBhvr>
+                                        <p:cTn id="8" dur="1" fill="hold">
+                                          <p:stCondLst>
+                                            <p:cond delay="0"/>
+                                          </p:stCondLst>
+                                        </p:cTn>
+                                        <p:tgtEl>
+                                          <p:spTgt spid="1028"/>
+                                        </p:tgtEl>
+                                        <p:attrNameLst>
+                                          <p:attrName>style.visibility</p:attrName>
+                                        </p:attrNameLst>
+                                      </p:cBhvr>
+                                      <p:to>
+                                        <p:strVal val="visible"/>
+                                      </p:to>
+                                    </p:set>
+                                  </p:childTnLst>
+                                </p:cTn>
+                              </p:par>
+                            </p:childTnLst>
+                          </p:cTn>
+                        </p:par>
+                      </p:childTnLst>
+                    </p:cTn>
+                  </p:par>
+                  <p:par>
+                    <p:cTn id="9" fill="hold">
+                      <p:stCondLst>
+                        <p:cond delay="indefinite"/>
+                      </p:stCondLst>
+                      <p:childTnLst>
+                        <p:par>
+                          <p:cTn id="10" fill="hold">
+                            <p:stCondLst>
+                              <p:cond delay="0"/>
+                            </p:stCondLst>
+                            <p:childTnLst>
+                              <p:par>
+                                <p:cTn id="11" presetID="1" presetClass="entr" presetSubtype="0" fill="hold" nodeType="clickEffect">
+                                  <p:stCondLst>
+                                    <p:cond delay="0"/>
+                                  </p:stCondLst>
+                                  <p:childTnLst>
+                                    <p:set>
+                                      <p:cBhvr>
+                                        <p:cTn id="12" dur="1" fill="hold">
+                                          <p:stCondLst>
+                                            <p:cond delay="0"/>
+                                          </p:stCondLst>
+                                        </p:cTn>
+                                        <p:tgtEl>
+                                          <p:spTgt spid="1030"/>
+                                        </p:tgtEl>
+                                        <p:attrNameLst>
+                                          <p:attrName>style.visibility</p:attrName>
+                                        </p:attrNameLst>
+                                      </p:cBhvr>
+                                      <p:to>
+                                        <p:strVal val="visible"/>
+                                      </p:to>
+                                    </p:set>
+                                  </p:childTnLst>
+                                </p:cTn>
+                              </p:par>
+                              <p:par>
+                                <p:cTn id="13" presetID="1" presetClass="entr" presetSubtype="0" fill="hold" nodeType="withEffect">
+                                  <p:stCondLst>
+                                    <p:cond delay="0"/>
+                                  </p:stCondLst>
+                                  <p:childTnLst>
+                                    <p:set>
+                                      <p:cBhvr>
+                                        <p:cTn id="14" dur="1" fill="hold">
+                                          <p:stCondLst>
+                                            <p:cond delay="0"/>
+                                          </p:stCondLst>
+                                        </p:cTn>
+                                        <p:tgtEl>
+                                          <p:spTgt spid="25"/>
+                                        </p:tgtEl>
+                                        <p:attrNameLst>
+                                          <p:attrName>style.visibility</p:attrName>
+                                        </p:attrNameLst>
+                                      </p:cBhvr>
+                                      <p:to>
+                                        <p:strVal val="visible"/>
+                                      </p:to>
+                                    </p:set>
+                                  </p:childTnLst>
+                                </p:cTn>
+                              </p:par>
+                            </p:childTnLst>
+                          </p:cTn>
+                        </p:par>
+                      </p:childTnLst>
+                    </p:cTn>
+                  </p:par>
+                </p:childTnLst>
+              </p:cTn>
+              <p:prevCondLst>
+                <p:cond evt="onPrev" delay="0">
+                  <p:tgtEl>
+                    <p:sldTgt/>
+                  </p:tgtEl>
+                </p:cond>
+              </p:prevCondLst>
+              <p:nextCondLst>
+                <p:cond evt="onNext" delay="0">
+                  <p:tgtEl>
+                    <p:sldTgt/>
+                  </p:tgtEl>
+                </p:cond>
+              </p:nextCondLst>
+            </p:seq>
+          </p:childTnLst>
+        </p:cTn>
+      </p:par>
+    </p:tnLst>
+  </p:timing>
 </p:sld>
 </file>
 
@@ -5715,6 +11519,183 @@
   <p:clrMapOvr>
     <a:masterClrMapping/>
   </p:clrMapOvr>
+  <p:timing>
+    <p:tnLst>
+      <p:par>
+        <p:cTn id="1" dur="indefinite" restart="never" nodeType="tmRoot">
+          <p:childTnLst>
+            <p:seq concurrent="1" nextAc="seek">
+              <p:cTn id="2" dur="indefinite" nodeType="mainSeq">
+                <p:childTnLst>
+                  <p:par>
+                    <p:cTn id="3" fill="hold">
+                      <p:stCondLst>
+                        <p:cond delay="indefinite"/>
+                      </p:stCondLst>
+                      <p:childTnLst>
+                        <p:par>
+                          <p:cTn id="4" fill="hold">
+                            <p:stCondLst>
+                              <p:cond delay="0"/>
+                            </p:stCondLst>
+                            <p:childTnLst>
+                              <p:par>
+                                <p:cTn id="5" presetID="1" presetClass="entr" presetSubtype="0" fill="hold" nodeType="clickEffect">
+                                  <p:stCondLst>
+                                    <p:cond delay="0"/>
+                                  </p:stCondLst>
+                                  <p:childTnLst>
+                                    <p:set>
+                                      <p:cBhvr>
+                                        <p:cTn id="6" dur="1" fill="hold">
+                                          <p:stCondLst>
+                                            <p:cond delay="0"/>
+                                          </p:stCondLst>
+                                        </p:cTn>
+                                        <p:tgtEl>
+                                          <p:spTgt spid="3">
+                                            <p:txEl>
+                                              <p:pRg st="0" end="0"/>
+                                            </p:txEl>
+                                          </p:spTgt>
+                                        </p:tgtEl>
+                                        <p:attrNameLst>
+                                          <p:attrName>style.visibility</p:attrName>
+                                        </p:attrNameLst>
+                                      </p:cBhvr>
+                                      <p:to>
+                                        <p:strVal val="visible"/>
+                                      </p:to>
+                                    </p:set>
+                                  </p:childTnLst>
+                                </p:cTn>
+                              </p:par>
+                            </p:childTnLst>
+                          </p:cTn>
+                        </p:par>
+                      </p:childTnLst>
+                    </p:cTn>
+                  </p:par>
+                  <p:par>
+                    <p:cTn id="7" fill="hold">
+                      <p:stCondLst>
+                        <p:cond delay="indefinite"/>
+                      </p:stCondLst>
+                      <p:childTnLst>
+                        <p:par>
+                          <p:cTn id="8" fill="hold">
+                            <p:stCondLst>
+                              <p:cond delay="0"/>
+                            </p:stCondLst>
+                            <p:childTnLst>
+                              <p:par>
+                                <p:cTn id="9" presetID="1" presetClass="entr" presetSubtype="0" fill="hold" nodeType="clickEffect">
+                                  <p:stCondLst>
+                                    <p:cond delay="0"/>
+                                  </p:stCondLst>
+                                  <p:childTnLst>
+                                    <p:set>
+                                      <p:cBhvr>
+                                        <p:cTn id="10" dur="1" fill="hold">
+                                          <p:stCondLst>
+                                            <p:cond delay="0"/>
+                                          </p:stCondLst>
+                                        </p:cTn>
+                                        <p:tgtEl>
+                                          <p:spTgt spid="3">
+                                            <p:txEl>
+                                              <p:pRg st="1" end="1"/>
+                                            </p:txEl>
+                                          </p:spTgt>
+                                        </p:tgtEl>
+                                        <p:attrNameLst>
+                                          <p:attrName>style.visibility</p:attrName>
+                                        </p:attrNameLst>
+                                      </p:cBhvr>
+                                      <p:to>
+                                        <p:strVal val="visible"/>
+                                      </p:to>
+                                    </p:set>
+                                  </p:childTnLst>
+                                </p:cTn>
+                              </p:par>
+                            </p:childTnLst>
+                          </p:cTn>
+                        </p:par>
+                      </p:childTnLst>
+                    </p:cTn>
+                  </p:par>
+                  <p:par>
+                    <p:cTn id="11" fill="hold">
+                      <p:stCondLst>
+                        <p:cond delay="indefinite"/>
+                      </p:stCondLst>
+                      <p:childTnLst>
+                        <p:par>
+                          <p:cTn id="12" fill="hold">
+                            <p:stCondLst>
+                              <p:cond delay="0"/>
+                            </p:stCondLst>
+                            <p:childTnLst>
+                              <p:par>
+                                <p:cTn id="13" presetID="1" presetClass="entr" presetSubtype="0" fill="hold" nodeType="clickEffect">
+                                  <p:stCondLst>
+                                    <p:cond delay="0"/>
+                                  </p:stCondLst>
+                                  <p:childTnLst>
+                                    <p:set>
+                                      <p:cBhvr>
+                                        <p:cTn id="14" dur="1" fill="hold">
+                                          <p:stCondLst>
+                                            <p:cond delay="0"/>
+                                          </p:stCondLst>
+                                        </p:cTn>
+                                        <p:tgtEl>
+                                          <p:spTgt spid="3">
+                                            <p:txEl>
+                                              <p:pRg st="2" end="2"/>
+                                            </p:txEl>
+                                          </p:spTgt>
+                                        </p:tgtEl>
+                                        <p:attrNameLst>
+                                          <p:attrName>style.visibility</p:attrName>
+                                        </p:attrNameLst>
+                                      </p:cBhvr>
+                                      <p:to>
+                                        <p:strVal val="visible"/>
+                                      </p:to>
+                                    </p:set>
+                                  </p:childTnLst>
+                                </p:cTn>
+                              </p:par>
+                            </p:childTnLst>
+                          </p:cTn>
+                        </p:par>
+                      </p:childTnLst>
+                    </p:cTn>
+                  </p:par>
+                </p:childTnLst>
+              </p:cTn>
+              <p:prevCondLst>
+                <p:cond evt="onPrev" delay="0">
+                  <p:tgtEl>
+                    <p:sldTgt/>
+                  </p:tgtEl>
+                </p:cond>
+              </p:prevCondLst>
+              <p:nextCondLst>
+                <p:cond evt="onNext" delay="0">
+                  <p:tgtEl>
+                    <p:sldTgt/>
+                  </p:tgtEl>
+                </p:cond>
+              </p:nextCondLst>
+            </p:seq>
+          </p:childTnLst>
+        </p:cTn>
+      </p:par>
+    </p:tnLst>
+  </p:timing>
 </p:sld>
 </file>
 
@@ -6036,6 +12017,232 @@
   <p:clrMapOvr>
     <a:masterClrMapping/>
   </p:clrMapOvr>
+  <p:timing>
+    <p:tnLst>
+      <p:par>
+        <p:cTn id="1" dur="indefinite" restart="never" nodeType="tmRoot">
+          <p:childTnLst>
+            <p:seq concurrent="1" nextAc="seek">
+              <p:cTn id="2" dur="indefinite" nodeType="mainSeq">
+                <p:childTnLst>
+                  <p:par>
+                    <p:cTn id="3" fill="hold">
+                      <p:stCondLst>
+                        <p:cond delay="indefinite"/>
+                      </p:stCondLst>
+                      <p:childTnLst>
+                        <p:par>
+                          <p:cTn id="4" fill="hold">
+                            <p:stCondLst>
+                              <p:cond delay="0"/>
+                            </p:stCondLst>
+                            <p:childTnLst>
+                              <p:par>
+                                <p:cTn id="5" presetID="1" presetClass="entr" presetSubtype="0" fill="hold" nodeType="clickEffect">
+                                  <p:stCondLst>
+                                    <p:cond delay="0"/>
+                                  </p:stCondLst>
+                                  <p:childTnLst>
+                                    <p:set>
+                                      <p:cBhvr>
+                                        <p:cTn id="6" dur="1" fill="hold">
+                                          <p:stCondLst>
+                                            <p:cond delay="0"/>
+                                          </p:stCondLst>
+                                        </p:cTn>
+                                        <p:tgtEl>
+                                          <p:spTgt spid="3">
+                                            <p:txEl>
+                                              <p:pRg st="0" end="0"/>
+                                            </p:txEl>
+                                          </p:spTgt>
+                                        </p:tgtEl>
+                                        <p:attrNameLst>
+                                          <p:attrName>style.visibility</p:attrName>
+                                        </p:attrNameLst>
+                                      </p:cBhvr>
+                                      <p:to>
+                                        <p:strVal val="visible"/>
+                                      </p:to>
+                                    </p:set>
+                                  </p:childTnLst>
+                                </p:cTn>
+                              </p:par>
+                            </p:childTnLst>
+                          </p:cTn>
+                        </p:par>
+                      </p:childTnLst>
+                    </p:cTn>
+                  </p:par>
+                  <p:par>
+                    <p:cTn id="7" fill="hold">
+                      <p:stCondLst>
+                        <p:cond delay="indefinite"/>
+                      </p:stCondLst>
+                      <p:childTnLst>
+                        <p:par>
+                          <p:cTn id="8" fill="hold">
+                            <p:stCondLst>
+                              <p:cond delay="0"/>
+                            </p:stCondLst>
+                            <p:childTnLst>
+                              <p:par>
+                                <p:cTn id="9" presetID="1" presetClass="entr" presetSubtype="0" fill="hold" nodeType="clickEffect">
+                                  <p:stCondLst>
+                                    <p:cond delay="0"/>
+                                  </p:stCondLst>
+                                  <p:childTnLst>
+                                    <p:set>
+                                      <p:cBhvr>
+                                        <p:cTn id="10" dur="1" fill="hold">
+                                          <p:stCondLst>
+                                            <p:cond delay="0"/>
+                                          </p:stCondLst>
+                                        </p:cTn>
+                                        <p:tgtEl>
+                                          <p:spTgt spid="3">
+                                            <p:txEl>
+                                              <p:pRg st="1" end="1"/>
+                                            </p:txEl>
+                                          </p:spTgt>
+                                        </p:tgtEl>
+                                        <p:attrNameLst>
+                                          <p:attrName>style.visibility</p:attrName>
+                                        </p:attrNameLst>
+                                      </p:cBhvr>
+                                      <p:to>
+                                        <p:strVal val="visible"/>
+                                      </p:to>
+                                    </p:set>
+                                  </p:childTnLst>
+                                </p:cTn>
+                              </p:par>
+                            </p:childTnLst>
+                          </p:cTn>
+                        </p:par>
+                      </p:childTnLst>
+                    </p:cTn>
+                  </p:par>
+                  <p:par>
+                    <p:cTn id="11" fill="hold">
+                      <p:stCondLst>
+                        <p:cond delay="indefinite"/>
+                      </p:stCondLst>
+                      <p:childTnLst>
+                        <p:par>
+                          <p:cTn id="12" fill="hold">
+                            <p:stCondLst>
+                              <p:cond delay="0"/>
+                            </p:stCondLst>
+                            <p:childTnLst>
+                              <p:par>
+                                <p:cTn id="13" presetID="1" presetClass="entr" presetSubtype="0" fill="hold" nodeType="clickEffect">
+                                  <p:stCondLst>
+                                    <p:cond delay="0"/>
+                                  </p:stCondLst>
+                                  <p:childTnLst>
+                                    <p:set>
+                                      <p:cBhvr>
+                                        <p:cTn id="14" dur="1" fill="hold">
+                                          <p:stCondLst>
+                                            <p:cond delay="0"/>
+                                          </p:stCondLst>
+                                        </p:cTn>
+                                        <p:tgtEl>
+                                          <p:spTgt spid="3">
+                                            <p:txEl>
+                                              <p:pRg st="2" end="2"/>
+                                            </p:txEl>
+                                          </p:spTgt>
+                                        </p:tgtEl>
+                                        <p:attrNameLst>
+                                          <p:attrName>style.visibility</p:attrName>
+                                        </p:attrNameLst>
+                                      </p:cBhvr>
+                                      <p:to>
+                                        <p:strVal val="visible"/>
+                                      </p:to>
+                                    </p:set>
+                                  </p:childTnLst>
+                                </p:cTn>
+                              </p:par>
+                            </p:childTnLst>
+                          </p:cTn>
+                        </p:par>
+                      </p:childTnLst>
+                    </p:cTn>
+                  </p:par>
+                  <p:par>
+                    <p:cTn id="15" fill="hold">
+                      <p:stCondLst>
+                        <p:cond delay="indefinite"/>
+                      </p:stCondLst>
+                      <p:childTnLst>
+                        <p:par>
+                          <p:cTn id="16" fill="hold">
+                            <p:stCondLst>
+                              <p:cond delay="0"/>
+                            </p:stCondLst>
+                            <p:childTnLst>
+                              <p:par>
+                                <p:cTn id="17" presetID="1" presetClass="entr" presetSubtype="0" fill="hold" nodeType="clickEffect">
+                                  <p:stCondLst>
+                                    <p:cond delay="0"/>
+                                  </p:stCondLst>
+                                  <p:childTnLst>
+                                    <p:set>
+                                      <p:cBhvr>
+                                        <p:cTn id="18" dur="1" fill="hold">
+                                          <p:stCondLst>
+                                            <p:cond delay="0"/>
+                                          </p:stCondLst>
+                                        </p:cTn>
+                                        <p:tgtEl>
+                                          <p:spTgt spid="3">
+                                            <p:txEl>
+                                              <p:pRg st="3" end="3"/>
+                                            </p:txEl>
+                                          </p:spTgt>
+                                        </p:tgtEl>
+                                        <p:attrNameLst>
+                                          <p:attrName>style.visibility</p:attrName>
+                                        </p:attrNameLst>
+                                      </p:cBhvr>
+                                      <p:to>
+                                        <p:strVal val="visible"/>
+                                      </p:to>
+                                    </p:set>
+                                  </p:childTnLst>
+                                </p:cTn>
+                              </p:par>
+                            </p:childTnLst>
+                          </p:cTn>
+                        </p:par>
+                      </p:childTnLst>
+                    </p:cTn>
+                  </p:par>
+                </p:childTnLst>
+              </p:cTn>
+              <p:prevCondLst>
+                <p:cond evt="onPrev" delay="0">
+                  <p:tgtEl>
+                    <p:sldTgt/>
+                  </p:tgtEl>
+                </p:cond>
+              </p:prevCondLst>
+              <p:nextCondLst>
+                <p:cond evt="onNext" delay="0">
+                  <p:tgtEl>
+                    <p:sldTgt/>
+                  </p:tgtEl>
+                </p:cond>
+              </p:nextCondLst>
+            </p:seq>
+          </p:childTnLst>
+        </p:cTn>
+      </p:par>
+    </p:tnLst>
+  </p:timing>
 </p:sld>
 </file>
 
@@ -6739,6 +12946,358 @@
   <p:clrMapOvr>
     <a:masterClrMapping/>
   </p:clrMapOvr>
+  <p:timing>
+    <p:tnLst>
+      <p:par>
+        <p:cTn id="1" dur="indefinite" restart="never" nodeType="tmRoot">
+          <p:childTnLst>
+            <p:seq concurrent="1" nextAc="seek">
+              <p:cTn id="2" dur="indefinite" nodeType="mainSeq">
+                <p:childTnLst>
+                  <p:par>
+                    <p:cTn id="3" fill="hold">
+                      <p:stCondLst>
+                        <p:cond delay="indefinite"/>
+                      </p:stCondLst>
+                      <p:childTnLst>
+                        <p:par>
+                          <p:cTn id="4" fill="hold">
+                            <p:stCondLst>
+                              <p:cond delay="0"/>
+                            </p:stCondLst>
+                            <p:childTnLst>
+                              <p:par>
+                                <p:cTn id="5" presetID="1" presetClass="entr" presetSubtype="0" fill="hold" nodeType="clickEffect">
+                                  <p:stCondLst>
+                                    <p:cond delay="0"/>
+                                  </p:stCondLst>
+                                  <p:childTnLst>
+                                    <p:set>
+                                      <p:cBhvr>
+                                        <p:cTn id="6" dur="1" fill="hold">
+                                          <p:stCondLst>
+                                            <p:cond delay="0"/>
+                                          </p:stCondLst>
+                                        </p:cTn>
+                                        <p:tgtEl>
+                                          <p:spTgt spid="3">
+                                            <p:txEl>
+                                              <p:pRg st="0" end="0"/>
+                                            </p:txEl>
+                                          </p:spTgt>
+                                        </p:tgtEl>
+                                        <p:attrNameLst>
+                                          <p:attrName>style.visibility</p:attrName>
+                                        </p:attrNameLst>
+                                      </p:cBhvr>
+                                      <p:to>
+                                        <p:strVal val="visible"/>
+                                      </p:to>
+                                    </p:set>
+                                  </p:childTnLst>
+                                </p:cTn>
+                              </p:par>
+                            </p:childTnLst>
+                          </p:cTn>
+                        </p:par>
+                      </p:childTnLst>
+                    </p:cTn>
+                  </p:par>
+                  <p:par>
+                    <p:cTn id="7" fill="hold">
+                      <p:stCondLst>
+                        <p:cond delay="indefinite"/>
+                      </p:stCondLst>
+                      <p:childTnLst>
+                        <p:par>
+                          <p:cTn id="8" fill="hold">
+                            <p:stCondLst>
+                              <p:cond delay="0"/>
+                            </p:stCondLst>
+                            <p:childTnLst>
+                              <p:par>
+                                <p:cTn id="9" presetID="1" presetClass="entr" presetSubtype="0" fill="hold" grpId="0" nodeType="clickEffect">
+                                  <p:stCondLst>
+                                    <p:cond delay="0"/>
+                                  </p:stCondLst>
+                                  <p:childTnLst>
+                                    <p:set>
+                                      <p:cBhvr>
+                                        <p:cTn id="10" dur="1" fill="hold">
+                                          <p:stCondLst>
+                                            <p:cond delay="0"/>
+                                          </p:stCondLst>
+                                        </p:cTn>
+                                        <p:tgtEl>
+                                          <p:spTgt spid="12"/>
+                                        </p:tgtEl>
+                                        <p:attrNameLst>
+                                          <p:attrName>style.visibility</p:attrName>
+                                        </p:attrNameLst>
+                                      </p:cBhvr>
+                                      <p:to>
+                                        <p:strVal val="visible"/>
+                                      </p:to>
+                                    </p:set>
+                                  </p:childTnLst>
+                                </p:cTn>
+                              </p:par>
+                              <p:par>
+                                <p:cTn id="11" presetID="1" presetClass="entr" presetSubtype="0" fill="hold" grpId="0" nodeType="withEffect">
+                                  <p:stCondLst>
+                                    <p:cond delay="0"/>
+                                  </p:stCondLst>
+                                  <p:childTnLst>
+                                    <p:set>
+                                      <p:cBhvr>
+                                        <p:cTn id="12" dur="1" fill="hold">
+                                          <p:stCondLst>
+                                            <p:cond delay="0"/>
+                                          </p:stCondLst>
+                                        </p:cTn>
+                                        <p:tgtEl>
+                                          <p:spTgt spid="13"/>
+                                        </p:tgtEl>
+                                        <p:attrNameLst>
+                                          <p:attrName>style.visibility</p:attrName>
+                                        </p:attrNameLst>
+                                      </p:cBhvr>
+                                      <p:to>
+                                        <p:strVal val="visible"/>
+                                      </p:to>
+                                    </p:set>
+                                  </p:childTnLst>
+                                </p:cTn>
+                              </p:par>
+                            </p:childTnLst>
+                          </p:cTn>
+                        </p:par>
+                      </p:childTnLst>
+                    </p:cTn>
+                  </p:par>
+                  <p:par>
+                    <p:cTn id="13" fill="hold">
+                      <p:stCondLst>
+                        <p:cond delay="indefinite"/>
+                      </p:stCondLst>
+                      <p:childTnLst>
+                        <p:par>
+                          <p:cTn id="14" fill="hold">
+                            <p:stCondLst>
+                              <p:cond delay="0"/>
+                            </p:stCondLst>
+                            <p:childTnLst>
+                              <p:par>
+                                <p:cTn id="15" presetID="1" presetClass="entr" presetSubtype="0" fill="hold" grpId="0" nodeType="clickEffect">
+                                  <p:stCondLst>
+                                    <p:cond delay="0"/>
+                                  </p:stCondLst>
+                                  <p:childTnLst>
+                                    <p:set>
+                                      <p:cBhvr>
+                                        <p:cTn id="16" dur="1" fill="hold">
+                                          <p:stCondLst>
+                                            <p:cond delay="0"/>
+                                          </p:stCondLst>
+                                        </p:cTn>
+                                        <p:tgtEl>
+                                          <p:spTgt spid="16"/>
+                                        </p:tgtEl>
+                                        <p:attrNameLst>
+                                          <p:attrName>style.visibility</p:attrName>
+                                        </p:attrNameLst>
+                                      </p:cBhvr>
+                                      <p:to>
+                                        <p:strVal val="visible"/>
+                                      </p:to>
+                                    </p:set>
+                                  </p:childTnLst>
+                                </p:cTn>
+                              </p:par>
+                              <p:par>
+                                <p:cTn id="17" presetID="1" presetClass="entr" presetSubtype="0" fill="hold" grpId="0" nodeType="withEffect">
+                                  <p:stCondLst>
+                                    <p:cond delay="0"/>
+                                  </p:stCondLst>
+                                  <p:childTnLst>
+                                    <p:set>
+                                      <p:cBhvr>
+                                        <p:cTn id="18" dur="1" fill="hold">
+                                          <p:stCondLst>
+                                            <p:cond delay="0"/>
+                                          </p:stCondLst>
+                                        </p:cTn>
+                                        <p:tgtEl>
+                                          <p:spTgt spid="18"/>
+                                        </p:tgtEl>
+                                        <p:attrNameLst>
+                                          <p:attrName>style.visibility</p:attrName>
+                                        </p:attrNameLst>
+                                      </p:cBhvr>
+                                      <p:to>
+                                        <p:strVal val="visible"/>
+                                      </p:to>
+                                    </p:set>
+                                  </p:childTnLst>
+                                </p:cTn>
+                              </p:par>
+                            </p:childTnLst>
+                          </p:cTn>
+                        </p:par>
+                      </p:childTnLst>
+                    </p:cTn>
+                  </p:par>
+                  <p:par>
+                    <p:cTn id="19" fill="hold">
+                      <p:stCondLst>
+                        <p:cond delay="indefinite"/>
+                      </p:stCondLst>
+                      <p:childTnLst>
+                        <p:par>
+                          <p:cTn id="20" fill="hold">
+                            <p:stCondLst>
+                              <p:cond delay="0"/>
+                            </p:stCondLst>
+                            <p:childTnLst>
+                              <p:par>
+                                <p:cTn id="21" presetID="1" presetClass="entr" presetSubtype="0" fill="hold" grpId="0" nodeType="clickEffect">
+                                  <p:stCondLst>
+                                    <p:cond delay="0"/>
+                                  </p:stCondLst>
+                                  <p:childTnLst>
+                                    <p:set>
+                                      <p:cBhvr>
+                                        <p:cTn id="22" dur="1" fill="hold">
+                                          <p:stCondLst>
+                                            <p:cond delay="0"/>
+                                          </p:stCondLst>
+                                        </p:cTn>
+                                        <p:tgtEl>
+                                          <p:spTgt spid="19"/>
+                                        </p:tgtEl>
+                                        <p:attrNameLst>
+                                          <p:attrName>style.visibility</p:attrName>
+                                        </p:attrNameLst>
+                                      </p:cBhvr>
+                                      <p:to>
+                                        <p:strVal val="visible"/>
+                                      </p:to>
+                                    </p:set>
+                                  </p:childTnLst>
+                                </p:cTn>
+                              </p:par>
+                              <p:par>
+                                <p:cTn id="23" presetID="1" presetClass="entr" presetSubtype="0" fill="hold" grpId="0" nodeType="withEffect">
+                                  <p:stCondLst>
+                                    <p:cond delay="0"/>
+                                  </p:stCondLst>
+                                  <p:childTnLst>
+                                    <p:set>
+                                      <p:cBhvr>
+                                        <p:cTn id="24" dur="1" fill="hold">
+                                          <p:stCondLst>
+                                            <p:cond delay="0"/>
+                                          </p:stCondLst>
+                                        </p:cTn>
+                                        <p:tgtEl>
+                                          <p:spTgt spid="20"/>
+                                        </p:tgtEl>
+                                        <p:attrNameLst>
+                                          <p:attrName>style.visibility</p:attrName>
+                                        </p:attrNameLst>
+                                      </p:cBhvr>
+                                      <p:to>
+                                        <p:strVal val="visible"/>
+                                      </p:to>
+                                    </p:set>
+                                  </p:childTnLst>
+                                </p:cTn>
+                              </p:par>
+                            </p:childTnLst>
+                          </p:cTn>
+                        </p:par>
+                      </p:childTnLst>
+                    </p:cTn>
+                  </p:par>
+                  <p:par>
+                    <p:cTn id="25" fill="hold">
+                      <p:stCondLst>
+                        <p:cond delay="indefinite"/>
+                      </p:stCondLst>
+                      <p:childTnLst>
+                        <p:par>
+                          <p:cTn id="26" fill="hold">
+                            <p:stCondLst>
+                              <p:cond delay="0"/>
+                            </p:stCondLst>
+                            <p:childTnLst>
+                              <p:par>
+                                <p:cTn id="27" presetID="1" presetClass="entr" presetSubtype="0" fill="hold" nodeType="clickEffect">
+                                  <p:stCondLst>
+                                    <p:cond delay="0"/>
+                                  </p:stCondLst>
+                                  <p:childTnLst>
+                                    <p:set>
+                                      <p:cBhvr>
+                                        <p:cTn id="28" dur="1" fill="hold">
+                                          <p:stCondLst>
+                                            <p:cond delay="0"/>
+                                          </p:stCondLst>
+                                        </p:cTn>
+                                        <p:tgtEl>
+                                          <p:spTgt spid="3">
+                                            <p:txEl>
+                                              <p:pRg st="2" end="2"/>
+                                            </p:txEl>
+                                          </p:spTgt>
+                                        </p:tgtEl>
+                                        <p:attrNameLst>
+                                          <p:attrName>style.visibility</p:attrName>
+                                        </p:attrNameLst>
+                                      </p:cBhvr>
+                                      <p:to>
+                                        <p:strVal val="visible"/>
+                                      </p:to>
+                                    </p:set>
+                                  </p:childTnLst>
+                                </p:cTn>
+                              </p:par>
+                            </p:childTnLst>
+                          </p:cTn>
+                        </p:par>
+                      </p:childTnLst>
+                    </p:cTn>
+                  </p:par>
+                </p:childTnLst>
+              </p:cTn>
+              <p:prevCondLst>
+                <p:cond evt="onPrev" delay="0">
+                  <p:tgtEl>
+                    <p:sldTgt/>
+                  </p:tgtEl>
+                </p:cond>
+              </p:prevCondLst>
+              <p:nextCondLst>
+                <p:cond evt="onNext" delay="0">
+                  <p:tgtEl>
+                    <p:sldTgt/>
+                  </p:tgtEl>
+                </p:cond>
+              </p:nextCondLst>
+            </p:seq>
+          </p:childTnLst>
+        </p:cTn>
+      </p:par>
+    </p:tnLst>
+    <p:bldLst>
+      <p:bldP spid="12" grpId="0" animBg="1"/>
+      <p:bldP spid="13" grpId="0"/>
+      <p:bldP spid="16" grpId="0" animBg="1"/>
+      <p:bldP spid="18" grpId="0"/>
+      <p:bldP spid="19" grpId="0" animBg="1"/>
+      <p:bldP spid="20" grpId="0"/>
+    </p:bldLst>
+  </p:timing>
 </p:sld>
 </file>
 
@@ -7073,6 +13632,281 @@
   <p:clrMapOvr>
     <a:masterClrMapping/>
   </p:clrMapOvr>
+  <p:timing>
+    <p:tnLst>
+      <p:par>
+        <p:cTn id="1" dur="indefinite" restart="never" nodeType="tmRoot">
+          <p:childTnLst>
+            <p:seq concurrent="1" nextAc="seek">
+              <p:cTn id="2" dur="indefinite" nodeType="mainSeq">
+                <p:childTnLst>
+                  <p:par>
+                    <p:cTn id="3" fill="hold">
+                      <p:stCondLst>
+                        <p:cond delay="indefinite"/>
+                      </p:stCondLst>
+                      <p:childTnLst>
+                        <p:par>
+                          <p:cTn id="4" fill="hold">
+                            <p:stCondLst>
+                              <p:cond delay="0"/>
+                            </p:stCondLst>
+                            <p:childTnLst>
+                              <p:par>
+                                <p:cTn id="5" presetID="1" presetClass="entr" presetSubtype="0" fill="hold" nodeType="clickEffect">
+                                  <p:stCondLst>
+                                    <p:cond delay="0"/>
+                                  </p:stCondLst>
+                                  <p:childTnLst>
+                                    <p:set>
+                                      <p:cBhvr>
+                                        <p:cTn id="6" dur="1" fill="hold">
+                                          <p:stCondLst>
+                                            <p:cond delay="0"/>
+                                          </p:stCondLst>
+                                        </p:cTn>
+                                        <p:tgtEl>
+                                          <p:spTgt spid="3">
+                                            <p:txEl>
+                                              <p:pRg st="0" end="0"/>
+                                            </p:txEl>
+                                          </p:spTgt>
+                                        </p:tgtEl>
+                                        <p:attrNameLst>
+                                          <p:attrName>style.visibility</p:attrName>
+                                        </p:attrNameLst>
+                                      </p:cBhvr>
+                                      <p:to>
+                                        <p:strVal val="visible"/>
+                                      </p:to>
+                                    </p:set>
+                                  </p:childTnLst>
+                                </p:cTn>
+                              </p:par>
+                            </p:childTnLst>
+                          </p:cTn>
+                        </p:par>
+                      </p:childTnLst>
+                    </p:cTn>
+                  </p:par>
+                  <p:par>
+                    <p:cTn id="7" fill="hold">
+                      <p:stCondLst>
+                        <p:cond delay="indefinite"/>
+                      </p:stCondLst>
+                      <p:childTnLst>
+                        <p:par>
+                          <p:cTn id="8" fill="hold">
+                            <p:stCondLst>
+                              <p:cond delay="0"/>
+                            </p:stCondLst>
+                            <p:childTnLst>
+                              <p:par>
+                                <p:cTn id="9" presetID="1" presetClass="entr" presetSubtype="0" fill="hold" nodeType="clickEffect">
+                                  <p:stCondLst>
+                                    <p:cond delay="0"/>
+                                  </p:stCondLst>
+                                  <p:childTnLst>
+                                    <p:set>
+                                      <p:cBhvr>
+                                        <p:cTn id="10" dur="1" fill="hold">
+                                          <p:stCondLst>
+                                            <p:cond delay="0"/>
+                                          </p:stCondLst>
+                                        </p:cTn>
+                                        <p:tgtEl>
+                                          <p:spTgt spid="3">
+                                            <p:txEl>
+                                              <p:pRg st="1" end="1"/>
+                                            </p:txEl>
+                                          </p:spTgt>
+                                        </p:tgtEl>
+                                        <p:attrNameLst>
+                                          <p:attrName>style.visibility</p:attrName>
+                                        </p:attrNameLst>
+                                      </p:cBhvr>
+                                      <p:to>
+                                        <p:strVal val="visible"/>
+                                      </p:to>
+                                    </p:set>
+                                  </p:childTnLst>
+                                </p:cTn>
+                              </p:par>
+                            </p:childTnLst>
+                          </p:cTn>
+                        </p:par>
+                      </p:childTnLst>
+                    </p:cTn>
+                  </p:par>
+                  <p:par>
+                    <p:cTn id="11" fill="hold">
+                      <p:stCondLst>
+                        <p:cond delay="indefinite"/>
+                      </p:stCondLst>
+                      <p:childTnLst>
+                        <p:par>
+                          <p:cTn id="12" fill="hold">
+                            <p:stCondLst>
+                              <p:cond delay="0"/>
+                            </p:stCondLst>
+                            <p:childTnLst>
+                              <p:par>
+                                <p:cTn id="13" presetID="1" presetClass="entr" presetSubtype="0" fill="hold" nodeType="clickEffect">
+                                  <p:stCondLst>
+                                    <p:cond delay="0"/>
+                                  </p:stCondLst>
+                                  <p:childTnLst>
+                                    <p:set>
+                                      <p:cBhvr>
+                                        <p:cTn id="14" dur="1" fill="hold">
+                                          <p:stCondLst>
+                                            <p:cond delay="0"/>
+                                          </p:stCondLst>
+                                        </p:cTn>
+                                        <p:tgtEl>
+                                          <p:spTgt spid="3">
+                                            <p:txEl>
+                                              <p:pRg st="2" end="2"/>
+                                            </p:txEl>
+                                          </p:spTgt>
+                                        </p:tgtEl>
+                                        <p:attrNameLst>
+                                          <p:attrName>style.visibility</p:attrName>
+                                        </p:attrNameLst>
+                                      </p:cBhvr>
+                                      <p:to>
+                                        <p:strVal val="visible"/>
+                                      </p:to>
+                                    </p:set>
+                                  </p:childTnLst>
+                                </p:cTn>
+                              </p:par>
+                            </p:childTnLst>
+                          </p:cTn>
+                        </p:par>
+                      </p:childTnLst>
+                    </p:cTn>
+                  </p:par>
+                  <p:par>
+                    <p:cTn id="15" fill="hold">
+                      <p:stCondLst>
+                        <p:cond delay="indefinite"/>
+                      </p:stCondLst>
+                      <p:childTnLst>
+                        <p:par>
+                          <p:cTn id="16" fill="hold">
+                            <p:stCondLst>
+                              <p:cond delay="0"/>
+                            </p:stCondLst>
+                            <p:childTnLst>
+                              <p:par>
+                                <p:cTn id="17" presetID="1" presetClass="entr" presetSubtype="0" fill="hold" nodeType="clickEffect">
+                                  <p:stCondLst>
+                                    <p:cond delay="0"/>
+                                  </p:stCondLst>
+                                  <p:childTnLst>
+                                    <p:set>
+                                      <p:cBhvr>
+                                        <p:cTn id="18" dur="1" fill="hold">
+                                          <p:stCondLst>
+                                            <p:cond delay="0"/>
+                                          </p:stCondLst>
+                                        </p:cTn>
+                                        <p:tgtEl>
+                                          <p:spTgt spid="3">
+                                            <p:txEl>
+                                              <p:pRg st="3" end="3"/>
+                                            </p:txEl>
+                                          </p:spTgt>
+                                        </p:tgtEl>
+                                        <p:attrNameLst>
+                                          <p:attrName>style.visibility</p:attrName>
+                                        </p:attrNameLst>
+                                      </p:cBhvr>
+                                      <p:to>
+                                        <p:strVal val="visible"/>
+                                      </p:to>
+                                    </p:set>
+                                  </p:childTnLst>
+                                </p:cTn>
+                              </p:par>
+                            </p:childTnLst>
+                          </p:cTn>
+                        </p:par>
+                      </p:childTnLst>
+                    </p:cTn>
+                  </p:par>
+                  <p:par>
+                    <p:cTn id="19" fill="hold">
+                      <p:stCondLst>
+                        <p:cond delay="indefinite"/>
+                      </p:stCondLst>
+                      <p:childTnLst>
+                        <p:par>
+                          <p:cTn id="20" fill="hold">
+                            <p:stCondLst>
+                              <p:cond delay="0"/>
+                            </p:stCondLst>
+                            <p:childTnLst>
+                              <p:par>
+                                <p:cTn id="21" presetID="1" presetClass="entr" presetSubtype="0" fill="hold" nodeType="clickEffect">
+                                  <p:stCondLst>
+                                    <p:cond delay="0"/>
+                                  </p:stCondLst>
+                                  <p:childTnLst>
+                                    <p:set>
+                                      <p:cBhvr>
+                                        <p:cTn id="22" dur="1" fill="hold">
+                                          <p:stCondLst>
+                                            <p:cond delay="0"/>
+                                          </p:stCondLst>
+                                        </p:cTn>
+                                        <p:tgtEl>
+                                          <p:spTgt spid="3">
+                                            <p:txEl>
+                                              <p:pRg st="4" end="4"/>
+                                            </p:txEl>
+                                          </p:spTgt>
+                                        </p:tgtEl>
+                                        <p:attrNameLst>
+                                          <p:attrName>style.visibility</p:attrName>
+                                        </p:attrNameLst>
+                                      </p:cBhvr>
+                                      <p:to>
+                                        <p:strVal val="visible"/>
+                                      </p:to>
+                                    </p:set>
+                                  </p:childTnLst>
+                                </p:cTn>
+                              </p:par>
+                            </p:childTnLst>
+                          </p:cTn>
+                        </p:par>
+                      </p:childTnLst>
+                    </p:cTn>
+                  </p:par>
+                </p:childTnLst>
+              </p:cTn>
+              <p:prevCondLst>
+                <p:cond evt="onPrev" delay="0">
+                  <p:tgtEl>
+                    <p:sldTgt/>
+                  </p:tgtEl>
+                </p:cond>
+              </p:prevCondLst>
+              <p:nextCondLst>
+                <p:cond evt="onNext" delay="0">
+                  <p:tgtEl>
+                    <p:sldTgt/>
+                  </p:tgtEl>
+                </p:cond>
+              </p:nextCondLst>
+            </p:seq>
+          </p:childTnLst>
+        </p:cTn>
+      </p:par>
+    </p:tnLst>
+  </p:timing>
 </p:sld>
 </file>
 
@@ -7095,10 +13929,10 @@
       </p:grpSpPr>
       <p:sp>
         <p:nvSpPr>
-          <p:cNvPr id="2" name="Title 1">
-            <a:extLst>
-              <a:ext uri="{FF2B5EF4-FFF2-40B4-BE49-F238E27FC236}">
-                <a16:creationId xmlns:a16="http://schemas.microsoft.com/office/drawing/2014/main" id="{1903578F-60F4-4A7B-9DE7-BAC224182231}"/>
+          <p:cNvPr id="4" name="Title 3">
+            <a:extLst>
+              <a:ext uri="{FF2B5EF4-FFF2-40B4-BE49-F238E27FC236}">
+                <a16:creationId xmlns:a16="http://schemas.microsoft.com/office/drawing/2014/main" id="{719D151C-7D67-4AAC-83EB-CF152EC39B13}"/>
               </a:ext>
             </a:extLst>
           </p:cNvPr>
@@ -7118,382 +13952,15 @@
               <a:rPr lang="en-US" dirty="0">
                 <a:latin typeface="Abadi Extra Light" panose="020B0204020104020204" pitchFamily="34" charset="0"/>
               </a:rPr>
-              <a:t>Usage</a:t>
+              <a:t>Microcontroller Configuration</a:t>
             </a:r>
           </a:p>
         </p:txBody>
       </p:sp>
-      <p:sp>
-        <p:nvSpPr>
-          <p:cNvPr id="3" name="Content Placeholder 2">
-            <a:extLst>
-              <a:ext uri="{FF2B5EF4-FFF2-40B4-BE49-F238E27FC236}">
-                <a16:creationId xmlns:a16="http://schemas.microsoft.com/office/drawing/2014/main" id="{776D1D23-EAA9-4441-8FEF-C5BC8E362DB0}"/>
-              </a:ext>
-            </a:extLst>
-          </p:cNvPr>
-          <p:cNvSpPr>
-            <a:spLocks noGrp="1"/>
-          </p:cNvSpPr>
-          <p:nvPr>
-            <p:ph idx="1"/>
-          </p:nvPr>
-        </p:nvSpPr>
-        <p:spPr>
-          <a:xfrm>
-            <a:off x="3971498" y="1825624"/>
-            <a:ext cx="7955031" cy="4667233"/>
-          </a:xfrm>
-        </p:spPr>
-        <p:txBody>
-          <a:bodyPr>
-            <a:normAutofit/>
-          </a:bodyPr>
-          <a:lstStyle/>
-          <a:p>
-            <a:pPr marL="0" indent="0">
-              <a:buNone/>
-            </a:pPr>
-            <a:r>
-              <a:rPr lang="en-US" dirty="0">
-                <a:latin typeface="Book Antiqua" panose="02040602050305030304" pitchFamily="18" charset="0"/>
-              </a:rPr>
-              <a:t>visualize data through </a:t>
-            </a:r>
-            <a:r>
-              <a:rPr lang="en-US" b="1" dirty="0" err="1">
-                <a:latin typeface="Book Antiqua" panose="02040602050305030304" pitchFamily="18" charset="0"/>
-              </a:rPr>
-              <a:t>grafana</a:t>
-            </a:r>
-            <a:endParaRPr lang="en-US" b="1" dirty="0">
-              <a:latin typeface="Book Antiqua" panose="02040602050305030304" pitchFamily="18" charset="0"/>
-            </a:endParaRPr>
-          </a:p>
-          <a:p>
-            <a:pPr marL="0" indent="0">
-              <a:buNone/>
-            </a:pPr>
-            <a:r>
-              <a:rPr lang="en-US" dirty="0">
-                <a:latin typeface="Book Antiqua" panose="02040602050305030304" pitchFamily="18" charset="0"/>
-              </a:rPr>
-              <a:t>configure database through </a:t>
-            </a:r>
-            <a:r>
-              <a:rPr lang="en-US" b="1" dirty="0" err="1">
-                <a:latin typeface="Book Antiqua" panose="02040602050305030304" pitchFamily="18" charset="0"/>
-              </a:rPr>
-              <a:t>pgAdmin</a:t>
-            </a:r>
-            <a:endParaRPr lang="en-US" b="1" dirty="0">
-              <a:latin typeface="Book Antiqua" panose="02040602050305030304" pitchFamily="18" charset="0"/>
-            </a:endParaRPr>
-          </a:p>
-        </p:txBody>
-      </p:sp>
-      <p:cxnSp>
-        <p:nvCxnSpPr>
-          <p:cNvPr id="15" name="Straight Connector 14">
-            <a:extLst>
-              <a:ext uri="{FF2B5EF4-FFF2-40B4-BE49-F238E27FC236}">
-                <a16:creationId xmlns:a16="http://schemas.microsoft.com/office/drawing/2014/main" id="{17593F09-B2DB-4D0B-B67A-FDBBA69A0934}"/>
-              </a:ext>
-            </a:extLst>
-          </p:cNvPr>
-          <p:cNvCxnSpPr>
-            <a:cxnSpLocks/>
-          </p:cNvCxnSpPr>
-          <p:nvPr/>
-        </p:nvCxnSpPr>
-        <p:spPr>
-          <a:xfrm>
-            <a:off x="761837" y="1396181"/>
-            <a:ext cx="10668327" cy="0"/>
-          </a:xfrm>
-          <a:prstGeom prst="line">
-            <a:avLst/>
-          </a:prstGeom>
-          <a:ln>
-            <a:solidFill>
-              <a:schemeClr val="bg1">
-                <a:lumMod val="85000"/>
-              </a:schemeClr>
-            </a:solidFill>
-          </a:ln>
-        </p:spPr>
-        <p:style>
-          <a:lnRef idx="1">
-            <a:schemeClr val="accent1"/>
-          </a:lnRef>
-          <a:fillRef idx="0">
-            <a:schemeClr val="accent1"/>
-          </a:fillRef>
-          <a:effectRef idx="0">
-            <a:schemeClr val="accent1"/>
-          </a:effectRef>
-          <a:fontRef idx="minor">
-            <a:schemeClr val="tx1"/>
-          </a:fontRef>
-        </p:style>
-      </p:cxnSp>
-      <p:grpSp>
-        <p:nvGrpSpPr>
-          <p:cNvPr id="4" name="Group 3">
-            <a:extLst>
-              <a:ext uri="{FF2B5EF4-FFF2-40B4-BE49-F238E27FC236}">
-                <a16:creationId xmlns:a16="http://schemas.microsoft.com/office/drawing/2014/main" id="{E5588191-546B-4D39-BEA0-AD3F8173EFA3}"/>
-              </a:ext>
-            </a:extLst>
-          </p:cNvPr>
-          <p:cNvGrpSpPr/>
-          <p:nvPr/>
-        </p:nvGrpSpPr>
-        <p:grpSpPr>
-          <a:xfrm>
-            <a:off x="692561" y="1594381"/>
-            <a:ext cx="2857356" cy="4898470"/>
-            <a:chOff x="761836" y="1511251"/>
-            <a:chExt cx="2857356" cy="4898470"/>
-          </a:xfrm>
-        </p:grpSpPr>
-        <p:pic>
-          <p:nvPicPr>
-            <p:cNvPr id="7" name="Picture 4" descr="Image result for raspberry pi 4">
-              <a:extLst>
-                <a:ext uri="{FF2B5EF4-FFF2-40B4-BE49-F238E27FC236}">
-                  <a16:creationId xmlns:a16="http://schemas.microsoft.com/office/drawing/2014/main" id="{AB128086-6107-4454-B823-BC4B89B8D2C0}"/>
-                </a:ext>
-              </a:extLst>
-            </p:cNvPr>
-            <p:cNvPicPr>
-              <a:picLocks noChangeAspect="1" noChangeArrowheads="1"/>
-            </p:cNvPicPr>
-            <p:nvPr/>
-          </p:nvPicPr>
-          <p:blipFill rotWithShape="1">
-            <a:blip r:embed="rId2">
-              <a:extLst>
-                <a:ext uri="{28A0092B-C50C-407E-A947-70E740481C1C}">
-                  <a14:useLocalDpi xmlns:a14="http://schemas.microsoft.com/office/drawing/2010/main" val="0"/>
-                </a:ext>
-              </a:extLst>
-            </a:blip>
-            <a:srcRect b="16017"/>
-            <a:stretch/>
-          </p:blipFill>
-          <p:spPr bwMode="auto">
-            <a:xfrm>
-              <a:off x="761836" y="4059324"/>
-              <a:ext cx="2798676" cy="2350397"/>
-            </a:xfrm>
-            <a:prstGeom prst="rect">
-              <a:avLst/>
-            </a:prstGeom>
-            <a:noFill/>
-            <a:extLst>
-              <a:ext uri="{909E8E84-426E-40DD-AFC4-6F175D3DCCD1}">
-                <a14:hiddenFill xmlns:a14="http://schemas.microsoft.com/office/drawing/2010/main">
-                  <a:solidFill>
-                    <a:srgbClr val="FFFFFF"/>
-                  </a:solidFill>
-                </a14:hiddenFill>
-              </a:ext>
-            </a:extLst>
-          </p:spPr>
-        </p:pic>
-        <p:pic>
-          <p:nvPicPr>
-            <p:cNvPr id="8" name="Picture 6" descr="Image result for laptop">
-              <a:extLst>
-                <a:ext uri="{FF2B5EF4-FFF2-40B4-BE49-F238E27FC236}">
-                  <a16:creationId xmlns:a16="http://schemas.microsoft.com/office/drawing/2014/main" id="{B0D862ED-C8D4-47FC-BC68-01180D596483}"/>
-                </a:ext>
-              </a:extLst>
-            </p:cNvPr>
-            <p:cNvPicPr>
-              <a:picLocks noChangeAspect="1" noChangeArrowheads="1"/>
-            </p:cNvPicPr>
-            <p:nvPr/>
-          </p:nvPicPr>
-          <p:blipFill>
-            <a:blip r:embed="rId3">
-              <a:extLst>
-                <a:ext uri="{28A0092B-C50C-407E-A947-70E740481C1C}">
-                  <a14:useLocalDpi xmlns:a14="http://schemas.microsoft.com/office/drawing/2010/main" val="0"/>
-                </a:ext>
-              </a:extLst>
-            </a:blip>
-            <a:srcRect/>
-            <a:stretch>
-              <a:fillRect/>
-            </a:stretch>
-          </p:blipFill>
-          <p:spPr bwMode="auto">
-            <a:xfrm>
-              <a:off x="1714192" y="1511251"/>
-              <a:ext cx="1905000" cy="1905000"/>
-            </a:xfrm>
-            <a:prstGeom prst="rect">
-              <a:avLst/>
-            </a:prstGeom>
-            <a:noFill/>
-            <a:extLst>
-              <a:ext uri="{909E8E84-426E-40DD-AFC4-6F175D3DCCD1}">
-                <a14:hiddenFill xmlns:a14="http://schemas.microsoft.com/office/drawing/2010/main">
-                  <a:solidFill>
-                    <a:srgbClr val="FFFFFF"/>
-                  </a:solidFill>
-                </a14:hiddenFill>
-              </a:ext>
-            </a:extLst>
-          </p:spPr>
-        </p:pic>
-        <p:cxnSp>
-          <p:nvCxnSpPr>
-            <p:cNvPr id="9" name="Straight Arrow Connector 8">
-              <a:extLst>
-                <a:ext uri="{FF2B5EF4-FFF2-40B4-BE49-F238E27FC236}">
-                  <a16:creationId xmlns:a16="http://schemas.microsoft.com/office/drawing/2014/main" id="{B440352A-8F54-46D9-A785-B9986C39F111}"/>
-                </a:ext>
-              </a:extLst>
-            </p:cNvPr>
-            <p:cNvCxnSpPr>
-              <a:cxnSpLocks/>
-            </p:cNvCxnSpPr>
-            <p:nvPr/>
-          </p:nvCxnSpPr>
-          <p:spPr>
-            <a:xfrm>
-              <a:off x="2659838" y="3241727"/>
-              <a:ext cx="0" cy="1369065"/>
-            </a:xfrm>
-            <a:prstGeom prst="straightConnector1">
-              <a:avLst/>
-            </a:prstGeom>
-            <a:ln w="57150">
-              <a:solidFill>
-                <a:schemeClr val="bg1">
-                  <a:lumMod val="85000"/>
-                </a:schemeClr>
-              </a:solidFill>
-              <a:prstDash val="sysDash"/>
-              <a:headEnd type="triangle"/>
-              <a:tailEnd type="triangle"/>
-            </a:ln>
-          </p:spPr>
-          <p:style>
-            <a:lnRef idx="1">
-              <a:schemeClr val="accent1"/>
-            </a:lnRef>
-            <a:fillRef idx="0">
-              <a:schemeClr val="accent1"/>
-            </a:fillRef>
-            <a:effectRef idx="0">
-              <a:schemeClr val="accent1"/>
-            </a:effectRef>
-            <a:fontRef idx="minor">
-              <a:schemeClr val="tx1"/>
-            </a:fontRef>
-          </p:style>
-        </p:cxnSp>
-      </p:grpSp>
-      <p:pic>
-        <p:nvPicPr>
-          <p:cNvPr id="2050" name="Picture 2" descr="Image result for chrome">
-            <a:extLst>
-              <a:ext uri="{FF2B5EF4-FFF2-40B4-BE49-F238E27FC236}">
-                <a16:creationId xmlns:a16="http://schemas.microsoft.com/office/drawing/2014/main" id="{19409304-7490-4AD2-9EFE-4CE435C38B05}"/>
-              </a:ext>
-            </a:extLst>
-          </p:cNvPr>
-          <p:cNvPicPr>
-            <a:picLocks noChangeAspect="1" noChangeArrowheads="1"/>
-          </p:cNvPicPr>
-          <p:nvPr/>
-        </p:nvPicPr>
-        <p:blipFill>
-          <a:blip r:embed="rId4">
-            <a:extLst>
-              <a:ext uri="{28A0092B-C50C-407E-A947-70E740481C1C}">
-                <a14:useLocalDpi xmlns:a14="http://schemas.microsoft.com/office/drawing/2010/main" val="0"/>
-              </a:ext>
-            </a:extLst>
-          </a:blip>
-          <a:srcRect/>
-          <a:stretch>
-            <a:fillRect/>
-          </a:stretch>
-        </p:blipFill>
-        <p:spPr bwMode="auto">
-          <a:xfrm>
-            <a:off x="2299854" y="606737"/>
-            <a:ext cx="1066694" cy="711129"/>
-          </a:xfrm>
-          <a:prstGeom prst="rect">
-            <a:avLst/>
-          </a:prstGeom>
-          <a:noFill/>
-          <a:extLst>
-            <a:ext uri="{909E8E84-426E-40DD-AFC4-6F175D3DCCD1}">
-              <a14:hiddenFill xmlns:a14="http://schemas.microsoft.com/office/drawing/2010/main">
-                <a:solidFill>
-                  <a:srgbClr val="FFFFFF"/>
-                </a:solidFill>
-              </a14:hiddenFill>
-            </a:ext>
-          </a:extLst>
-        </p:spPr>
-      </p:pic>
-      <p:cxnSp>
-        <p:nvCxnSpPr>
-          <p:cNvPr id="10" name="Straight Connector 9">
-            <a:extLst>
-              <a:ext uri="{FF2B5EF4-FFF2-40B4-BE49-F238E27FC236}">
-                <a16:creationId xmlns:a16="http://schemas.microsoft.com/office/drawing/2014/main" id="{8830F824-E101-496B-B421-67A36E4D8518}"/>
-              </a:ext>
-            </a:extLst>
-          </p:cNvPr>
-          <p:cNvCxnSpPr>
-            <a:cxnSpLocks/>
-          </p:cNvCxnSpPr>
-          <p:nvPr/>
-        </p:nvCxnSpPr>
-        <p:spPr>
-          <a:xfrm>
-            <a:off x="3783106" y="1396181"/>
-            <a:ext cx="0" cy="3776454"/>
-          </a:xfrm>
-          <a:prstGeom prst="line">
-            <a:avLst/>
-          </a:prstGeom>
-          <a:ln>
-            <a:solidFill>
-              <a:schemeClr val="bg1">
-                <a:lumMod val="85000"/>
-              </a:schemeClr>
-            </a:solidFill>
-          </a:ln>
-        </p:spPr>
-        <p:style>
-          <a:lnRef idx="1">
-            <a:schemeClr val="accent1"/>
-          </a:lnRef>
-          <a:fillRef idx="0">
-            <a:schemeClr val="accent1"/>
-          </a:fillRef>
-          <a:effectRef idx="0">
-            <a:schemeClr val="accent1"/>
-          </a:effectRef>
-          <a:fontRef idx="minor">
-            <a:schemeClr val="tx1"/>
-          </a:fontRef>
-        </p:style>
-      </p:cxnSp>
     </p:spTree>
     <p:extLst>
       <p:ext uri="{BB962C8B-B14F-4D97-AF65-F5344CB8AC3E}">
-        <p14:creationId xmlns:p14="http://schemas.microsoft.com/office/powerpoint/2010/main" val="1014902725"/>
+        <p14:creationId xmlns:p14="http://schemas.microsoft.com/office/powerpoint/2010/main" val="3786338651"/>
       </p:ext>
     </p:extLst>
   </p:cSld>
